--- a/Industrial Revolution/Industrial Revolution - Image Files/Industrial Revolution - Image Initializer.pptx
+++ b/Industrial Revolution/Industrial Revolution - Image Files/Industrial Revolution - Image Initializer.pptx
@@ -104,6 +104,11 @@
       </a:defRPr>
     </a:lvl9pPr>
   </p:defaultTextStyle>
+  <p:extLst>
+    <p:ext uri="{EFAFB233-063F-42B5-8137-9DF3F51BA10A}">
+      <p15:sldGuideLst xmlns:p15="http://schemas.microsoft.com/office/powerpoint/2012/main"/>
+    </p:ext>
+  </p:extLst>
 </p:presentation>
 </file>
 
@@ -238,7 +243,7 @@
           <a:p>
             <a:fld id="{B6D6A155-47A8-468A-A74D-B48DEA3014CE}" type="datetimeFigureOut">
               <a:rPr lang="en-US" smtClean="0"/>
-              <a:t>1/1/2023</a:t>
+              <a:t>1/4/2023</a:t>
             </a:fld>
             <a:endParaRPr lang="en-US"/>
           </a:p>
@@ -408,7 +413,7 @@
           <a:p>
             <a:fld id="{B6D6A155-47A8-468A-A74D-B48DEA3014CE}" type="datetimeFigureOut">
               <a:rPr lang="en-US" smtClean="0"/>
-              <a:t>1/1/2023</a:t>
+              <a:t>1/4/2023</a:t>
             </a:fld>
             <a:endParaRPr lang="en-US"/>
           </a:p>
@@ -588,7 +593,7 @@
           <a:p>
             <a:fld id="{B6D6A155-47A8-468A-A74D-B48DEA3014CE}" type="datetimeFigureOut">
               <a:rPr lang="en-US" smtClean="0"/>
-              <a:t>1/1/2023</a:t>
+              <a:t>1/4/2023</a:t>
             </a:fld>
             <a:endParaRPr lang="en-US"/>
           </a:p>
@@ -758,7 +763,7 @@
           <a:p>
             <a:fld id="{B6D6A155-47A8-468A-A74D-B48DEA3014CE}" type="datetimeFigureOut">
               <a:rPr lang="en-US" smtClean="0"/>
-              <a:t>1/1/2023</a:t>
+              <a:t>1/4/2023</a:t>
             </a:fld>
             <a:endParaRPr lang="en-US"/>
           </a:p>
@@ -1004,7 +1009,7 @@
           <a:p>
             <a:fld id="{B6D6A155-47A8-468A-A74D-B48DEA3014CE}" type="datetimeFigureOut">
               <a:rPr lang="en-US" smtClean="0"/>
-              <a:t>1/1/2023</a:t>
+              <a:t>1/4/2023</a:t>
             </a:fld>
             <a:endParaRPr lang="en-US"/>
           </a:p>
@@ -1236,7 +1241,7 @@
           <a:p>
             <a:fld id="{B6D6A155-47A8-468A-A74D-B48DEA3014CE}" type="datetimeFigureOut">
               <a:rPr lang="en-US" smtClean="0"/>
-              <a:t>1/1/2023</a:t>
+              <a:t>1/4/2023</a:t>
             </a:fld>
             <a:endParaRPr lang="en-US"/>
           </a:p>
@@ -1603,7 +1608,7 @@
           <a:p>
             <a:fld id="{B6D6A155-47A8-468A-A74D-B48DEA3014CE}" type="datetimeFigureOut">
               <a:rPr lang="en-US" smtClean="0"/>
-              <a:t>1/1/2023</a:t>
+              <a:t>1/4/2023</a:t>
             </a:fld>
             <a:endParaRPr lang="en-US"/>
           </a:p>
@@ -1721,7 +1726,7 @@
           <a:p>
             <a:fld id="{B6D6A155-47A8-468A-A74D-B48DEA3014CE}" type="datetimeFigureOut">
               <a:rPr lang="en-US" smtClean="0"/>
-              <a:t>1/1/2023</a:t>
+              <a:t>1/4/2023</a:t>
             </a:fld>
             <a:endParaRPr lang="en-US"/>
           </a:p>
@@ -1816,7 +1821,7 @@
           <a:p>
             <a:fld id="{B6D6A155-47A8-468A-A74D-B48DEA3014CE}" type="datetimeFigureOut">
               <a:rPr lang="en-US" smtClean="0"/>
-              <a:t>1/1/2023</a:t>
+              <a:t>1/4/2023</a:t>
             </a:fld>
             <a:endParaRPr lang="en-US"/>
           </a:p>
@@ -2093,7 +2098,7 @@
           <a:p>
             <a:fld id="{B6D6A155-47A8-468A-A74D-B48DEA3014CE}" type="datetimeFigureOut">
               <a:rPr lang="en-US" smtClean="0"/>
-              <a:t>1/1/2023</a:t>
+              <a:t>1/4/2023</a:t>
             </a:fld>
             <a:endParaRPr lang="en-US"/>
           </a:p>
@@ -2346,7 +2351,7 @@
           <a:p>
             <a:fld id="{B6D6A155-47A8-468A-A74D-B48DEA3014CE}" type="datetimeFigureOut">
               <a:rPr lang="en-US" smtClean="0"/>
-              <a:t>1/1/2023</a:t>
+              <a:t>1/4/2023</a:t>
             </a:fld>
             <a:endParaRPr lang="en-US"/>
           </a:p>
@@ -2559,7 +2564,7 @@
           <a:p>
             <a:fld id="{B6D6A155-47A8-468A-A74D-B48DEA3014CE}" type="datetimeFigureOut">
               <a:rPr lang="en-US" smtClean="0"/>
-              <a:t>1/1/2023</a:t>
+              <a:t>1/4/2023</a:t>
             </a:fld>
             <a:endParaRPr lang="en-US"/>
           </a:p>
@@ -2966,6 +2971,102 @@
       </p:grpSpPr>
       <p:sp>
         <p:nvSpPr>
+          <p:cNvPr id="8" name="Rectangle 7"/>
+          <p:cNvSpPr/>
+          <p:nvPr/>
+        </p:nvSpPr>
+        <p:spPr>
+          <a:xfrm>
+            <a:off x="2730380" y="2456202"/>
+            <a:ext cx="5581633" cy="2975256"/>
+          </a:xfrm>
+          <a:prstGeom prst="rect">
+            <a:avLst/>
+          </a:prstGeom>
+          <a:solidFill>
+            <a:schemeClr val="accent3"/>
+          </a:solidFill>
+          <a:ln w="38100">
+            <a:solidFill>
+              <a:schemeClr val="tx1"/>
+            </a:solidFill>
+          </a:ln>
+        </p:spPr>
+        <p:style>
+          <a:lnRef idx="2">
+            <a:schemeClr val="accent1">
+              <a:shade val="50000"/>
+            </a:schemeClr>
+          </a:lnRef>
+          <a:fillRef idx="1">
+            <a:schemeClr val="accent1"/>
+          </a:fillRef>
+          <a:effectRef idx="0">
+            <a:schemeClr val="accent1"/>
+          </a:effectRef>
+          <a:fontRef idx="minor">
+            <a:schemeClr val="lt1"/>
+          </a:fontRef>
+        </p:style>
+        <p:txBody>
+          <a:bodyPr rtlCol="0" anchor="ctr"/>
+          <a:lstStyle/>
+          <a:p>
+            <a:pPr algn="ctr"/>
+            <a:endParaRPr lang="en-US"/>
+          </a:p>
+        </p:txBody>
+      </p:sp>
+      <p:sp>
+        <p:nvSpPr>
+          <p:cNvPr id="7" name="Rectangle 6"/>
+          <p:cNvSpPr/>
+          <p:nvPr/>
+        </p:nvSpPr>
+        <p:spPr>
+          <a:xfrm>
+            <a:off x="2269459" y="2456713"/>
+            <a:ext cx="356616" cy="356616"/>
+          </a:xfrm>
+          <a:prstGeom prst="rect">
+            <a:avLst/>
+          </a:prstGeom>
+          <a:solidFill>
+            <a:schemeClr val="accent3"/>
+          </a:solidFill>
+          <a:ln w="38100">
+            <a:solidFill>
+              <a:schemeClr val="tx1"/>
+            </a:solidFill>
+          </a:ln>
+        </p:spPr>
+        <p:style>
+          <a:lnRef idx="2">
+            <a:schemeClr val="accent1">
+              <a:shade val="50000"/>
+            </a:schemeClr>
+          </a:lnRef>
+          <a:fillRef idx="1">
+            <a:schemeClr val="accent1"/>
+          </a:fillRef>
+          <a:effectRef idx="0">
+            <a:schemeClr val="accent1"/>
+          </a:effectRef>
+          <a:fontRef idx="minor">
+            <a:schemeClr val="lt1"/>
+          </a:fontRef>
+        </p:style>
+        <p:txBody>
+          <a:bodyPr rtlCol="0" anchor="ctr"/>
+          <a:lstStyle/>
+          <a:p>
+            <a:pPr algn="ctr"/>
+            <a:endParaRPr lang="en-US"/>
+          </a:p>
+        </p:txBody>
+      </p:sp>
+      <p:sp>
+        <p:nvSpPr>
           <p:cNvPr id="4" name="TextBox 3"/>
           <p:cNvSpPr txBox="1"/>
           <p:nvPr/>
@@ -3105,33 +3206,33 @@
           <a:lstStyle/>
           <a:p>
             <a:r>
-              <a:rPr lang="en-US" u="sng" smtClean="0">
+              <a:rPr lang="en-US" u="sng" dirty="0" smtClean="0">
                 <a:latin typeface="Comic Sans MS" panose="030F0702030302020204" pitchFamily="66" charset="0"/>
               </a:rPr>
               <a:t>Market</a:t>
             </a:r>
           </a:p>
           <a:p>
-            <a:endParaRPr lang="en-US" smtClean="0">
+            <a:endParaRPr lang="en-US" dirty="0" smtClean="0">
               <a:latin typeface="Comic Sans MS" panose="030F0702030302020204" pitchFamily="66" charset="0"/>
             </a:endParaRPr>
           </a:p>
           <a:p>
             <a:r>
-              <a:rPr lang="en-US" smtClean="0">
+              <a:rPr lang="en-US" dirty="0" smtClean="0">
                 <a:latin typeface="Comic Sans MS" panose="030F0702030302020204" pitchFamily="66" charset="0"/>
               </a:rPr>
               <a:t>Buy and/or Sell Goods</a:t>
             </a:r>
           </a:p>
           <a:p>
-            <a:endParaRPr lang="en-US" smtClean="0">
+            <a:endParaRPr lang="en-US" dirty="0" smtClean="0">
               <a:latin typeface="Comic Sans MS" panose="030F0702030302020204" pitchFamily="66" charset="0"/>
             </a:endParaRPr>
           </a:p>
           <a:p>
             <a:r>
-              <a:rPr lang="en-US" smtClean="0">
+              <a:rPr lang="en-US" dirty="0" smtClean="0">
                 <a:latin typeface="Comic Sans MS" panose="030F0702030302020204" pitchFamily="66" charset="0"/>
               </a:rPr>
               <a:t>Buy and/or Sell Items</a:t>
@@ -3139,7 +3240,7 @@
           </a:p>
           <a:p>
             <a:r>
-              <a:rPr lang="en-US" smtClean="0">
+              <a:rPr lang="en-US" dirty="0" smtClean="0">
                 <a:latin typeface="Comic Sans MS" panose="030F0702030302020204" pitchFamily="66" charset="0"/>
               </a:rPr>
               <a:t> </a:t>
@@ -3211,6 +3312,6536 @@
           </a:p>
         </p:txBody>
       </p:sp>
+      <p:sp>
+        <p:nvSpPr>
+          <p:cNvPr id="2" name="Rectangle 1"/>
+          <p:cNvSpPr/>
+          <p:nvPr/>
+        </p:nvSpPr>
+        <p:spPr>
+          <a:xfrm>
+            <a:off x="3602291" y="2710966"/>
+            <a:ext cx="381000" cy="381000"/>
+          </a:xfrm>
+          <a:prstGeom prst="rect">
+            <a:avLst/>
+          </a:prstGeom>
+          <a:solidFill>
+            <a:schemeClr val="bg2"/>
+          </a:solidFill>
+          <a:ln>
+            <a:solidFill>
+              <a:schemeClr val="bg1"/>
+            </a:solidFill>
+          </a:ln>
+        </p:spPr>
+        <p:style>
+          <a:lnRef idx="2">
+            <a:schemeClr val="accent1">
+              <a:shade val="50000"/>
+            </a:schemeClr>
+          </a:lnRef>
+          <a:fillRef idx="1">
+            <a:schemeClr val="accent1"/>
+          </a:fillRef>
+          <a:effectRef idx="0">
+            <a:schemeClr val="accent1"/>
+          </a:effectRef>
+          <a:fontRef idx="minor">
+            <a:schemeClr val="lt1"/>
+          </a:fontRef>
+        </p:style>
+        <p:txBody>
+          <a:bodyPr rtlCol="0" anchor="ctr"/>
+          <a:lstStyle/>
+          <a:p>
+            <a:pPr algn="ctr"/>
+            <a:endParaRPr lang="en-US"/>
+          </a:p>
+        </p:txBody>
+      </p:sp>
+      <p:sp>
+        <p:nvSpPr>
+          <p:cNvPr id="9" name="Rectangle 8"/>
+          <p:cNvSpPr/>
+          <p:nvPr/>
+        </p:nvSpPr>
+        <p:spPr>
+          <a:xfrm>
+            <a:off x="3602291" y="3353130"/>
+            <a:ext cx="381000" cy="381000"/>
+          </a:xfrm>
+          <a:prstGeom prst="rect">
+            <a:avLst/>
+          </a:prstGeom>
+          <a:solidFill>
+            <a:schemeClr val="bg2"/>
+          </a:solidFill>
+          <a:ln>
+            <a:solidFill>
+              <a:schemeClr val="bg1"/>
+            </a:solidFill>
+          </a:ln>
+        </p:spPr>
+        <p:style>
+          <a:lnRef idx="2">
+            <a:schemeClr val="accent1">
+              <a:shade val="50000"/>
+            </a:schemeClr>
+          </a:lnRef>
+          <a:fillRef idx="1">
+            <a:schemeClr val="accent1"/>
+          </a:fillRef>
+          <a:effectRef idx="0">
+            <a:schemeClr val="accent1"/>
+          </a:effectRef>
+          <a:fontRef idx="minor">
+            <a:schemeClr val="lt1"/>
+          </a:fontRef>
+        </p:style>
+        <p:txBody>
+          <a:bodyPr rtlCol="0" anchor="ctr"/>
+          <a:lstStyle/>
+          <a:p>
+            <a:pPr algn="ctr"/>
+            <a:endParaRPr lang="en-US"/>
+          </a:p>
+        </p:txBody>
+      </p:sp>
+      <p:sp>
+        <p:nvSpPr>
+          <p:cNvPr id="10" name="Rectangle 9"/>
+          <p:cNvSpPr/>
+          <p:nvPr/>
+        </p:nvSpPr>
+        <p:spPr>
+          <a:xfrm>
+            <a:off x="3602291" y="4008094"/>
+            <a:ext cx="381000" cy="381000"/>
+          </a:xfrm>
+          <a:prstGeom prst="rect">
+            <a:avLst/>
+          </a:prstGeom>
+          <a:solidFill>
+            <a:schemeClr val="bg2"/>
+          </a:solidFill>
+          <a:ln>
+            <a:solidFill>
+              <a:schemeClr val="bg1"/>
+            </a:solidFill>
+          </a:ln>
+        </p:spPr>
+        <p:style>
+          <a:lnRef idx="2">
+            <a:schemeClr val="accent1">
+              <a:shade val="50000"/>
+            </a:schemeClr>
+          </a:lnRef>
+          <a:fillRef idx="1">
+            <a:schemeClr val="accent1"/>
+          </a:fillRef>
+          <a:effectRef idx="0">
+            <a:schemeClr val="accent1"/>
+          </a:effectRef>
+          <a:fontRef idx="minor">
+            <a:schemeClr val="lt1"/>
+          </a:fontRef>
+        </p:style>
+        <p:txBody>
+          <a:bodyPr rtlCol="0" anchor="ctr"/>
+          <a:lstStyle/>
+          <a:p>
+            <a:pPr algn="ctr"/>
+            <a:endParaRPr lang="en-US"/>
+          </a:p>
+        </p:txBody>
+      </p:sp>
+      <p:sp>
+        <p:nvSpPr>
+          <p:cNvPr id="11" name="Rectangle 10"/>
+          <p:cNvSpPr/>
+          <p:nvPr/>
+        </p:nvSpPr>
+        <p:spPr>
+          <a:xfrm>
+            <a:off x="4182458" y="2710966"/>
+            <a:ext cx="381000" cy="381000"/>
+          </a:xfrm>
+          <a:prstGeom prst="rect">
+            <a:avLst/>
+          </a:prstGeom>
+          <a:solidFill>
+            <a:schemeClr val="bg2"/>
+          </a:solidFill>
+          <a:ln>
+            <a:solidFill>
+              <a:schemeClr val="bg1"/>
+            </a:solidFill>
+          </a:ln>
+        </p:spPr>
+        <p:style>
+          <a:lnRef idx="2">
+            <a:schemeClr val="accent1">
+              <a:shade val="50000"/>
+            </a:schemeClr>
+          </a:lnRef>
+          <a:fillRef idx="1">
+            <a:schemeClr val="accent1"/>
+          </a:fillRef>
+          <a:effectRef idx="0">
+            <a:schemeClr val="accent1"/>
+          </a:effectRef>
+          <a:fontRef idx="minor">
+            <a:schemeClr val="lt1"/>
+          </a:fontRef>
+        </p:style>
+        <p:txBody>
+          <a:bodyPr rtlCol="0" anchor="ctr"/>
+          <a:lstStyle/>
+          <a:p>
+            <a:pPr algn="ctr"/>
+            <a:endParaRPr lang="en-US"/>
+          </a:p>
+        </p:txBody>
+      </p:sp>
+      <p:sp>
+        <p:nvSpPr>
+          <p:cNvPr id="12" name="Rectangle 11"/>
+          <p:cNvSpPr/>
+          <p:nvPr/>
+        </p:nvSpPr>
+        <p:spPr>
+          <a:xfrm>
+            <a:off x="4182458" y="3353130"/>
+            <a:ext cx="381000" cy="381000"/>
+          </a:xfrm>
+          <a:prstGeom prst="rect">
+            <a:avLst/>
+          </a:prstGeom>
+          <a:solidFill>
+            <a:schemeClr val="bg2"/>
+          </a:solidFill>
+          <a:ln>
+            <a:solidFill>
+              <a:schemeClr val="bg1"/>
+            </a:solidFill>
+          </a:ln>
+        </p:spPr>
+        <p:style>
+          <a:lnRef idx="2">
+            <a:schemeClr val="accent1">
+              <a:shade val="50000"/>
+            </a:schemeClr>
+          </a:lnRef>
+          <a:fillRef idx="1">
+            <a:schemeClr val="accent1"/>
+          </a:fillRef>
+          <a:effectRef idx="0">
+            <a:schemeClr val="accent1"/>
+          </a:effectRef>
+          <a:fontRef idx="minor">
+            <a:schemeClr val="lt1"/>
+          </a:fontRef>
+        </p:style>
+        <p:txBody>
+          <a:bodyPr rtlCol="0" anchor="ctr"/>
+          <a:lstStyle/>
+          <a:p>
+            <a:pPr algn="ctr"/>
+            <a:endParaRPr lang="en-US"/>
+          </a:p>
+        </p:txBody>
+      </p:sp>
+      <p:sp>
+        <p:nvSpPr>
+          <p:cNvPr id="13" name="Rectangle 12"/>
+          <p:cNvSpPr/>
+          <p:nvPr/>
+        </p:nvSpPr>
+        <p:spPr>
+          <a:xfrm>
+            <a:off x="4182458" y="4008094"/>
+            <a:ext cx="381000" cy="381000"/>
+          </a:xfrm>
+          <a:prstGeom prst="rect">
+            <a:avLst/>
+          </a:prstGeom>
+          <a:solidFill>
+            <a:schemeClr val="bg2"/>
+          </a:solidFill>
+          <a:ln>
+            <a:solidFill>
+              <a:schemeClr val="bg1"/>
+            </a:solidFill>
+          </a:ln>
+        </p:spPr>
+        <p:style>
+          <a:lnRef idx="2">
+            <a:schemeClr val="accent1">
+              <a:shade val="50000"/>
+            </a:schemeClr>
+          </a:lnRef>
+          <a:fillRef idx="1">
+            <a:schemeClr val="accent1"/>
+          </a:fillRef>
+          <a:effectRef idx="0">
+            <a:schemeClr val="accent1"/>
+          </a:effectRef>
+          <a:fontRef idx="minor">
+            <a:schemeClr val="lt1"/>
+          </a:fontRef>
+        </p:style>
+        <p:txBody>
+          <a:bodyPr rtlCol="0" anchor="ctr"/>
+          <a:lstStyle/>
+          <a:p>
+            <a:pPr algn="ctr"/>
+            <a:endParaRPr lang="en-US"/>
+          </a:p>
+        </p:txBody>
+      </p:sp>
+      <p:sp>
+        <p:nvSpPr>
+          <p:cNvPr id="14" name="Rectangle 13"/>
+          <p:cNvSpPr/>
+          <p:nvPr/>
+        </p:nvSpPr>
+        <p:spPr>
+          <a:xfrm>
+            <a:off x="4762625" y="2710966"/>
+            <a:ext cx="381000" cy="381000"/>
+          </a:xfrm>
+          <a:prstGeom prst="rect">
+            <a:avLst/>
+          </a:prstGeom>
+          <a:solidFill>
+            <a:schemeClr val="bg2"/>
+          </a:solidFill>
+          <a:ln>
+            <a:solidFill>
+              <a:schemeClr val="bg1"/>
+            </a:solidFill>
+          </a:ln>
+        </p:spPr>
+        <p:style>
+          <a:lnRef idx="2">
+            <a:schemeClr val="accent1">
+              <a:shade val="50000"/>
+            </a:schemeClr>
+          </a:lnRef>
+          <a:fillRef idx="1">
+            <a:schemeClr val="accent1"/>
+          </a:fillRef>
+          <a:effectRef idx="0">
+            <a:schemeClr val="accent1"/>
+          </a:effectRef>
+          <a:fontRef idx="minor">
+            <a:schemeClr val="lt1"/>
+          </a:fontRef>
+        </p:style>
+        <p:txBody>
+          <a:bodyPr rtlCol="0" anchor="ctr"/>
+          <a:lstStyle/>
+          <a:p>
+            <a:pPr algn="ctr"/>
+            <a:endParaRPr lang="en-US"/>
+          </a:p>
+        </p:txBody>
+      </p:sp>
+      <p:sp>
+        <p:nvSpPr>
+          <p:cNvPr id="15" name="Rectangle 14"/>
+          <p:cNvSpPr/>
+          <p:nvPr/>
+        </p:nvSpPr>
+        <p:spPr>
+          <a:xfrm>
+            <a:off x="4762625" y="3353130"/>
+            <a:ext cx="381000" cy="381000"/>
+          </a:xfrm>
+          <a:prstGeom prst="rect">
+            <a:avLst/>
+          </a:prstGeom>
+          <a:solidFill>
+            <a:schemeClr val="bg2"/>
+          </a:solidFill>
+          <a:ln>
+            <a:solidFill>
+              <a:schemeClr val="bg1"/>
+            </a:solidFill>
+          </a:ln>
+        </p:spPr>
+        <p:style>
+          <a:lnRef idx="2">
+            <a:schemeClr val="accent1">
+              <a:shade val="50000"/>
+            </a:schemeClr>
+          </a:lnRef>
+          <a:fillRef idx="1">
+            <a:schemeClr val="accent1"/>
+          </a:fillRef>
+          <a:effectRef idx="0">
+            <a:schemeClr val="accent1"/>
+          </a:effectRef>
+          <a:fontRef idx="minor">
+            <a:schemeClr val="lt1"/>
+          </a:fontRef>
+        </p:style>
+        <p:txBody>
+          <a:bodyPr rtlCol="0" anchor="ctr"/>
+          <a:lstStyle/>
+          <a:p>
+            <a:pPr algn="ctr"/>
+            <a:endParaRPr lang="en-US"/>
+          </a:p>
+        </p:txBody>
+      </p:sp>
+      <p:sp>
+        <p:nvSpPr>
+          <p:cNvPr id="16" name="Rectangle 15"/>
+          <p:cNvSpPr/>
+          <p:nvPr/>
+        </p:nvSpPr>
+        <p:spPr>
+          <a:xfrm>
+            <a:off x="4762625" y="4008094"/>
+            <a:ext cx="381000" cy="381000"/>
+          </a:xfrm>
+          <a:prstGeom prst="rect">
+            <a:avLst/>
+          </a:prstGeom>
+          <a:solidFill>
+            <a:schemeClr val="bg2"/>
+          </a:solidFill>
+          <a:ln>
+            <a:solidFill>
+              <a:schemeClr val="bg1"/>
+            </a:solidFill>
+          </a:ln>
+        </p:spPr>
+        <p:style>
+          <a:lnRef idx="2">
+            <a:schemeClr val="accent1">
+              <a:shade val="50000"/>
+            </a:schemeClr>
+          </a:lnRef>
+          <a:fillRef idx="1">
+            <a:schemeClr val="accent1"/>
+          </a:fillRef>
+          <a:effectRef idx="0">
+            <a:schemeClr val="accent1"/>
+          </a:effectRef>
+          <a:fontRef idx="minor">
+            <a:schemeClr val="lt1"/>
+          </a:fontRef>
+        </p:style>
+        <p:txBody>
+          <a:bodyPr rtlCol="0" anchor="ctr"/>
+          <a:lstStyle/>
+          <a:p>
+            <a:pPr algn="ctr"/>
+            <a:endParaRPr lang="en-US"/>
+          </a:p>
+        </p:txBody>
+      </p:sp>
+      <p:sp>
+        <p:nvSpPr>
+          <p:cNvPr id="17" name="Rectangle 16"/>
+          <p:cNvSpPr/>
+          <p:nvPr/>
+        </p:nvSpPr>
+        <p:spPr>
+          <a:xfrm>
+            <a:off x="5342792" y="2710966"/>
+            <a:ext cx="381000" cy="381000"/>
+          </a:xfrm>
+          <a:prstGeom prst="rect">
+            <a:avLst/>
+          </a:prstGeom>
+          <a:solidFill>
+            <a:schemeClr val="bg2"/>
+          </a:solidFill>
+          <a:ln>
+            <a:solidFill>
+              <a:schemeClr val="bg1"/>
+            </a:solidFill>
+          </a:ln>
+        </p:spPr>
+        <p:style>
+          <a:lnRef idx="2">
+            <a:schemeClr val="accent1">
+              <a:shade val="50000"/>
+            </a:schemeClr>
+          </a:lnRef>
+          <a:fillRef idx="1">
+            <a:schemeClr val="accent1"/>
+          </a:fillRef>
+          <a:effectRef idx="0">
+            <a:schemeClr val="accent1"/>
+          </a:effectRef>
+          <a:fontRef idx="minor">
+            <a:schemeClr val="lt1"/>
+          </a:fontRef>
+        </p:style>
+        <p:txBody>
+          <a:bodyPr rtlCol="0" anchor="ctr"/>
+          <a:lstStyle/>
+          <a:p>
+            <a:pPr algn="ctr"/>
+            <a:endParaRPr lang="en-US"/>
+          </a:p>
+        </p:txBody>
+      </p:sp>
+      <p:sp>
+        <p:nvSpPr>
+          <p:cNvPr id="18" name="Rectangle 17"/>
+          <p:cNvSpPr/>
+          <p:nvPr/>
+        </p:nvSpPr>
+        <p:spPr>
+          <a:xfrm>
+            <a:off x="5342792" y="3353130"/>
+            <a:ext cx="381000" cy="381000"/>
+          </a:xfrm>
+          <a:prstGeom prst="rect">
+            <a:avLst/>
+          </a:prstGeom>
+          <a:solidFill>
+            <a:schemeClr val="bg2"/>
+          </a:solidFill>
+          <a:ln>
+            <a:solidFill>
+              <a:schemeClr val="bg1"/>
+            </a:solidFill>
+          </a:ln>
+        </p:spPr>
+        <p:style>
+          <a:lnRef idx="2">
+            <a:schemeClr val="accent1">
+              <a:shade val="50000"/>
+            </a:schemeClr>
+          </a:lnRef>
+          <a:fillRef idx="1">
+            <a:schemeClr val="accent1"/>
+          </a:fillRef>
+          <a:effectRef idx="0">
+            <a:schemeClr val="accent1"/>
+          </a:effectRef>
+          <a:fontRef idx="minor">
+            <a:schemeClr val="lt1"/>
+          </a:fontRef>
+        </p:style>
+        <p:txBody>
+          <a:bodyPr rtlCol="0" anchor="ctr"/>
+          <a:lstStyle/>
+          <a:p>
+            <a:pPr algn="ctr"/>
+            <a:endParaRPr lang="en-US"/>
+          </a:p>
+        </p:txBody>
+      </p:sp>
+      <p:sp>
+        <p:nvSpPr>
+          <p:cNvPr id="19" name="Rectangle 18"/>
+          <p:cNvSpPr/>
+          <p:nvPr/>
+        </p:nvSpPr>
+        <p:spPr>
+          <a:xfrm>
+            <a:off x="5342792" y="4008094"/>
+            <a:ext cx="381000" cy="381000"/>
+          </a:xfrm>
+          <a:prstGeom prst="rect">
+            <a:avLst/>
+          </a:prstGeom>
+          <a:solidFill>
+            <a:schemeClr val="bg2"/>
+          </a:solidFill>
+          <a:ln>
+            <a:solidFill>
+              <a:schemeClr val="bg1"/>
+            </a:solidFill>
+          </a:ln>
+        </p:spPr>
+        <p:style>
+          <a:lnRef idx="2">
+            <a:schemeClr val="accent1">
+              <a:shade val="50000"/>
+            </a:schemeClr>
+          </a:lnRef>
+          <a:fillRef idx="1">
+            <a:schemeClr val="accent1"/>
+          </a:fillRef>
+          <a:effectRef idx="0">
+            <a:schemeClr val="accent1"/>
+          </a:effectRef>
+          <a:fontRef idx="minor">
+            <a:schemeClr val="lt1"/>
+          </a:fontRef>
+        </p:style>
+        <p:txBody>
+          <a:bodyPr rtlCol="0" anchor="ctr"/>
+          <a:lstStyle/>
+          <a:p>
+            <a:pPr algn="ctr"/>
+            <a:endParaRPr lang="en-US"/>
+          </a:p>
+        </p:txBody>
+      </p:sp>
+      <p:sp>
+        <p:nvSpPr>
+          <p:cNvPr id="20" name="Freeform 19"/>
+          <p:cNvSpPr/>
+          <p:nvPr/>
+        </p:nvSpPr>
+        <p:spPr>
+          <a:xfrm>
+            <a:off x="4255041" y="2865639"/>
+            <a:ext cx="255096" cy="176274"/>
+          </a:xfrm>
+          <a:custGeom>
+            <a:avLst/>
+            <a:gdLst>
+              <a:gd name="connsiteX0" fmla="*/ 78489 w 698555"/>
+              <a:gd name="connsiteY0" fmla="*/ 82414 h 482709"/>
+              <a:gd name="connsiteX1" fmla="*/ 290410 w 698555"/>
+              <a:gd name="connsiteY1" fmla="*/ 0 h 482709"/>
+              <a:gd name="connsiteX2" fmla="*/ 620065 w 698555"/>
+              <a:gd name="connsiteY2" fmla="*/ 43169 h 482709"/>
+              <a:gd name="connsiteX3" fmla="*/ 698555 w 698555"/>
+              <a:gd name="connsiteY3" fmla="*/ 310032 h 482709"/>
+              <a:gd name="connsiteX4" fmla="*/ 510180 w 698555"/>
+              <a:gd name="connsiteY4" fmla="*/ 482709 h 482709"/>
+              <a:gd name="connsiteX5" fmla="*/ 0 w 698555"/>
+              <a:gd name="connsiteY5" fmla="*/ 353202 h 482709"/>
+              <a:gd name="connsiteX6" fmla="*/ 51018 w 698555"/>
+              <a:gd name="connsiteY6" fmla="*/ 306108 h 482709"/>
+              <a:gd name="connsiteX7" fmla="*/ 78489 w 698555"/>
+              <a:gd name="connsiteY7" fmla="*/ 82414 h 482709"/>
+            </a:gdLst>
+            <a:ahLst/>
+            <a:cxnLst>
+              <a:cxn ang="0">
+                <a:pos x="connsiteX0" y="connsiteY0"/>
+              </a:cxn>
+              <a:cxn ang="0">
+                <a:pos x="connsiteX1" y="connsiteY1"/>
+              </a:cxn>
+              <a:cxn ang="0">
+                <a:pos x="connsiteX2" y="connsiteY2"/>
+              </a:cxn>
+              <a:cxn ang="0">
+                <a:pos x="connsiteX3" y="connsiteY3"/>
+              </a:cxn>
+              <a:cxn ang="0">
+                <a:pos x="connsiteX4" y="connsiteY4"/>
+              </a:cxn>
+              <a:cxn ang="0">
+                <a:pos x="connsiteX5" y="connsiteY5"/>
+              </a:cxn>
+              <a:cxn ang="0">
+                <a:pos x="connsiteX6" y="connsiteY6"/>
+              </a:cxn>
+              <a:cxn ang="0">
+                <a:pos x="connsiteX7" y="connsiteY7"/>
+              </a:cxn>
+            </a:cxnLst>
+            <a:rect l="l" t="t" r="r" b="b"/>
+            <a:pathLst>
+              <a:path w="698555" h="482709">
+                <a:moveTo>
+                  <a:pt x="78489" y="82414"/>
+                </a:moveTo>
+                <a:lnTo>
+                  <a:pt x="290410" y="0"/>
+                </a:lnTo>
+                <a:lnTo>
+                  <a:pt x="620065" y="43169"/>
+                </a:lnTo>
+                <a:lnTo>
+                  <a:pt x="698555" y="310032"/>
+                </a:lnTo>
+                <a:lnTo>
+                  <a:pt x="510180" y="482709"/>
+                </a:lnTo>
+                <a:lnTo>
+                  <a:pt x="0" y="353202"/>
+                </a:lnTo>
+                <a:lnTo>
+                  <a:pt x="51018" y="306108"/>
+                </a:lnTo>
+                <a:lnTo>
+                  <a:pt x="78489" y="82414"/>
+                </a:lnTo>
+                <a:close/>
+              </a:path>
+            </a:pathLst>
+          </a:custGeom>
+          <a:solidFill>
+            <a:schemeClr val="tx1">
+              <a:lumMod val="95000"/>
+              <a:lumOff val="5000"/>
+            </a:schemeClr>
+          </a:solidFill>
+          <a:ln w="38100">
+            <a:solidFill>
+              <a:schemeClr val="tx1">
+                <a:lumMod val="85000"/>
+                <a:lumOff val="15000"/>
+              </a:schemeClr>
+            </a:solidFill>
+          </a:ln>
+        </p:spPr>
+        <p:style>
+          <a:lnRef idx="2">
+            <a:schemeClr val="accent1">
+              <a:shade val="50000"/>
+            </a:schemeClr>
+          </a:lnRef>
+          <a:fillRef idx="1">
+            <a:schemeClr val="accent1"/>
+          </a:fillRef>
+          <a:effectRef idx="0">
+            <a:schemeClr val="accent1"/>
+          </a:effectRef>
+          <a:fontRef idx="minor">
+            <a:schemeClr val="lt1"/>
+          </a:fontRef>
+        </p:style>
+        <p:txBody>
+          <a:bodyPr rtlCol="0" anchor="ctr"/>
+          <a:lstStyle/>
+          <a:p>
+            <a:pPr algn="ctr"/>
+            <a:endParaRPr lang="en-US"/>
+          </a:p>
+        </p:txBody>
+      </p:sp>
+      <p:sp>
+        <p:nvSpPr>
+          <p:cNvPr id="21" name="TextBox 20"/>
+          <p:cNvSpPr txBox="1"/>
+          <p:nvPr/>
+        </p:nvSpPr>
+        <p:spPr>
+          <a:xfrm>
+            <a:off x="2826085" y="2716800"/>
+            <a:ext cx="640080" cy="369332"/>
+          </a:xfrm>
+          <a:prstGeom prst="rect">
+            <a:avLst/>
+          </a:prstGeom>
+          <a:noFill/>
+        </p:spPr>
+        <p:txBody>
+          <a:bodyPr wrap="square" rtlCol="0">
+            <a:spAutoFit/>
+          </a:bodyPr>
+          <a:lstStyle/>
+          <a:p>
+            <a:pPr algn="ctr"/>
+            <a:r>
+              <a:rPr lang="en-US" dirty="0" smtClean="0">
+                <a:latin typeface="Comic Sans MS" panose="030F0702030302020204" pitchFamily="66" charset="0"/>
+              </a:rPr>
+              <a:t>Buy</a:t>
+            </a:r>
+            <a:endParaRPr lang="en-US" dirty="0">
+              <a:latin typeface="Comic Sans MS" panose="030F0702030302020204" pitchFamily="66" charset="0"/>
+            </a:endParaRPr>
+          </a:p>
+        </p:txBody>
+      </p:sp>
+      <p:sp>
+        <p:nvSpPr>
+          <p:cNvPr id="22" name="TextBox 21"/>
+          <p:cNvSpPr txBox="1"/>
+          <p:nvPr/>
+        </p:nvSpPr>
+        <p:spPr>
+          <a:xfrm>
+            <a:off x="2826085" y="3358964"/>
+            <a:ext cx="640080" cy="369332"/>
+          </a:xfrm>
+          <a:prstGeom prst="rect">
+            <a:avLst/>
+          </a:prstGeom>
+          <a:noFill/>
+        </p:spPr>
+        <p:txBody>
+          <a:bodyPr wrap="square" rtlCol="0">
+            <a:spAutoFit/>
+          </a:bodyPr>
+          <a:lstStyle/>
+          <a:p>
+            <a:pPr algn="ctr"/>
+            <a:r>
+              <a:rPr lang="en-US" dirty="0" smtClean="0">
+                <a:latin typeface="Comic Sans MS" panose="030F0702030302020204" pitchFamily="66" charset="0"/>
+              </a:rPr>
+              <a:t>Sel</a:t>
+            </a:r>
+            <a:r>
+              <a:rPr lang="en-US" dirty="0">
+                <a:latin typeface="Comic Sans MS" panose="030F0702030302020204" pitchFamily="66" charset="0"/>
+              </a:rPr>
+              <a:t>l</a:t>
+            </a:r>
+            <a:endParaRPr lang="en-US" dirty="0" smtClean="0">
+              <a:latin typeface="Comic Sans MS" panose="030F0702030302020204" pitchFamily="66" charset="0"/>
+            </a:endParaRPr>
+          </a:p>
+        </p:txBody>
+      </p:sp>
+      <p:grpSp>
+        <p:nvGrpSpPr>
+          <p:cNvPr id="33" name="Group 32"/>
+          <p:cNvGrpSpPr/>
+          <p:nvPr/>
+        </p:nvGrpSpPr>
+        <p:grpSpPr>
+          <a:xfrm>
+            <a:off x="4832473" y="2844723"/>
+            <a:ext cx="260566" cy="218106"/>
+            <a:chOff x="9199517" y="2947740"/>
+            <a:chExt cx="932508" cy="780556"/>
+          </a:xfrm>
+        </p:grpSpPr>
+        <p:sp>
+          <p:nvSpPr>
+            <p:cNvPr id="27" name="Freeform 26"/>
+            <p:cNvSpPr/>
+            <p:nvPr/>
+          </p:nvSpPr>
+          <p:spPr>
+            <a:xfrm>
+              <a:off x="9227424" y="2947740"/>
+              <a:ext cx="904601" cy="768598"/>
+            </a:xfrm>
+            <a:custGeom>
+              <a:avLst/>
+              <a:gdLst>
+                <a:gd name="connsiteX0" fmla="*/ 0 w 895350"/>
+                <a:gd name="connsiteY0" fmla="*/ 461963 h 757238"/>
+                <a:gd name="connsiteX1" fmla="*/ 196850 w 895350"/>
+                <a:gd name="connsiteY1" fmla="*/ 284163 h 757238"/>
+                <a:gd name="connsiteX2" fmla="*/ 484188 w 895350"/>
+                <a:gd name="connsiteY2" fmla="*/ 100013 h 757238"/>
+                <a:gd name="connsiteX3" fmla="*/ 706438 w 895350"/>
+                <a:gd name="connsiteY3" fmla="*/ 0 h 757238"/>
+                <a:gd name="connsiteX4" fmla="*/ 793750 w 895350"/>
+                <a:gd name="connsiteY4" fmla="*/ 4763 h 757238"/>
+                <a:gd name="connsiteX5" fmla="*/ 887413 w 895350"/>
+                <a:gd name="connsiteY5" fmla="*/ 109538 h 757238"/>
+                <a:gd name="connsiteX6" fmla="*/ 890588 w 895350"/>
+                <a:gd name="connsiteY6" fmla="*/ 123825 h 757238"/>
+                <a:gd name="connsiteX7" fmla="*/ 895350 w 895350"/>
+                <a:gd name="connsiteY7" fmla="*/ 254000 h 757238"/>
+                <a:gd name="connsiteX8" fmla="*/ 731838 w 895350"/>
+                <a:gd name="connsiteY8" fmla="*/ 388938 h 757238"/>
+                <a:gd name="connsiteX9" fmla="*/ 500063 w 895350"/>
+                <a:gd name="connsiteY9" fmla="*/ 581025 h 757238"/>
+                <a:gd name="connsiteX10" fmla="*/ 177800 w 895350"/>
+                <a:gd name="connsiteY10" fmla="*/ 757238 h 757238"/>
+                <a:gd name="connsiteX11" fmla="*/ 0 w 895350"/>
+                <a:gd name="connsiteY11" fmla="*/ 461963 h 757238"/>
+                <a:gd name="connsiteX0" fmla="*/ 0 w 895350"/>
+                <a:gd name="connsiteY0" fmla="*/ 461963 h 757238"/>
+                <a:gd name="connsiteX1" fmla="*/ 196850 w 895350"/>
+                <a:gd name="connsiteY1" fmla="*/ 284163 h 757238"/>
+                <a:gd name="connsiteX2" fmla="*/ 484188 w 895350"/>
+                <a:gd name="connsiteY2" fmla="*/ 100013 h 757238"/>
+                <a:gd name="connsiteX3" fmla="*/ 706438 w 895350"/>
+                <a:gd name="connsiteY3" fmla="*/ 0 h 757238"/>
+                <a:gd name="connsiteX4" fmla="*/ 793750 w 895350"/>
+                <a:gd name="connsiteY4" fmla="*/ 4763 h 757238"/>
+                <a:gd name="connsiteX5" fmla="*/ 887413 w 895350"/>
+                <a:gd name="connsiteY5" fmla="*/ 109538 h 757238"/>
+                <a:gd name="connsiteX6" fmla="*/ 890588 w 895350"/>
+                <a:gd name="connsiteY6" fmla="*/ 123825 h 757238"/>
+                <a:gd name="connsiteX7" fmla="*/ 895350 w 895350"/>
+                <a:gd name="connsiteY7" fmla="*/ 254000 h 757238"/>
+                <a:gd name="connsiteX8" fmla="*/ 731838 w 895350"/>
+                <a:gd name="connsiteY8" fmla="*/ 388938 h 757238"/>
+                <a:gd name="connsiteX9" fmla="*/ 500063 w 895350"/>
+                <a:gd name="connsiteY9" fmla="*/ 581025 h 757238"/>
+                <a:gd name="connsiteX10" fmla="*/ 177800 w 895350"/>
+                <a:gd name="connsiteY10" fmla="*/ 757238 h 757238"/>
+                <a:gd name="connsiteX11" fmla="*/ 0 w 895350"/>
+                <a:gd name="connsiteY11" fmla="*/ 461963 h 757238"/>
+                <a:gd name="connsiteX0" fmla="*/ 0 w 895350"/>
+                <a:gd name="connsiteY0" fmla="*/ 461963 h 759214"/>
+                <a:gd name="connsiteX1" fmla="*/ 196850 w 895350"/>
+                <a:gd name="connsiteY1" fmla="*/ 284163 h 759214"/>
+                <a:gd name="connsiteX2" fmla="*/ 484188 w 895350"/>
+                <a:gd name="connsiteY2" fmla="*/ 100013 h 759214"/>
+                <a:gd name="connsiteX3" fmla="*/ 706438 w 895350"/>
+                <a:gd name="connsiteY3" fmla="*/ 0 h 759214"/>
+                <a:gd name="connsiteX4" fmla="*/ 793750 w 895350"/>
+                <a:gd name="connsiteY4" fmla="*/ 4763 h 759214"/>
+                <a:gd name="connsiteX5" fmla="*/ 887413 w 895350"/>
+                <a:gd name="connsiteY5" fmla="*/ 109538 h 759214"/>
+                <a:gd name="connsiteX6" fmla="*/ 890588 w 895350"/>
+                <a:gd name="connsiteY6" fmla="*/ 123825 h 759214"/>
+                <a:gd name="connsiteX7" fmla="*/ 895350 w 895350"/>
+                <a:gd name="connsiteY7" fmla="*/ 254000 h 759214"/>
+                <a:gd name="connsiteX8" fmla="*/ 731838 w 895350"/>
+                <a:gd name="connsiteY8" fmla="*/ 388938 h 759214"/>
+                <a:gd name="connsiteX9" fmla="*/ 500063 w 895350"/>
+                <a:gd name="connsiteY9" fmla="*/ 581025 h 759214"/>
+                <a:gd name="connsiteX10" fmla="*/ 177800 w 895350"/>
+                <a:gd name="connsiteY10" fmla="*/ 757238 h 759214"/>
+                <a:gd name="connsiteX11" fmla="*/ 0 w 895350"/>
+                <a:gd name="connsiteY11" fmla="*/ 461963 h 759214"/>
+                <a:gd name="connsiteX0" fmla="*/ 0 w 895350"/>
+                <a:gd name="connsiteY0" fmla="*/ 461963 h 758992"/>
+                <a:gd name="connsiteX1" fmla="*/ 196850 w 895350"/>
+                <a:gd name="connsiteY1" fmla="*/ 284163 h 758992"/>
+                <a:gd name="connsiteX2" fmla="*/ 484188 w 895350"/>
+                <a:gd name="connsiteY2" fmla="*/ 100013 h 758992"/>
+                <a:gd name="connsiteX3" fmla="*/ 706438 w 895350"/>
+                <a:gd name="connsiteY3" fmla="*/ 0 h 758992"/>
+                <a:gd name="connsiteX4" fmla="*/ 793750 w 895350"/>
+                <a:gd name="connsiteY4" fmla="*/ 4763 h 758992"/>
+                <a:gd name="connsiteX5" fmla="*/ 887413 w 895350"/>
+                <a:gd name="connsiteY5" fmla="*/ 109538 h 758992"/>
+                <a:gd name="connsiteX6" fmla="*/ 890588 w 895350"/>
+                <a:gd name="connsiteY6" fmla="*/ 123825 h 758992"/>
+                <a:gd name="connsiteX7" fmla="*/ 895350 w 895350"/>
+                <a:gd name="connsiteY7" fmla="*/ 254000 h 758992"/>
+                <a:gd name="connsiteX8" fmla="*/ 731838 w 895350"/>
+                <a:gd name="connsiteY8" fmla="*/ 388938 h 758992"/>
+                <a:gd name="connsiteX9" fmla="*/ 522288 w 895350"/>
+                <a:gd name="connsiteY9" fmla="*/ 561975 h 758992"/>
+                <a:gd name="connsiteX10" fmla="*/ 177800 w 895350"/>
+                <a:gd name="connsiteY10" fmla="*/ 757238 h 758992"/>
+                <a:gd name="connsiteX11" fmla="*/ 0 w 895350"/>
+                <a:gd name="connsiteY11" fmla="*/ 461963 h 758992"/>
+                <a:gd name="connsiteX0" fmla="*/ 0 w 895350"/>
+                <a:gd name="connsiteY0" fmla="*/ 461963 h 757238"/>
+                <a:gd name="connsiteX1" fmla="*/ 196850 w 895350"/>
+                <a:gd name="connsiteY1" fmla="*/ 284163 h 757238"/>
+                <a:gd name="connsiteX2" fmla="*/ 484188 w 895350"/>
+                <a:gd name="connsiteY2" fmla="*/ 100013 h 757238"/>
+                <a:gd name="connsiteX3" fmla="*/ 706438 w 895350"/>
+                <a:gd name="connsiteY3" fmla="*/ 0 h 757238"/>
+                <a:gd name="connsiteX4" fmla="*/ 793750 w 895350"/>
+                <a:gd name="connsiteY4" fmla="*/ 4763 h 757238"/>
+                <a:gd name="connsiteX5" fmla="*/ 887413 w 895350"/>
+                <a:gd name="connsiteY5" fmla="*/ 109538 h 757238"/>
+                <a:gd name="connsiteX6" fmla="*/ 890588 w 895350"/>
+                <a:gd name="connsiteY6" fmla="*/ 123825 h 757238"/>
+                <a:gd name="connsiteX7" fmla="*/ 895350 w 895350"/>
+                <a:gd name="connsiteY7" fmla="*/ 254000 h 757238"/>
+                <a:gd name="connsiteX8" fmla="*/ 731838 w 895350"/>
+                <a:gd name="connsiteY8" fmla="*/ 388938 h 757238"/>
+                <a:gd name="connsiteX9" fmla="*/ 522288 w 895350"/>
+                <a:gd name="connsiteY9" fmla="*/ 561975 h 757238"/>
+                <a:gd name="connsiteX10" fmla="*/ 177800 w 895350"/>
+                <a:gd name="connsiteY10" fmla="*/ 757238 h 757238"/>
+                <a:gd name="connsiteX11" fmla="*/ 0 w 895350"/>
+                <a:gd name="connsiteY11" fmla="*/ 461963 h 757238"/>
+                <a:gd name="connsiteX0" fmla="*/ 0 w 892175"/>
+                <a:gd name="connsiteY0" fmla="*/ 471488 h 757238"/>
+                <a:gd name="connsiteX1" fmla="*/ 193675 w 892175"/>
+                <a:gd name="connsiteY1" fmla="*/ 284163 h 757238"/>
+                <a:gd name="connsiteX2" fmla="*/ 481013 w 892175"/>
+                <a:gd name="connsiteY2" fmla="*/ 100013 h 757238"/>
+                <a:gd name="connsiteX3" fmla="*/ 703263 w 892175"/>
+                <a:gd name="connsiteY3" fmla="*/ 0 h 757238"/>
+                <a:gd name="connsiteX4" fmla="*/ 790575 w 892175"/>
+                <a:gd name="connsiteY4" fmla="*/ 4763 h 757238"/>
+                <a:gd name="connsiteX5" fmla="*/ 884238 w 892175"/>
+                <a:gd name="connsiteY5" fmla="*/ 109538 h 757238"/>
+                <a:gd name="connsiteX6" fmla="*/ 887413 w 892175"/>
+                <a:gd name="connsiteY6" fmla="*/ 123825 h 757238"/>
+                <a:gd name="connsiteX7" fmla="*/ 892175 w 892175"/>
+                <a:gd name="connsiteY7" fmla="*/ 254000 h 757238"/>
+                <a:gd name="connsiteX8" fmla="*/ 728663 w 892175"/>
+                <a:gd name="connsiteY8" fmla="*/ 388938 h 757238"/>
+                <a:gd name="connsiteX9" fmla="*/ 519113 w 892175"/>
+                <a:gd name="connsiteY9" fmla="*/ 561975 h 757238"/>
+                <a:gd name="connsiteX10" fmla="*/ 174625 w 892175"/>
+                <a:gd name="connsiteY10" fmla="*/ 757238 h 757238"/>
+                <a:gd name="connsiteX11" fmla="*/ 0 w 892175"/>
+                <a:gd name="connsiteY11" fmla="*/ 471488 h 757238"/>
+                <a:gd name="connsiteX0" fmla="*/ 0 w 892175"/>
+                <a:gd name="connsiteY0" fmla="*/ 471488 h 757238"/>
+                <a:gd name="connsiteX1" fmla="*/ 193675 w 892175"/>
+                <a:gd name="connsiteY1" fmla="*/ 284163 h 757238"/>
+                <a:gd name="connsiteX2" fmla="*/ 481013 w 892175"/>
+                <a:gd name="connsiteY2" fmla="*/ 100013 h 757238"/>
+                <a:gd name="connsiteX3" fmla="*/ 703263 w 892175"/>
+                <a:gd name="connsiteY3" fmla="*/ 0 h 757238"/>
+                <a:gd name="connsiteX4" fmla="*/ 790575 w 892175"/>
+                <a:gd name="connsiteY4" fmla="*/ 4763 h 757238"/>
+                <a:gd name="connsiteX5" fmla="*/ 884238 w 892175"/>
+                <a:gd name="connsiteY5" fmla="*/ 109538 h 757238"/>
+                <a:gd name="connsiteX6" fmla="*/ 887413 w 892175"/>
+                <a:gd name="connsiteY6" fmla="*/ 123825 h 757238"/>
+                <a:gd name="connsiteX7" fmla="*/ 892175 w 892175"/>
+                <a:gd name="connsiteY7" fmla="*/ 254000 h 757238"/>
+                <a:gd name="connsiteX8" fmla="*/ 728663 w 892175"/>
+                <a:gd name="connsiteY8" fmla="*/ 388938 h 757238"/>
+                <a:gd name="connsiteX9" fmla="*/ 519113 w 892175"/>
+                <a:gd name="connsiteY9" fmla="*/ 561975 h 757238"/>
+                <a:gd name="connsiteX10" fmla="*/ 174625 w 892175"/>
+                <a:gd name="connsiteY10" fmla="*/ 757238 h 757238"/>
+                <a:gd name="connsiteX11" fmla="*/ 0 w 892175"/>
+                <a:gd name="connsiteY11" fmla="*/ 471488 h 757238"/>
+                <a:gd name="connsiteX0" fmla="*/ 0 w 892175"/>
+                <a:gd name="connsiteY0" fmla="*/ 471488 h 757238"/>
+                <a:gd name="connsiteX1" fmla="*/ 193675 w 892175"/>
+                <a:gd name="connsiteY1" fmla="*/ 284163 h 757238"/>
+                <a:gd name="connsiteX2" fmla="*/ 481013 w 892175"/>
+                <a:gd name="connsiteY2" fmla="*/ 100013 h 757238"/>
+                <a:gd name="connsiteX3" fmla="*/ 703263 w 892175"/>
+                <a:gd name="connsiteY3" fmla="*/ 0 h 757238"/>
+                <a:gd name="connsiteX4" fmla="*/ 790575 w 892175"/>
+                <a:gd name="connsiteY4" fmla="*/ 4763 h 757238"/>
+                <a:gd name="connsiteX5" fmla="*/ 884238 w 892175"/>
+                <a:gd name="connsiteY5" fmla="*/ 109538 h 757238"/>
+                <a:gd name="connsiteX6" fmla="*/ 892175 w 892175"/>
+                <a:gd name="connsiteY6" fmla="*/ 254000 h 757238"/>
+                <a:gd name="connsiteX7" fmla="*/ 728663 w 892175"/>
+                <a:gd name="connsiteY7" fmla="*/ 388938 h 757238"/>
+                <a:gd name="connsiteX8" fmla="*/ 519113 w 892175"/>
+                <a:gd name="connsiteY8" fmla="*/ 561975 h 757238"/>
+                <a:gd name="connsiteX9" fmla="*/ 174625 w 892175"/>
+                <a:gd name="connsiteY9" fmla="*/ 757238 h 757238"/>
+                <a:gd name="connsiteX10" fmla="*/ 0 w 892175"/>
+                <a:gd name="connsiteY10" fmla="*/ 471488 h 757238"/>
+                <a:gd name="connsiteX0" fmla="*/ 0 w 905524"/>
+                <a:gd name="connsiteY0" fmla="*/ 471488 h 757238"/>
+                <a:gd name="connsiteX1" fmla="*/ 193675 w 905524"/>
+                <a:gd name="connsiteY1" fmla="*/ 284163 h 757238"/>
+                <a:gd name="connsiteX2" fmla="*/ 481013 w 905524"/>
+                <a:gd name="connsiteY2" fmla="*/ 100013 h 757238"/>
+                <a:gd name="connsiteX3" fmla="*/ 703263 w 905524"/>
+                <a:gd name="connsiteY3" fmla="*/ 0 h 757238"/>
+                <a:gd name="connsiteX4" fmla="*/ 790575 w 905524"/>
+                <a:gd name="connsiteY4" fmla="*/ 4763 h 757238"/>
+                <a:gd name="connsiteX5" fmla="*/ 884238 w 905524"/>
+                <a:gd name="connsiteY5" fmla="*/ 109538 h 757238"/>
+                <a:gd name="connsiteX6" fmla="*/ 892175 w 905524"/>
+                <a:gd name="connsiteY6" fmla="*/ 254000 h 757238"/>
+                <a:gd name="connsiteX7" fmla="*/ 728663 w 905524"/>
+                <a:gd name="connsiteY7" fmla="*/ 388938 h 757238"/>
+                <a:gd name="connsiteX8" fmla="*/ 519113 w 905524"/>
+                <a:gd name="connsiteY8" fmla="*/ 561975 h 757238"/>
+                <a:gd name="connsiteX9" fmla="*/ 174625 w 905524"/>
+                <a:gd name="connsiteY9" fmla="*/ 757238 h 757238"/>
+                <a:gd name="connsiteX10" fmla="*/ 0 w 905524"/>
+                <a:gd name="connsiteY10" fmla="*/ 471488 h 757238"/>
+                <a:gd name="connsiteX0" fmla="*/ 0 w 905524"/>
+                <a:gd name="connsiteY0" fmla="*/ 489475 h 775225"/>
+                <a:gd name="connsiteX1" fmla="*/ 193675 w 905524"/>
+                <a:gd name="connsiteY1" fmla="*/ 302150 h 775225"/>
+                <a:gd name="connsiteX2" fmla="*/ 481013 w 905524"/>
+                <a:gd name="connsiteY2" fmla="*/ 118000 h 775225"/>
+                <a:gd name="connsiteX3" fmla="*/ 703263 w 905524"/>
+                <a:gd name="connsiteY3" fmla="*/ 17987 h 775225"/>
+                <a:gd name="connsiteX4" fmla="*/ 790575 w 905524"/>
+                <a:gd name="connsiteY4" fmla="*/ 22750 h 775225"/>
+                <a:gd name="connsiteX5" fmla="*/ 884238 w 905524"/>
+                <a:gd name="connsiteY5" fmla="*/ 127525 h 775225"/>
+                <a:gd name="connsiteX6" fmla="*/ 892175 w 905524"/>
+                <a:gd name="connsiteY6" fmla="*/ 271987 h 775225"/>
+                <a:gd name="connsiteX7" fmla="*/ 728663 w 905524"/>
+                <a:gd name="connsiteY7" fmla="*/ 406925 h 775225"/>
+                <a:gd name="connsiteX8" fmla="*/ 519113 w 905524"/>
+                <a:gd name="connsiteY8" fmla="*/ 579962 h 775225"/>
+                <a:gd name="connsiteX9" fmla="*/ 174625 w 905524"/>
+                <a:gd name="connsiteY9" fmla="*/ 775225 h 775225"/>
+                <a:gd name="connsiteX10" fmla="*/ 0 w 905524"/>
+                <a:gd name="connsiteY10" fmla="*/ 489475 h 775225"/>
+                <a:gd name="connsiteX0" fmla="*/ 0 w 904601"/>
+                <a:gd name="connsiteY0" fmla="*/ 482848 h 768598"/>
+                <a:gd name="connsiteX1" fmla="*/ 193675 w 904601"/>
+                <a:gd name="connsiteY1" fmla="*/ 295523 h 768598"/>
+                <a:gd name="connsiteX2" fmla="*/ 481013 w 904601"/>
+                <a:gd name="connsiteY2" fmla="*/ 111373 h 768598"/>
+                <a:gd name="connsiteX3" fmla="*/ 703263 w 904601"/>
+                <a:gd name="connsiteY3" fmla="*/ 11360 h 768598"/>
+                <a:gd name="connsiteX4" fmla="*/ 812800 w 904601"/>
+                <a:gd name="connsiteY4" fmla="*/ 14535 h 768598"/>
+                <a:gd name="connsiteX5" fmla="*/ 884238 w 904601"/>
+                <a:gd name="connsiteY5" fmla="*/ 120898 h 768598"/>
+                <a:gd name="connsiteX6" fmla="*/ 892175 w 904601"/>
+                <a:gd name="connsiteY6" fmla="*/ 265360 h 768598"/>
+                <a:gd name="connsiteX7" fmla="*/ 728663 w 904601"/>
+                <a:gd name="connsiteY7" fmla="*/ 400298 h 768598"/>
+                <a:gd name="connsiteX8" fmla="*/ 519113 w 904601"/>
+                <a:gd name="connsiteY8" fmla="*/ 573335 h 768598"/>
+                <a:gd name="connsiteX9" fmla="*/ 174625 w 904601"/>
+                <a:gd name="connsiteY9" fmla="*/ 768598 h 768598"/>
+                <a:gd name="connsiteX10" fmla="*/ 0 w 904601"/>
+                <a:gd name="connsiteY10" fmla="*/ 482848 h 768598"/>
+                <a:gd name="connsiteX0" fmla="*/ 0 w 904601"/>
+                <a:gd name="connsiteY0" fmla="*/ 482848 h 768598"/>
+                <a:gd name="connsiteX1" fmla="*/ 201612 w 904601"/>
+                <a:gd name="connsiteY1" fmla="*/ 312986 h 768598"/>
+                <a:gd name="connsiteX2" fmla="*/ 481013 w 904601"/>
+                <a:gd name="connsiteY2" fmla="*/ 111373 h 768598"/>
+                <a:gd name="connsiteX3" fmla="*/ 703263 w 904601"/>
+                <a:gd name="connsiteY3" fmla="*/ 11360 h 768598"/>
+                <a:gd name="connsiteX4" fmla="*/ 812800 w 904601"/>
+                <a:gd name="connsiteY4" fmla="*/ 14535 h 768598"/>
+                <a:gd name="connsiteX5" fmla="*/ 884238 w 904601"/>
+                <a:gd name="connsiteY5" fmla="*/ 120898 h 768598"/>
+                <a:gd name="connsiteX6" fmla="*/ 892175 w 904601"/>
+                <a:gd name="connsiteY6" fmla="*/ 265360 h 768598"/>
+                <a:gd name="connsiteX7" fmla="*/ 728663 w 904601"/>
+                <a:gd name="connsiteY7" fmla="*/ 400298 h 768598"/>
+                <a:gd name="connsiteX8" fmla="*/ 519113 w 904601"/>
+                <a:gd name="connsiteY8" fmla="*/ 573335 h 768598"/>
+                <a:gd name="connsiteX9" fmla="*/ 174625 w 904601"/>
+                <a:gd name="connsiteY9" fmla="*/ 768598 h 768598"/>
+                <a:gd name="connsiteX10" fmla="*/ 0 w 904601"/>
+                <a:gd name="connsiteY10" fmla="*/ 482848 h 768598"/>
+                <a:gd name="connsiteX0" fmla="*/ 0 w 904601"/>
+                <a:gd name="connsiteY0" fmla="*/ 482848 h 768598"/>
+                <a:gd name="connsiteX1" fmla="*/ 201612 w 904601"/>
+                <a:gd name="connsiteY1" fmla="*/ 312986 h 768598"/>
+                <a:gd name="connsiteX2" fmla="*/ 481013 w 904601"/>
+                <a:gd name="connsiteY2" fmla="*/ 111373 h 768598"/>
+                <a:gd name="connsiteX3" fmla="*/ 703263 w 904601"/>
+                <a:gd name="connsiteY3" fmla="*/ 11360 h 768598"/>
+                <a:gd name="connsiteX4" fmla="*/ 812800 w 904601"/>
+                <a:gd name="connsiteY4" fmla="*/ 14535 h 768598"/>
+                <a:gd name="connsiteX5" fmla="*/ 884238 w 904601"/>
+                <a:gd name="connsiteY5" fmla="*/ 120898 h 768598"/>
+                <a:gd name="connsiteX6" fmla="*/ 892175 w 904601"/>
+                <a:gd name="connsiteY6" fmla="*/ 265360 h 768598"/>
+                <a:gd name="connsiteX7" fmla="*/ 728663 w 904601"/>
+                <a:gd name="connsiteY7" fmla="*/ 400298 h 768598"/>
+                <a:gd name="connsiteX8" fmla="*/ 519113 w 904601"/>
+                <a:gd name="connsiteY8" fmla="*/ 573335 h 768598"/>
+                <a:gd name="connsiteX9" fmla="*/ 174625 w 904601"/>
+                <a:gd name="connsiteY9" fmla="*/ 768598 h 768598"/>
+                <a:gd name="connsiteX10" fmla="*/ 0 w 904601"/>
+                <a:gd name="connsiteY10" fmla="*/ 482848 h 768598"/>
+              </a:gdLst>
+              <a:ahLst/>
+              <a:cxnLst>
+                <a:cxn ang="0">
+                  <a:pos x="connsiteX0" y="connsiteY0"/>
+                </a:cxn>
+                <a:cxn ang="0">
+                  <a:pos x="connsiteX1" y="connsiteY1"/>
+                </a:cxn>
+                <a:cxn ang="0">
+                  <a:pos x="connsiteX2" y="connsiteY2"/>
+                </a:cxn>
+                <a:cxn ang="0">
+                  <a:pos x="connsiteX3" y="connsiteY3"/>
+                </a:cxn>
+                <a:cxn ang="0">
+                  <a:pos x="connsiteX4" y="connsiteY4"/>
+                </a:cxn>
+                <a:cxn ang="0">
+                  <a:pos x="connsiteX5" y="connsiteY5"/>
+                </a:cxn>
+                <a:cxn ang="0">
+                  <a:pos x="connsiteX6" y="connsiteY6"/>
+                </a:cxn>
+                <a:cxn ang="0">
+                  <a:pos x="connsiteX7" y="connsiteY7"/>
+                </a:cxn>
+                <a:cxn ang="0">
+                  <a:pos x="connsiteX8" y="connsiteY8"/>
+                </a:cxn>
+                <a:cxn ang="0">
+                  <a:pos x="connsiteX9" y="connsiteY9"/>
+                </a:cxn>
+                <a:cxn ang="0">
+                  <a:pos x="connsiteX10" y="connsiteY10"/>
+                </a:cxn>
+              </a:cxnLst>
+              <a:rect l="l" t="t" r="r" b="b"/>
+              <a:pathLst>
+                <a:path w="904601" h="768598">
+                  <a:moveTo>
+                    <a:pt x="0" y="482848"/>
+                  </a:moveTo>
+                  <a:cubicBezTo>
+                    <a:pt x="60325" y="388127"/>
+                    <a:pt x="121443" y="374899"/>
+                    <a:pt x="201612" y="312986"/>
+                  </a:cubicBezTo>
+                  <a:cubicBezTo>
+                    <a:pt x="281781" y="251073"/>
+                    <a:pt x="397405" y="161644"/>
+                    <a:pt x="481013" y="111373"/>
+                  </a:cubicBezTo>
+                  <a:cubicBezTo>
+                    <a:pt x="564621" y="61102"/>
+                    <a:pt x="647965" y="27500"/>
+                    <a:pt x="703263" y="11360"/>
+                  </a:cubicBezTo>
+                  <a:cubicBezTo>
+                    <a:pt x="758561" y="-4780"/>
+                    <a:pt x="782637" y="-3721"/>
+                    <a:pt x="812800" y="14535"/>
+                  </a:cubicBezTo>
+                  <a:cubicBezTo>
+                    <a:pt x="842963" y="32791"/>
+                    <a:pt x="871009" y="79094"/>
+                    <a:pt x="884238" y="120898"/>
+                  </a:cubicBezTo>
+                  <a:cubicBezTo>
+                    <a:pt x="897467" y="162702"/>
+                    <a:pt x="918104" y="218793"/>
+                    <a:pt x="892175" y="265360"/>
+                  </a:cubicBezTo>
+                  <a:lnTo>
+                    <a:pt x="728663" y="400298"/>
+                  </a:lnTo>
+                  <a:cubicBezTo>
+                    <a:pt x="666486" y="451627"/>
+                    <a:pt x="611453" y="511952"/>
+                    <a:pt x="519113" y="573335"/>
+                  </a:cubicBezTo>
+                  <a:cubicBezTo>
+                    <a:pt x="426773" y="634718"/>
+                    <a:pt x="281782" y="756692"/>
+                    <a:pt x="174625" y="768598"/>
+                  </a:cubicBezTo>
+                  <a:lnTo>
+                    <a:pt x="0" y="482848"/>
+                  </a:lnTo>
+                  <a:close/>
+                </a:path>
+              </a:pathLst>
+            </a:custGeom>
+            <a:solidFill>
+              <a:srgbClr val="663300"/>
+            </a:solidFill>
+            <a:ln w="9525">
+              <a:solidFill>
+                <a:srgbClr val="AA7138"/>
+              </a:solidFill>
+            </a:ln>
+          </p:spPr>
+          <p:style>
+            <a:lnRef idx="2">
+              <a:schemeClr val="accent1">
+                <a:shade val="50000"/>
+              </a:schemeClr>
+            </a:lnRef>
+            <a:fillRef idx="1">
+              <a:schemeClr val="accent1"/>
+            </a:fillRef>
+            <a:effectRef idx="0">
+              <a:schemeClr val="accent1"/>
+            </a:effectRef>
+            <a:fontRef idx="minor">
+              <a:schemeClr val="lt1"/>
+            </a:fontRef>
+          </p:style>
+          <p:txBody>
+            <a:bodyPr rtlCol="0" anchor="ctr"/>
+            <a:lstStyle/>
+            <a:p>
+              <a:pPr algn="ctr"/>
+              <a:endParaRPr lang="en-US"/>
+            </a:p>
+          </p:txBody>
+        </p:sp>
+        <p:sp>
+          <p:nvSpPr>
+            <p:cNvPr id="23" name="Oval 22"/>
+            <p:cNvSpPr/>
+            <p:nvPr/>
+          </p:nvSpPr>
+          <p:spPr>
+            <a:xfrm>
+              <a:off x="9199517" y="3353130"/>
+              <a:ext cx="302183" cy="375166"/>
+            </a:xfrm>
+            <a:prstGeom prst="ellipse">
+              <a:avLst/>
+            </a:prstGeom>
+            <a:solidFill>
+              <a:srgbClr val="663300"/>
+            </a:solidFill>
+            <a:ln w="9525">
+              <a:solidFill>
+                <a:srgbClr val="AA7138"/>
+              </a:solidFill>
+            </a:ln>
+          </p:spPr>
+          <p:style>
+            <a:lnRef idx="2">
+              <a:schemeClr val="accent1">
+                <a:shade val="50000"/>
+              </a:schemeClr>
+            </a:lnRef>
+            <a:fillRef idx="1">
+              <a:schemeClr val="accent1"/>
+            </a:fillRef>
+            <a:effectRef idx="0">
+              <a:schemeClr val="accent1"/>
+            </a:effectRef>
+            <a:fontRef idx="minor">
+              <a:schemeClr val="lt1"/>
+            </a:fontRef>
+          </p:style>
+          <p:txBody>
+            <a:bodyPr rtlCol="0" anchor="ctr"/>
+            <a:lstStyle/>
+            <a:p>
+              <a:pPr algn="ctr"/>
+              <a:endParaRPr lang="en-US"/>
+            </a:p>
+          </p:txBody>
+        </p:sp>
+        <p:sp>
+          <p:nvSpPr>
+            <p:cNvPr id="24" name="Oval 23"/>
+            <p:cNvSpPr/>
+            <p:nvPr/>
+          </p:nvSpPr>
+          <p:spPr>
+            <a:xfrm>
+              <a:off x="9232492" y="3406770"/>
+              <a:ext cx="236232" cy="293286"/>
+            </a:xfrm>
+            <a:prstGeom prst="ellipse">
+              <a:avLst/>
+            </a:prstGeom>
+            <a:noFill/>
+            <a:ln w="9525">
+              <a:solidFill>
+                <a:srgbClr val="AA7138"/>
+              </a:solidFill>
+            </a:ln>
+          </p:spPr>
+          <p:style>
+            <a:lnRef idx="2">
+              <a:schemeClr val="accent1">
+                <a:shade val="50000"/>
+              </a:schemeClr>
+            </a:lnRef>
+            <a:fillRef idx="1">
+              <a:schemeClr val="accent1"/>
+            </a:fillRef>
+            <a:effectRef idx="0">
+              <a:schemeClr val="accent1"/>
+            </a:effectRef>
+            <a:fontRef idx="minor">
+              <a:schemeClr val="lt1"/>
+            </a:fontRef>
+          </p:style>
+          <p:txBody>
+            <a:bodyPr rtlCol="0" anchor="ctr"/>
+            <a:lstStyle/>
+            <a:p>
+              <a:pPr algn="ctr"/>
+              <a:endParaRPr lang="en-US"/>
+            </a:p>
+          </p:txBody>
+        </p:sp>
+        <p:sp>
+          <p:nvSpPr>
+            <p:cNvPr id="25" name="Oval 24"/>
+            <p:cNvSpPr/>
+            <p:nvPr/>
+          </p:nvSpPr>
+          <p:spPr>
+            <a:xfrm>
+              <a:off x="9278140" y="3466772"/>
+              <a:ext cx="160032" cy="198682"/>
+            </a:xfrm>
+            <a:prstGeom prst="ellipse">
+              <a:avLst/>
+            </a:prstGeom>
+            <a:noFill/>
+            <a:ln w="9525">
+              <a:solidFill>
+                <a:srgbClr val="AA7138"/>
+              </a:solidFill>
+            </a:ln>
+          </p:spPr>
+          <p:style>
+            <a:lnRef idx="2">
+              <a:schemeClr val="accent1">
+                <a:shade val="50000"/>
+              </a:schemeClr>
+            </a:lnRef>
+            <a:fillRef idx="1">
+              <a:schemeClr val="accent1"/>
+            </a:fillRef>
+            <a:effectRef idx="0">
+              <a:schemeClr val="accent1"/>
+            </a:effectRef>
+            <a:fontRef idx="minor">
+              <a:schemeClr val="lt1"/>
+            </a:fontRef>
+          </p:style>
+          <p:txBody>
+            <a:bodyPr rtlCol="0" anchor="ctr"/>
+            <a:lstStyle/>
+            <a:p>
+              <a:pPr algn="ctr"/>
+              <a:endParaRPr lang="en-US"/>
+            </a:p>
+          </p:txBody>
+        </p:sp>
+        <p:sp>
+          <p:nvSpPr>
+            <p:cNvPr id="26" name="Oval 25"/>
+            <p:cNvSpPr/>
+            <p:nvPr/>
+          </p:nvSpPr>
+          <p:spPr>
+            <a:xfrm>
+              <a:off x="9317438" y="3527553"/>
+              <a:ext cx="81436" cy="101104"/>
+            </a:xfrm>
+            <a:prstGeom prst="ellipse">
+              <a:avLst/>
+            </a:prstGeom>
+            <a:noFill/>
+            <a:ln w="9525">
+              <a:solidFill>
+                <a:srgbClr val="AA7138"/>
+              </a:solidFill>
+            </a:ln>
+          </p:spPr>
+          <p:style>
+            <a:lnRef idx="2">
+              <a:schemeClr val="accent1">
+                <a:shade val="50000"/>
+              </a:schemeClr>
+            </a:lnRef>
+            <a:fillRef idx="1">
+              <a:schemeClr val="accent1"/>
+            </a:fillRef>
+            <a:effectRef idx="0">
+              <a:schemeClr val="accent1"/>
+            </a:effectRef>
+            <a:fontRef idx="minor">
+              <a:schemeClr val="lt1"/>
+            </a:fontRef>
+          </p:style>
+          <p:txBody>
+            <a:bodyPr rtlCol="0" anchor="ctr"/>
+            <a:lstStyle/>
+            <a:p>
+              <a:pPr algn="ctr"/>
+              <a:endParaRPr lang="en-US"/>
+            </a:p>
+          </p:txBody>
+        </p:sp>
+        <p:sp>
+          <p:nvSpPr>
+            <p:cNvPr id="30" name="Freeform 29"/>
+            <p:cNvSpPr/>
+            <p:nvPr/>
+          </p:nvSpPr>
+          <p:spPr>
+            <a:xfrm>
+              <a:off x="9461500" y="3026833"/>
+              <a:ext cx="533400" cy="328084"/>
+            </a:xfrm>
+            <a:custGeom>
+              <a:avLst/>
+              <a:gdLst>
+                <a:gd name="connsiteX0" fmla="*/ 0 w 533400"/>
+                <a:gd name="connsiteY0" fmla="*/ 328084 h 328084"/>
+                <a:gd name="connsiteX1" fmla="*/ 118533 w 533400"/>
+                <a:gd name="connsiteY1" fmla="*/ 298450 h 328084"/>
+                <a:gd name="connsiteX2" fmla="*/ 330200 w 533400"/>
+                <a:gd name="connsiteY2" fmla="*/ 150284 h 328084"/>
+                <a:gd name="connsiteX3" fmla="*/ 533400 w 533400"/>
+                <a:gd name="connsiteY3" fmla="*/ 0 h 328084"/>
+              </a:gdLst>
+              <a:ahLst/>
+              <a:cxnLst>
+                <a:cxn ang="0">
+                  <a:pos x="connsiteX0" y="connsiteY0"/>
+                </a:cxn>
+                <a:cxn ang="0">
+                  <a:pos x="connsiteX1" y="connsiteY1"/>
+                </a:cxn>
+                <a:cxn ang="0">
+                  <a:pos x="connsiteX2" y="connsiteY2"/>
+                </a:cxn>
+                <a:cxn ang="0">
+                  <a:pos x="connsiteX3" y="connsiteY3"/>
+                </a:cxn>
+              </a:cxnLst>
+              <a:rect l="l" t="t" r="r" b="b"/>
+              <a:pathLst>
+                <a:path w="533400" h="328084">
+                  <a:moveTo>
+                    <a:pt x="0" y="328084"/>
+                  </a:moveTo>
+                  <a:cubicBezTo>
+                    <a:pt x="31750" y="328083"/>
+                    <a:pt x="63500" y="328083"/>
+                    <a:pt x="118533" y="298450"/>
+                  </a:cubicBezTo>
+                  <a:cubicBezTo>
+                    <a:pt x="173566" y="268817"/>
+                    <a:pt x="261056" y="200026"/>
+                    <a:pt x="330200" y="150284"/>
+                  </a:cubicBezTo>
+                  <a:cubicBezTo>
+                    <a:pt x="399345" y="100542"/>
+                    <a:pt x="466372" y="50271"/>
+                    <a:pt x="533400" y="0"/>
+                  </a:cubicBezTo>
+                </a:path>
+              </a:pathLst>
+            </a:custGeom>
+            <a:noFill/>
+            <a:ln w="9525">
+              <a:solidFill>
+                <a:srgbClr val="AA7138"/>
+              </a:solidFill>
+            </a:ln>
+          </p:spPr>
+          <p:style>
+            <a:lnRef idx="2">
+              <a:schemeClr val="accent1">
+                <a:shade val="50000"/>
+              </a:schemeClr>
+            </a:lnRef>
+            <a:fillRef idx="1">
+              <a:schemeClr val="accent1"/>
+            </a:fillRef>
+            <a:effectRef idx="0">
+              <a:schemeClr val="accent1"/>
+            </a:effectRef>
+            <a:fontRef idx="minor">
+              <a:schemeClr val="lt1"/>
+            </a:fontRef>
+          </p:style>
+          <p:txBody>
+            <a:bodyPr rtlCol="0" anchor="ctr"/>
+            <a:lstStyle/>
+            <a:p>
+              <a:pPr algn="ctr"/>
+              <a:endParaRPr lang="en-US"/>
+            </a:p>
+          </p:txBody>
+        </p:sp>
+        <p:sp>
+          <p:nvSpPr>
+            <p:cNvPr id="31" name="Freeform 30"/>
+            <p:cNvSpPr/>
+            <p:nvPr/>
+          </p:nvSpPr>
+          <p:spPr>
+            <a:xfrm>
+              <a:off x="9529607" y="3093535"/>
+              <a:ext cx="533400" cy="328084"/>
+            </a:xfrm>
+            <a:custGeom>
+              <a:avLst/>
+              <a:gdLst>
+                <a:gd name="connsiteX0" fmla="*/ 0 w 533400"/>
+                <a:gd name="connsiteY0" fmla="*/ 328084 h 328084"/>
+                <a:gd name="connsiteX1" fmla="*/ 118533 w 533400"/>
+                <a:gd name="connsiteY1" fmla="*/ 298450 h 328084"/>
+                <a:gd name="connsiteX2" fmla="*/ 330200 w 533400"/>
+                <a:gd name="connsiteY2" fmla="*/ 150284 h 328084"/>
+                <a:gd name="connsiteX3" fmla="*/ 533400 w 533400"/>
+                <a:gd name="connsiteY3" fmla="*/ 0 h 328084"/>
+              </a:gdLst>
+              <a:ahLst/>
+              <a:cxnLst>
+                <a:cxn ang="0">
+                  <a:pos x="connsiteX0" y="connsiteY0"/>
+                </a:cxn>
+                <a:cxn ang="0">
+                  <a:pos x="connsiteX1" y="connsiteY1"/>
+                </a:cxn>
+                <a:cxn ang="0">
+                  <a:pos x="connsiteX2" y="connsiteY2"/>
+                </a:cxn>
+                <a:cxn ang="0">
+                  <a:pos x="connsiteX3" y="connsiteY3"/>
+                </a:cxn>
+              </a:cxnLst>
+              <a:rect l="l" t="t" r="r" b="b"/>
+              <a:pathLst>
+                <a:path w="533400" h="328084">
+                  <a:moveTo>
+                    <a:pt x="0" y="328084"/>
+                  </a:moveTo>
+                  <a:cubicBezTo>
+                    <a:pt x="31750" y="328083"/>
+                    <a:pt x="63500" y="328083"/>
+                    <a:pt x="118533" y="298450"/>
+                  </a:cubicBezTo>
+                  <a:cubicBezTo>
+                    <a:pt x="173566" y="268817"/>
+                    <a:pt x="261056" y="200026"/>
+                    <a:pt x="330200" y="150284"/>
+                  </a:cubicBezTo>
+                  <a:cubicBezTo>
+                    <a:pt x="399345" y="100542"/>
+                    <a:pt x="466372" y="50271"/>
+                    <a:pt x="533400" y="0"/>
+                  </a:cubicBezTo>
+                </a:path>
+              </a:pathLst>
+            </a:custGeom>
+            <a:noFill/>
+            <a:ln w="9525">
+              <a:solidFill>
+                <a:srgbClr val="AA7138"/>
+              </a:solidFill>
+            </a:ln>
+          </p:spPr>
+          <p:style>
+            <a:lnRef idx="2">
+              <a:schemeClr val="accent1">
+                <a:shade val="50000"/>
+              </a:schemeClr>
+            </a:lnRef>
+            <a:fillRef idx="1">
+              <a:schemeClr val="accent1"/>
+            </a:fillRef>
+            <a:effectRef idx="0">
+              <a:schemeClr val="accent1"/>
+            </a:effectRef>
+            <a:fontRef idx="minor">
+              <a:schemeClr val="lt1"/>
+            </a:fontRef>
+          </p:style>
+          <p:txBody>
+            <a:bodyPr rtlCol="0" anchor="ctr"/>
+            <a:lstStyle/>
+            <a:p>
+              <a:pPr algn="ctr"/>
+              <a:endParaRPr lang="en-US"/>
+            </a:p>
+          </p:txBody>
+        </p:sp>
+        <p:sp>
+          <p:nvSpPr>
+            <p:cNvPr id="32" name="Freeform 31"/>
+            <p:cNvSpPr/>
+            <p:nvPr/>
+          </p:nvSpPr>
+          <p:spPr>
+            <a:xfrm>
+              <a:off x="9529607" y="3216802"/>
+              <a:ext cx="533400" cy="328084"/>
+            </a:xfrm>
+            <a:custGeom>
+              <a:avLst/>
+              <a:gdLst>
+                <a:gd name="connsiteX0" fmla="*/ 0 w 533400"/>
+                <a:gd name="connsiteY0" fmla="*/ 328084 h 328084"/>
+                <a:gd name="connsiteX1" fmla="*/ 118533 w 533400"/>
+                <a:gd name="connsiteY1" fmla="*/ 298450 h 328084"/>
+                <a:gd name="connsiteX2" fmla="*/ 330200 w 533400"/>
+                <a:gd name="connsiteY2" fmla="*/ 150284 h 328084"/>
+                <a:gd name="connsiteX3" fmla="*/ 533400 w 533400"/>
+                <a:gd name="connsiteY3" fmla="*/ 0 h 328084"/>
+              </a:gdLst>
+              <a:ahLst/>
+              <a:cxnLst>
+                <a:cxn ang="0">
+                  <a:pos x="connsiteX0" y="connsiteY0"/>
+                </a:cxn>
+                <a:cxn ang="0">
+                  <a:pos x="connsiteX1" y="connsiteY1"/>
+                </a:cxn>
+                <a:cxn ang="0">
+                  <a:pos x="connsiteX2" y="connsiteY2"/>
+                </a:cxn>
+                <a:cxn ang="0">
+                  <a:pos x="connsiteX3" y="connsiteY3"/>
+                </a:cxn>
+              </a:cxnLst>
+              <a:rect l="l" t="t" r="r" b="b"/>
+              <a:pathLst>
+                <a:path w="533400" h="328084">
+                  <a:moveTo>
+                    <a:pt x="0" y="328084"/>
+                  </a:moveTo>
+                  <a:cubicBezTo>
+                    <a:pt x="31750" y="328083"/>
+                    <a:pt x="63500" y="328083"/>
+                    <a:pt x="118533" y="298450"/>
+                  </a:cubicBezTo>
+                  <a:cubicBezTo>
+                    <a:pt x="173566" y="268817"/>
+                    <a:pt x="261056" y="200026"/>
+                    <a:pt x="330200" y="150284"/>
+                  </a:cubicBezTo>
+                  <a:cubicBezTo>
+                    <a:pt x="399345" y="100542"/>
+                    <a:pt x="466372" y="50271"/>
+                    <a:pt x="533400" y="0"/>
+                  </a:cubicBezTo>
+                </a:path>
+              </a:pathLst>
+            </a:custGeom>
+            <a:noFill/>
+            <a:ln w="9525">
+              <a:solidFill>
+                <a:srgbClr val="AA7138"/>
+              </a:solidFill>
+            </a:ln>
+          </p:spPr>
+          <p:style>
+            <a:lnRef idx="2">
+              <a:schemeClr val="accent1">
+                <a:shade val="50000"/>
+              </a:schemeClr>
+            </a:lnRef>
+            <a:fillRef idx="1">
+              <a:schemeClr val="accent1"/>
+            </a:fillRef>
+            <a:effectRef idx="0">
+              <a:schemeClr val="accent1"/>
+            </a:effectRef>
+            <a:fontRef idx="minor">
+              <a:schemeClr val="lt1"/>
+            </a:fontRef>
+          </p:style>
+          <p:txBody>
+            <a:bodyPr rtlCol="0" anchor="ctr"/>
+            <a:lstStyle/>
+            <a:p>
+              <a:pPr algn="ctr"/>
+              <a:endParaRPr lang="en-US"/>
+            </a:p>
+          </p:txBody>
+        </p:sp>
+      </p:grpSp>
+      <p:grpSp>
+        <p:nvGrpSpPr>
+          <p:cNvPr id="38" name="Group 37"/>
+          <p:cNvGrpSpPr/>
+          <p:nvPr/>
+        </p:nvGrpSpPr>
+        <p:grpSpPr>
+          <a:xfrm>
+            <a:off x="5446787" y="2904657"/>
+            <a:ext cx="192272" cy="98238"/>
+            <a:chOff x="6538659" y="1975724"/>
+            <a:chExt cx="480917" cy="245717"/>
+          </a:xfrm>
+        </p:grpSpPr>
+        <p:sp>
+          <p:nvSpPr>
+            <p:cNvPr id="34" name="Freeform 33"/>
+            <p:cNvSpPr/>
+            <p:nvPr/>
+          </p:nvSpPr>
+          <p:spPr>
+            <a:xfrm>
+              <a:off x="6538659" y="1975724"/>
+              <a:ext cx="480917" cy="245717"/>
+            </a:xfrm>
+            <a:custGeom>
+              <a:avLst/>
+              <a:gdLst>
+                <a:gd name="connsiteX0" fmla="*/ 10583 w 482600"/>
+                <a:gd name="connsiteY0" fmla="*/ 82550 h 245534"/>
+                <a:gd name="connsiteX1" fmla="*/ 29633 w 482600"/>
+                <a:gd name="connsiteY1" fmla="*/ 158750 h 245534"/>
+                <a:gd name="connsiteX2" fmla="*/ 0 w 482600"/>
+                <a:gd name="connsiteY2" fmla="*/ 207434 h 245534"/>
+                <a:gd name="connsiteX3" fmla="*/ 67733 w 482600"/>
+                <a:gd name="connsiteY3" fmla="*/ 243417 h 245534"/>
+                <a:gd name="connsiteX4" fmla="*/ 190500 w 482600"/>
+                <a:gd name="connsiteY4" fmla="*/ 245534 h 245534"/>
+                <a:gd name="connsiteX5" fmla="*/ 340783 w 482600"/>
+                <a:gd name="connsiteY5" fmla="*/ 234950 h 245534"/>
+                <a:gd name="connsiteX6" fmla="*/ 427566 w 482600"/>
+                <a:gd name="connsiteY6" fmla="*/ 201084 h 245534"/>
+                <a:gd name="connsiteX7" fmla="*/ 482600 w 482600"/>
+                <a:gd name="connsiteY7" fmla="*/ 122767 h 245534"/>
+                <a:gd name="connsiteX8" fmla="*/ 463550 w 482600"/>
+                <a:gd name="connsiteY8" fmla="*/ 27517 h 245534"/>
+                <a:gd name="connsiteX9" fmla="*/ 361950 w 482600"/>
+                <a:gd name="connsiteY9" fmla="*/ 0 h 245534"/>
+                <a:gd name="connsiteX10" fmla="*/ 249766 w 482600"/>
+                <a:gd name="connsiteY10" fmla="*/ 14817 h 245534"/>
+                <a:gd name="connsiteX11" fmla="*/ 158750 w 482600"/>
+                <a:gd name="connsiteY11" fmla="*/ 0 h 245534"/>
+                <a:gd name="connsiteX12" fmla="*/ 35983 w 482600"/>
+                <a:gd name="connsiteY12" fmla="*/ 23284 h 245534"/>
+                <a:gd name="connsiteX13" fmla="*/ 10583 w 482600"/>
+                <a:gd name="connsiteY13" fmla="*/ 82550 h 245534"/>
+                <a:gd name="connsiteX0" fmla="*/ 11367 w 483384"/>
+                <a:gd name="connsiteY0" fmla="*/ 82550 h 245534"/>
+                <a:gd name="connsiteX1" fmla="*/ 30417 w 483384"/>
+                <a:gd name="connsiteY1" fmla="*/ 158750 h 245534"/>
+                <a:gd name="connsiteX2" fmla="*/ 784 w 483384"/>
+                <a:gd name="connsiteY2" fmla="*/ 207434 h 245534"/>
+                <a:gd name="connsiteX3" fmla="*/ 68517 w 483384"/>
+                <a:gd name="connsiteY3" fmla="*/ 243417 h 245534"/>
+                <a:gd name="connsiteX4" fmla="*/ 191284 w 483384"/>
+                <a:gd name="connsiteY4" fmla="*/ 245534 h 245534"/>
+                <a:gd name="connsiteX5" fmla="*/ 341567 w 483384"/>
+                <a:gd name="connsiteY5" fmla="*/ 234950 h 245534"/>
+                <a:gd name="connsiteX6" fmla="*/ 428350 w 483384"/>
+                <a:gd name="connsiteY6" fmla="*/ 201084 h 245534"/>
+                <a:gd name="connsiteX7" fmla="*/ 483384 w 483384"/>
+                <a:gd name="connsiteY7" fmla="*/ 122767 h 245534"/>
+                <a:gd name="connsiteX8" fmla="*/ 464334 w 483384"/>
+                <a:gd name="connsiteY8" fmla="*/ 27517 h 245534"/>
+                <a:gd name="connsiteX9" fmla="*/ 362734 w 483384"/>
+                <a:gd name="connsiteY9" fmla="*/ 0 h 245534"/>
+                <a:gd name="connsiteX10" fmla="*/ 250550 w 483384"/>
+                <a:gd name="connsiteY10" fmla="*/ 14817 h 245534"/>
+                <a:gd name="connsiteX11" fmla="*/ 159534 w 483384"/>
+                <a:gd name="connsiteY11" fmla="*/ 0 h 245534"/>
+                <a:gd name="connsiteX12" fmla="*/ 36767 w 483384"/>
+                <a:gd name="connsiteY12" fmla="*/ 23284 h 245534"/>
+                <a:gd name="connsiteX13" fmla="*/ 11367 w 483384"/>
+                <a:gd name="connsiteY13" fmla="*/ 82550 h 245534"/>
+                <a:gd name="connsiteX0" fmla="*/ 11367 w 483384"/>
+                <a:gd name="connsiteY0" fmla="*/ 82636 h 245620"/>
+                <a:gd name="connsiteX1" fmla="*/ 30417 w 483384"/>
+                <a:gd name="connsiteY1" fmla="*/ 158836 h 245620"/>
+                <a:gd name="connsiteX2" fmla="*/ 784 w 483384"/>
+                <a:gd name="connsiteY2" fmla="*/ 207520 h 245620"/>
+                <a:gd name="connsiteX3" fmla="*/ 68517 w 483384"/>
+                <a:gd name="connsiteY3" fmla="*/ 243503 h 245620"/>
+                <a:gd name="connsiteX4" fmla="*/ 191284 w 483384"/>
+                <a:gd name="connsiteY4" fmla="*/ 245620 h 245620"/>
+                <a:gd name="connsiteX5" fmla="*/ 341567 w 483384"/>
+                <a:gd name="connsiteY5" fmla="*/ 235036 h 245620"/>
+                <a:gd name="connsiteX6" fmla="*/ 428350 w 483384"/>
+                <a:gd name="connsiteY6" fmla="*/ 201170 h 245620"/>
+                <a:gd name="connsiteX7" fmla="*/ 483384 w 483384"/>
+                <a:gd name="connsiteY7" fmla="*/ 122853 h 245620"/>
+                <a:gd name="connsiteX8" fmla="*/ 464334 w 483384"/>
+                <a:gd name="connsiteY8" fmla="*/ 27603 h 245620"/>
+                <a:gd name="connsiteX9" fmla="*/ 362734 w 483384"/>
+                <a:gd name="connsiteY9" fmla="*/ 86 h 245620"/>
+                <a:gd name="connsiteX10" fmla="*/ 250550 w 483384"/>
+                <a:gd name="connsiteY10" fmla="*/ 14903 h 245620"/>
+                <a:gd name="connsiteX11" fmla="*/ 159534 w 483384"/>
+                <a:gd name="connsiteY11" fmla="*/ 86 h 245620"/>
+                <a:gd name="connsiteX12" fmla="*/ 36767 w 483384"/>
+                <a:gd name="connsiteY12" fmla="*/ 23370 h 245620"/>
+                <a:gd name="connsiteX13" fmla="*/ 11367 w 483384"/>
+                <a:gd name="connsiteY13" fmla="*/ 82636 h 245620"/>
+                <a:gd name="connsiteX0" fmla="*/ 11367 w 483384"/>
+                <a:gd name="connsiteY0" fmla="*/ 82636 h 245620"/>
+                <a:gd name="connsiteX1" fmla="*/ 30417 w 483384"/>
+                <a:gd name="connsiteY1" fmla="*/ 158836 h 245620"/>
+                <a:gd name="connsiteX2" fmla="*/ 784 w 483384"/>
+                <a:gd name="connsiteY2" fmla="*/ 207520 h 245620"/>
+                <a:gd name="connsiteX3" fmla="*/ 68517 w 483384"/>
+                <a:gd name="connsiteY3" fmla="*/ 243503 h 245620"/>
+                <a:gd name="connsiteX4" fmla="*/ 191284 w 483384"/>
+                <a:gd name="connsiteY4" fmla="*/ 245620 h 245620"/>
+                <a:gd name="connsiteX5" fmla="*/ 341567 w 483384"/>
+                <a:gd name="connsiteY5" fmla="*/ 235036 h 245620"/>
+                <a:gd name="connsiteX6" fmla="*/ 428350 w 483384"/>
+                <a:gd name="connsiteY6" fmla="*/ 201170 h 245620"/>
+                <a:gd name="connsiteX7" fmla="*/ 483384 w 483384"/>
+                <a:gd name="connsiteY7" fmla="*/ 122853 h 245620"/>
+                <a:gd name="connsiteX8" fmla="*/ 464334 w 483384"/>
+                <a:gd name="connsiteY8" fmla="*/ 27603 h 245620"/>
+                <a:gd name="connsiteX9" fmla="*/ 362734 w 483384"/>
+                <a:gd name="connsiteY9" fmla="*/ 86 h 245620"/>
+                <a:gd name="connsiteX10" fmla="*/ 250550 w 483384"/>
+                <a:gd name="connsiteY10" fmla="*/ 14903 h 245620"/>
+                <a:gd name="connsiteX11" fmla="*/ 159534 w 483384"/>
+                <a:gd name="connsiteY11" fmla="*/ 86 h 245620"/>
+                <a:gd name="connsiteX12" fmla="*/ 36767 w 483384"/>
+                <a:gd name="connsiteY12" fmla="*/ 23370 h 245620"/>
+                <a:gd name="connsiteX13" fmla="*/ 11367 w 483384"/>
+                <a:gd name="connsiteY13" fmla="*/ 82636 h 245620"/>
+                <a:gd name="connsiteX0" fmla="*/ 11367 w 483384"/>
+                <a:gd name="connsiteY0" fmla="*/ 82733 h 245717"/>
+                <a:gd name="connsiteX1" fmla="*/ 30417 w 483384"/>
+                <a:gd name="connsiteY1" fmla="*/ 158933 h 245717"/>
+                <a:gd name="connsiteX2" fmla="*/ 784 w 483384"/>
+                <a:gd name="connsiteY2" fmla="*/ 207617 h 245717"/>
+                <a:gd name="connsiteX3" fmla="*/ 68517 w 483384"/>
+                <a:gd name="connsiteY3" fmla="*/ 243600 h 245717"/>
+                <a:gd name="connsiteX4" fmla="*/ 191284 w 483384"/>
+                <a:gd name="connsiteY4" fmla="*/ 245717 h 245717"/>
+                <a:gd name="connsiteX5" fmla="*/ 341567 w 483384"/>
+                <a:gd name="connsiteY5" fmla="*/ 235133 h 245717"/>
+                <a:gd name="connsiteX6" fmla="*/ 428350 w 483384"/>
+                <a:gd name="connsiteY6" fmla="*/ 201267 h 245717"/>
+                <a:gd name="connsiteX7" fmla="*/ 483384 w 483384"/>
+                <a:gd name="connsiteY7" fmla="*/ 122950 h 245717"/>
+                <a:gd name="connsiteX8" fmla="*/ 464334 w 483384"/>
+                <a:gd name="connsiteY8" fmla="*/ 27700 h 245717"/>
+                <a:gd name="connsiteX9" fmla="*/ 362734 w 483384"/>
+                <a:gd name="connsiteY9" fmla="*/ 183 h 245717"/>
+                <a:gd name="connsiteX10" fmla="*/ 250550 w 483384"/>
+                <a:gd name="connsiteY10" fmla="*/ 15000 h 245717"/>
+                <a:gd name="connsiteX11" fmla="*/ 159534 w 483384"/>
+                <a:gd name="connsiteY11" fmla="*/ 183 h 245717"/>
+                <a:gd name="connsiteX12" fmla="*/ 36767 w 483384"/>
+                <a:gd name="connsiteY12" fmla="*/ 23467 h 245717"/>
+                <a:gd name="connsiteX13" fmla="*/ 11367 w 483384"/>
+                <a:gd name="connsiteY13" fmla="*/ 82733 h 245717"/>
+                <a:gd name="connsiteX0" fmla="*/ 11367 w 483384"/>
+                <a:gd name="connsiteY0" fmla="*/ 82733 h 245717"/>
+                <a:gd name="connsiteX1" fmla="*/ 30417 w 483384"/>
+                <a:gd name="connsiteY1" fmla="*/ 158933 h 245717"/>
+                <a:gd name="connsiteX2" fmla="*/ 784 w 483384"/>
+                <a:gd name="connsiteY2" fmla="*/ 207617 h 245717"/>
+                <a:gd name="connsiteX3" fmla="*/ 68517 w 483384"/>
+                <a:gd name="connsiteY3" fmla="*/ 243600 h 245717"/>
+                <a:gd name="connsiteX4" fmla="*/ 191284 w 483384"/>
+                <a:gd name="connsiteY4" fmla="*/ 245717 h 245717"/>
+                <a:gd name="connsiteX5" fmla="*/ 341567 w 483384"/>
+                <a:gd name="connsiteY5" fmla="*/ 235133 h 245717"/>
+                <a:gd name="connsiteX6" fmla="*/ 428350 w 483384"/>
+                <a:gd name="connsiteY6" fmla="*/ 201267 h 245717"/>
+                <a:gd name="connsiteX7" fmla="*/ 483384 w 483384"/>
+                <a:gd name="connsiteY7" fmla="*/ 122950 h 245717"/>
+                <a:gd name="connsiteX8" fmla="*/ 464334 w 483384"/>
+                <a:gd name="connsiteY8" fmla="*/ 27700 h 245717"/>
+                <a:gd name="connsiteX9" fmla="*/ 362734 w 483384"/>
+                <a:gd name="connsiteY9" fmla="*/ 183 h 245717"/>
+                <a:gd name="connsiteX10" fmla="*/ 250550 w 483384"/>
+                <a:gd name="connsiteY10" fmla="*/ 15000 h 245717"/>
+                <a:gd name="connsiteX11" fmla="*/ 159534 w 483384"/>
+                <a:gd name="connsiteY11" fmla="*/ 183 h 245717"/>
+                <a:gd name="connsiteX12" fmla="*/ 36767 w 483384"/>
+                <a:gd name="connsiteY12" fmla="*/ 23467 h 245717"/>
+                <a:gd name="connsiteX13" fmla="*/ 11367 w 483384"/>
+                <a:gd name="connsiteY13" fmla="*/ 82733 h 245717"/>
+                <a:gd name="connsiteX0" fmla="*/ 11367 w 484093"/>
+                <a:gd name="connsiteY0" fmla="*/ 82733 h 245717"/>
+                <a:gd name="connsiteX1" fmla="*/ 30417 w 484093"/>
+                <a:gd name="connsiteY1" fmla="*/ 158933 h 245717"/>
+                <a:gd name="connsiteX2" fmla="*/ 784 w 484093"/>
+                <a:gd name="connsiteY2" fmla="*/ 207617 h 245717"/>
+                <a:gd name="connsiteX3" fmla="*/ 68517 w 484093"/>
+                <a:gd name="connsiteY3" fmla="*/ 243600 h 245717"/>
+                <a:gd name="connsiteX4" fmla="*/ 191284 w 484093"/>
+                <a:gd name="connsiteY4" fmla="*/ 245717 h 245717"/>
+                <a:gd name="connsiteX5" fmla="*/ 341567 w 484093"/>
+                <a:gd name="connsiteY5" fmla="*/ 235133 h 245717"/>
+                <a:gd name="connsiteX6" fmla="*/ 428350 w 484093"/>
+                <a:gd name="connsiteY6" fmla="*/ 201267 h 245717"/>
+                <a:gd name="connsiteX7" fmla="*/ 483384 w 484093"/>
+                <a:gd name="connsiteY7" fmla="*/ 122950 h 245717"/>
+                <a:gd name="connsiteX8" fmla="*/ 464334 w 484093"/>
+                <a:gd name="connsiteY8" fmla="*/ 27700 h 245717"/>
+                <a:gd name="connsiteX9" fmla="*/ 362734 w 484093"/>
+                <a:gd name="connsiteY9" fmla="*/ 183 h 245717"/>
+                <a:gd name="connsiteX10" fmla="*/ 250550 w 484093"/>
+                <a:gd name="connsiteY10" fmla="*/ 15000 h 245717"/>
+                <a:gd name="connsiteX11" fmla="*/ 159534 w 484093"/>
+                <a:gd name="connsiteY11" fmla="*/ 183 h 245717"/>
+                <a:gd name="connsiteX12" fmla="*/ 36767 w 484093"/>
+                <a:gd name="connsiteY12" fmla="*/ 23467 h 245717"/>
+                <a:gd name="connsiteX13" fmla="*/ 11367 w 484093"/>
+                <a:gd name="connsiteY13" fmla="*/ 82733 h 245717"/>
+                <a:gd name="connsiteX0" fmla="*/ 16387 w 489113"/>
+                <a:gd name="connsiteY0" fmla="*/ 82733 h 245717"/>
+                <a:gd name="connsiteX1" fmla="*/ 35437 w 489113"/>
+                <a:gd name="connsiteY1" fmla="*/ 158933 h 245717"/>
+                <a:gd name="connsiteX2" fmla="*/ 5804 w 489113"/>
+                <a:gd name="connsiteY2" fmla="*/ 207617 h 245717"/>
+                <a:gd name="connsiteX3" fmla="*/ 73537 w 489113"/>
+                <a:gd name="connsiteY3" fmla="*/ 243600 h 245717"/>
+                <a:gd name="connsiteX4" fmla="*/ 196304 w 489113"/>
+                <a:gd name="connsiteY4" fmla="*/ 245717 h 245717"/>
+                <a:gd name="connsiteX5" fmla="*/ 346587 w 489113"/>
+                <a:gd name="connsiteY5" fmla="*/ 235133 h 245717"/>
+                <a:gd name="connsiteX6" fmla="*/ 433370 w 489113"/>
+                <a:gd name="connsiteY6" fmla="*/ 201267 h 245717"/>
+                <a:gd name="connsiteX7" fmla="*/ 488404 w 489113"/>
+                <a:gd name="connsiteY7" fmla="*/ 122950 h 245717"/>
+                <a:gd name="connsiteX8" fmla="*/ 469354 w 489113"/>
+                <a:gd name="connsiteY8" fmla="*/ 27700 h 245717"/>
+                <a:gd name="connsiteX9" fmla="*/ 367754 w 489113"/>
+                <a:gd name="connsiteY9" fmla="*/ 183 h 245717"/>
+                <a:gd name="connsiteX10" fmla="*/ 255570 w 489113"/>
+                <a:gd name="connsiteY10" fmla="*/ 15000 h 245717"/>
+                <a:gd name="connsiteX11" fmla="*/ 164554 w 489113"/>
+                <a:gd name="connsiteY11" fmla="*/ 183 h 245717"/>
+                <a:gd name="connsiteX12" fmla="*/ 41787 w 489113"/>
+                <a:gd name="connsiteY12" fmla="*/ 23467 h 245717"/>
+                <a:gd name="connsiteX13" fmla="*/ 16387 w 489113"/>
+                <a:gd name="connsiteY13" fmla="*/ 82733 h 245717"/>
+                <a:gd name="connsiteX0" fmla="*/ 11445 w 484171"/>
+                <a:gd name="connsiteY0" fmla="*/ 82733 h 245717"/>
+                <a:gd name="connsiteX1" fmla="*/ 30495 w 484171"/>
+                <a:gd name="connsiteY1" fmla="*/ 158933 h 245717"/>
+                <a:gd name="connsiteX2" fmla="*/ 862 w 484171"/>
+                <a:gd name="connsiteY2" fmla="*/ 207617 h 245717"/>
+                <a:gd name="connsiteX3" fmla="*/ 68595 w 484171"/>
+                <a:gd name="connsiteY3" fmla="*/ 243600 h 245717"/>
+                <a:gd name="connsiteX4" fmla="*/ 191362 w 484171"/>
+                <a:gd name="connsiteY4" fmla="*/ 245717 h 245717"/>
+                <a:gd name="connsiteX5" fmla="*/ 341645 w 484171"/>
+                <a:gd name="connsiteY5" fmla="*/ 235133 h 245717"/>
+                <a:gd name="connsiteX6" fmla="*/ 428428 w 484171"/>
+                <a:gd name="connsiteY6" fmla="*/ 201267 h 245717"/>
+                <a:gd name="connsiteX7" fmla="*/ 483462 w 484171"/>
+                <a:gd name="connsiteY7" fmla="*/ 122950 h 245717"/>
+                <a:gd name="connsiteX8" fmla="*/ 464412 w 484171"/>
+                <a:gd name="connsiteY8" fmla="*/ 27700 h 245717"/>
+                <a:gd name="connsiteX9" fmla="*/ 362812 w 484171"/>
+                <a:gd name="connsiteY9" fmla="*/ 183 h 245717"/>
+                <a:gd name="connsiteX10" fmla="*/ 250628 w 484171"/>
+                <a:gd name="connsiteY10" fmla="*/ 15000 h 245717"/>
+                <a:gd name="connsiteX11" fmla="*/ 159612 w 484171"/>
+                <a:gd name="connsiteY11" fmla="*/ 183 h 245717"/>
+                <a:gd name="connsiteX12" fmla="*/ 36845 w 484171"/>
+                <a:gd name="connsiteY12" fmla="*/ 23467 h 245717"/>
+                <a:gd name="connsiteX13" fmla="*/ 11445 w 484171"/>
+                <a:gd name="connsiteY13" fmla="*/ 82733 h 245717"/>
+                <a:gd name="connsiteX0" fmla="*/ 74 w 472800"/>
+                <a:gd name="connsiteY0" fmla="*/ 82733 h 245717"/>
+                <a:gd name="connsiteX1" fmla="*/ 19124 w 472800"/>
+                <a:gd name="connsiteY1" fmla="*/ 158933 h 245717"/>
+                <a:gd name="connsiteX2" fmla="*/ 57224 w 472800"/>
+                <a:gd name="connsiteY2" fmla="*/ 243600 h 245717"/>
+                <a:gd name="connsiteX3" fmla="*/ 179991 w 472800"/>
+                <a:gd name="connsiteY3" fmla="*/ 245717 h 245717"/>
+                <a:gd name="connsiteX4" fmla="*/ 330274 w 472800"/>
+                <a:gd name="connsiteY4" fmla="*/ 235133 h 245717"/>
+                <a:gd name="connsiteX5" fmla="*/ 417057 w 472800"/>
+                <a:gd name="connsiteY5" fmla="*/ 201267 h 245717"/>
+                <a:gd name="connsiteX6" fmla="*/ 472091 w 472800"/>
+                <a:gd name="connsiteY6" fmla="*/ 122950 h 245717"/>
+                <a:gd name="connsiteX7" fmla="*/ 453041 w 472800"/>
+                <a:gd name="connsiteY7" fmla="*/ 27700 h 245717"/>
+                <a:gd name="connsiteX8" fmla="*/ 351441 w 472800"/>
+                <a:gd name="connsiteY8" fmla="*/ 183 h 245717"/>
+                <a:gd name="connsiteX9" fmla="*/ 239257 w 472800"/>
+                <a:gd name="connsiteY9" fmla="*/ 15000 h 245717"/>
+                <a:gd name="connsiteX10" fmla="*/ 148241 w 472800"/>
+                <a:gd name="connsiteY10" fmla="*/ 183 h 245717"/>
+                <a:gd name="connsiteX11" fmla="*/ 25474 w 472800"/>
+                <a:gd name="connsiteY11" fmla="*/ 23467 h 245717"/>
+                <a:gd name="connsiteX12" fmla="*/ 74 w 472800"/>
+                <a:gd name="connsiteY12" fmla="*/ 82733 h 245717"/>
+                <a:gd name="connsiteX0" fmla="*/ 8191 w 480917"/>
+                <a:gd name="connsiteY0" fmla="*/ 82733 h 245717"/>
+                <a:gd name="connsiteX1" fmla="*/ 3428 w 480917"/>
+                <a:gd name="connsiteY1" fmla="*/ 177983 h 245717"/>
+                <a:gd name="connsiteX2" fmla="*/ 65341 w 480917"/>
+                <a:gd name="connsiteY2" fmla="*/ 243600 h 245717"/>
+                <a:gd name="connsiteX3" fmla="*/ 188108 w 480917"/>
+                <a:gd name="connsiteY3" fmla="*/ 245717 h 245717"/>
+                <a:gd name="connsiteX4" fmla="*/ 338391 w 480917"/>
+                <a:gd name="connsiteY4" fmla="*/ 235133 h 245717"/>
+                <a:gd name="connsiteX5" fmla="*/ 425174 w 480917"/>
+                <a:gd name="connsiteY5" fmla="*/ 201267 h 245717"/>
+                <a:gd name="connsiteX6" fmla="*/ 480208 w 480917"/>
+                <a:gd name="connsiteY6" fmla="*/ 122950 h 245717"/>
+                <a:gd name="connsiteX7" fmla="*/ 461158 w 480917"/>
+                <a:gd name="connsiteY7" fmla="*/ 27700 h 245717"/>
+                <a:gd name="connsiteX8" fmla="*/ 359558 w 480917"/>
+                <a:gd name="connsiteY8" fmla="*/ 183 h 245717"/>
+                <a:gd name="connsiteX9" fmla="*/ 247374 w 480917"/>
+                <a:gd name="connsiteY9" fmla="*/ 15000 h 245717"/>
+                <a:gd name="connsiteX10" fmla="*/ 156358 w 480917"/>
+                <a:gd name="connsiteY10" fmla="*/ 183 h 245717"/>
+                <a:gd name="connsiteX11" fmla="*/ 33591 w 480917"/>
+                <a:gd name="connsiteY11" fmla="*/ 23467 h 245717"/>
+                <a:gd name="connsiteX12" fmla="*/ 8191 w 480917"/>
+                <a:gd name="connsiteY12" fmla="*/ 82733 h 245717"/>
+                <a:gd name="connsiteX0" fmla="*/ 8191 w 480917"/>
+                <a:gd name="connsiteY0" fmla="*/ 82733 h 245717"/>
+                <a:gd name="connsiteX1" fmla="*/ 3428 w 480917"/>
+                <a:gd name="connsiteY1" fmla="*/ 177983 h 245717"/>
+                <a:gd name="connsiteX2" fmla="*/ 65341 w 480917"/>
+                <a:gd name="connsiteY2" fmla="*/ 243600 h 245717"/>
+                <a:gd name="connsiteX3" fmla="*/ 188108 w 480917"/>
+                <a:gd name="connsiteY3" fmla="*/ 245717 h 245717"/>
+                <a:gd name="connsiteX4" fmla="*/ 338391 w 480917"/>
+                <a:gd name="connsiteY4" fmla="*/ 235133 h 245717"/>
+                <a:gd name="connsiteX5" fmla="*/ 425174 w 480917"/>
+                <a:gd name="connsiteY5" fmla="*/ 201267 h 245717"/>
+                <a:gd name="connsiteX6" fmla="*/ 480208 w 480917"/>
+                <a:gd name="connsiteY6" fmla="*/ 122950 h 245717"/>
+                <a:gd name="connsiteX7" fmla="*/ 461158 w 480917"/>
+                <a:gd name="connsiteY7" fmla="*/ 27700 h 245717"/>
+                <a:gd name="connsiteX8" fmla="*/ 359558 w 480917"/>
+                <a:gd name="connsiteY8" fmla="*/ 183 h 245717"/>
+                <a:gd name="connsiteX9" fmla="*/ 247374 w 480917"/>
+                <a:gd name="connsiteY9" fmla="*/ 15000 h 245717"/>
+                <a:gd name="connsiteX10" fmla="*/ 156358 w 480917"/>
+                <a:gd name="connsiteY10" fmla="*/ 183 h 245717"/>
+                <a:gd name="connsiteX11" fmla="*/ 33591 w 480917"/>
+                <a:gd name="connsiteY11" fmla="*/ 23467 h 245717"/>
+                <a:gd name="connsiteX12" fmla="*/ 8191 w 480917"/>
+                <a:gd name="connsiteY12" fmla="*/ 82733 h 245717"/>
+                <a:gd name="connsiteX0" fmla="*/ 8191 w 480917"/>
+                <a:gd name="connsiteY0" fmla="*/ 82733 h 245717"/>
+                <a:gd name="connsiteX1" fmla="*/ 3428 w 480917"/>
+                <a:gd name="connsiteY1" fmla="*/ 177983 h 245717"/>
+                <a:gd name="connsiteX2" fmla="*/ 65341 w 480917"/>
+                <a:gd name="connsiteY2" fmla="*/ 243600 h 245717"/>
+                <a:gd name="connsiteX3" fmla="*/ 188108 w 480917"/>
+                <a:gd name="connsiteY3" fmla="*/ 245717 h 245717"/>
+                <a:gd name="connsiteX4" fmla="*/ 338391 w 480917"/>
+                <a:gd name="connsiteY4" fmla="*/ 235133 h 245717"/>
+                <a:gd name="connsiteX5" fmla="*/ 425174 w 480917"/>
+                <a:gd name="connsiteY5" fmla="*/ 201267 h 245717"/>
+                <a:gd name="connsiteX6" fmla="*/ 480208 w 480917"/>
+                <a:gd name="connsiteY6" fmla="*/ 122950 h 245717"/>
+                <a:gd name="connsiteX7" fmla="*/ 461158 w 480917"/>
+                <a:gd name="connsiteY7" fmla="*/ 27700 h 245717"/>
+                <a:gd name="connsiteX8" fmla="*/ 359558 w 480917"/>
+                <a:gd name="connsiteY8" fmla="*/ 183 h 245717"/>
+                <a:gd name="connsiteX9" fmla="*/ 247374 w 480917"/>
+                <a:gd name="connsiteY9" fmla="*/ 15000 h 245717"/>
+                <a:gd name="connsiteX10" fmla="*/ 156358 w 480917"/>
+                <a:gd name="connsiteY10" fmla="*/ 183 h 245717"/>
+                <a:gd name="connsiteX11" fmla="*/ 33591 w 480917"/>
+                <a:gd name="connsiteY11" fmla="*/ 23467 h 245717"/>
+                <a:gd name="connsiteX12" fmla="*/ 8191 w 480917"/>
+                <a:gd name="connsiteY12" fmla="*/ 82733 h 245717"/>
+              </a:gdLst>
+              <a:ahLst/>
+              <a:cxnLst>
+                <a:cxn ang="0">
+                  <a:pos x="connsiteX0" y="connsiteY0"/>
+                </a:cxn>
+                <a:cxn ang="0">
+                  <a:pos x="connsiteX1" y="connsiteY1"/>
+                </a:cxn>
+                <a:cxn ang="0">
+                  <a:pos x="connsiteX2" y="connsiteY2"/>
+                </a:cxn>
+                <a:cxn ang="0">
+                  <a:pos x="connsiteX3" y="connsiteY3"/>
+                </a:cxn>
+                <a:cxn ang="0">
+                  <a:pos x="connsiteX4" y="connsiteY4"/>
+                </a:cxn>
+                <a:cxn ang="0">
+                  <a:pos x="connsiteX5" y="connsiteY5"/>
+                </a:cxn>
+                <a:cxn ang="0">
+                  <a:pos x="connsiteX6" y="connsiteY6"/>
+                </a:cxn>
+                <a:cxn ang="0">
+                  <a:pos x="connsiteX7" y="connsiteY7"/>
+                </a:cxn>
+                <a:cxn ang="0">
+                  <a:pos x="connsiteX8" y="connsiteY8"/>
+                </a:cxn>
+                <a:cxn ang="0">
+                  <a:pos x="connsiteX9" y="connsiteY9"/>
+                </a:cxn>
+                <a:cxn ang="0">
+                  <a:pos x="connsiteX10" y="connsiteY10"/>
+                </a:cxn>
+                <a:cxn ang="0">
+                  <a:pos x="connsiteX11" y="connsiteY11"/>
+                </a:cxn>
+                <a:cxn ang="0">
+                  <a:pos x="connsiteX12" y="connsiteY12"/>
+                </a:cxn>
+              </a:cxnLst>
+              <a:rect l="l" t="t" r="r" b="b"/>
+              <a:pathLst>
+                <a:path w="480917" h="245717">
+                  <a:moveTo>
+                    <a:pt x="8191" y="82733"/>
+                  </a:moveTo>
+                  <a:cubicBezTo>
+                    <a:pt x="7133" y="105311"/>
+                    <a:pt x="-6097" y="151172"/>
+                    <a:pt x="3428" y="177983"/>
+                  </a:cubicBezTo>
+                  <a:cubicBezTo>
+                    <a:pt x="12953" y="204794"/>
+                    <a:pt x="38530" y="229136"/>
+                    <a:pt x="65341" y="243600"/>
+                  </a:cubicBezTo>
+                  <a:lnTo>
+                    <a:pt x="188108" y="245717"/>
+                  </a:lnTo>
+                  <a:lnTo>
+                    <a:pt x="338391" y="235133"/>
+                  </a:lnTo>
+                  <a:cubicBezTo>
+                    <a:pt x="377902" y="227725"/>
+                    <a:pt x="401538" y="219964"/>
+                    <a:pt x="425174" y="201267"/>
+                  </a:cubicBezTo>
+                  <a:cubicBezTo>
+                    <a:pt x="448810" y="182570"/>
+                    <a:pt x="486558" y="154700"/>
+                    <a:pt x="480208" y="122950"/>
+                  </a:cubicBezTo>
+                  <a:lnTo>
+                    <a:pt x="461158" y="27700"/>
+                  </a:lnTo>
+                  <a:cubicBezTo>
+                    <a:pt x="454808" y="-4050"/>
+                    <a:pt x="395189" y="2300"/>
+                    <a:pt x="359558" y="183"/>
+                  </a:cubicBezTo>
+                  <a:cubicBezTo>
+                    <a:pt x="323927" y="-1934"/>
+                    <a:pt x="281241" y="15000"/>
+                    <a:pt x="247374" y="15000"/>
+                  </a:cubicBezTo>
+                  <a:cubicBezTo>
+                    <a:pt x="213507" y="15000"/>
+                    <a:pt x="191988" y="-1228"/>
+                    <a:pt x="156358" y="183"/>
+                  </a:cubicBezTo>
+                  <a:cubicBezTo>
+                    <a:pt x="120728" y="1594"/>
+                    <a:pt x="42058" y="3712"/>
+                    <a:pt x="33591" y="23467"/>
+                  </a:cubicBezTo>
+                  <a:lnTo>
+                    <a:pt x="8191" y="82733"/>
+                  </a:lnTo>
+                  <a:close/>
+                </a:path>
+              </a:pathLst>
+            </a:custGeom>
+            <a:solidFill>
+              <a:srgbClr val="AA7138"/>
+            </a:solidFill>
+            <a:ln>
+              <a:solidFill>
+                <a:srgbClr val="663300"/>
+              </a:solidFill>
+            </a:ln>
+          </p:spPr>
+          <p:style>
+            <a:lnRef idx="2">
+              <a:schemeClr val="accent1">
+                <a:shade val="50000"/>
+              </a:schemeClr>
+            </a:lnRef>
+            <a:fillRef idx="1">
+              <a:schemeClr val="accent1"/>
+            </a:fillRef>
+            <a:effectRef idx="0">
+              <a:schemeClr val="accent1"/>
+            </a:effectRef>
+            <a:fontRef idx="minor">
+              <a:schemeClr val="lt1"/>
+            </a:fontRef>
+          </p:style>
+          <p:txBody>
+            <a:bodyPr rtlCol="0" anchor="ctr"/>
+            <a:lstStyle/>
+            <a:p>
+              <a:pPr algn="ctr"/>
+              <a:endParaRPr lang="en-US"/>
+            </a:p>
+          </p:txBody>
+        </p:sp>
+        <p:sp>
+          <p:nvSpPr>
+            <p:cNvPr id="35" name="Freeform 34"/>
+            <p:cNvSpPr/>
+            <p:nvPr/>
+          </p:nvSpPr>
+          <p:spPr>
+            <a:xfrm>
+              <a:off x="6589713" y="2012950"/>
+              <a:ext cx="88900" cy="39688"/>
+            </a:xfrm>
+            <a:custGeom>
+              <a:avLst/>
+              <a:gdLst>
+                <a:gd name="connsiteX0" fmla="*/ 88900 w 88900"/>
+                <a:gd name="connsiteY0" fmla="*/ 0 h 39688"/>
+                <a:gd name="connsiteX1" fmla="*/ 33337 w 88900"/>
+                <a:gd name="connsiteY1" fmla="*/ 11113 h 39688"/>
+                <a:gd name="connsiteX2" fmla="*/ 0 w 88900"/>
+                <a:gd name="connsiteY2" fmla="*/ 39688 h 39688"/>
+              </a:gdLst>
+              <a:ahLst/>
+              <a:cxnLst>
+                <a:cxn ang="0">
+                  <a:pos x="connsiteX0" y="connsiteY0"/>
+                </a:cxn>
+                <a:cxn ang="0">
+                  <a:pos x="connsiteX1" y="connsiteY1"/>
+                </a:cxn>
+                <a:cxn ang="0">
+                  <a:pos x="connsiteX2" y="connsiteY2"/>
+                </a:cxn>
+              </a:cxnLst>
+              <a:rect l="l" t="t" r="r" b="b"/>
+              <a:pathLst>
+                <a:path w="88900" h="39688">
+                  <a:moveTo>
+                    <a:pt x="88900" y="0"/>
+                  </a:moveTo>
+                  <a:cubicBezTo>
+                    <a:pt x="68527" y="2249"/>
+                    <a:pt x="48154" y="4498"/>
+                    <a:pt x="33337" y="11113"/>
+                  </a:cubicBezTo>
+                  <a:cubicBezTo>
+                    <a:pt x="18520" y="17728"/>
+                    <a:pt x="9260" y="28708"/>
+                    <a:pt x="0" y="39688"/>
+                  </a:cubicBezTo>
+                </a:path>
+              </a:pathLst>
+            </a:custGeom>
+            <a:noFill/>
+            <a:ln>
+              <a:solidFill>
+                <a:srgbClr val="663300"/>
+              </a:solidFill>
+            </a:ln>
+          </p:spPr>
+          <p:style>
+            <a:lnRef idx="2">
+              <a:schemeClr val="accent1">
+                <a:shade val="50000"/>
+              </a:schemeClr>
+            </a:lnRef>
+            <a:fillRef idx="1">
+              <a:schemeClr val="accent1"/>
+            </a:fillRef>
+            <a:effectRef idx="0">
+              <a:schemeClr val="accent1"/>
+            </a:effectRef>
+            <a:fontRef idx="minor">
+              <a:schemeClr val="lt1"/>
+            </a:fontRef>
+          </p:style>
+          <p:txBody>
+            <a:bodyPr rtlCol="0" anchor="ctr"/>
+            <a:lstStyle/>
+            <a:p>
+              <a:pPr algn="ctr"/>
+              <a:endParaRPr lang="en-US"/>
+            </a:p>
+          </p:txBody>
+        </p:sp>
+        <p:sp>
+          <p:nvSpPr>
+            <p:cNvPr id="36" name="Freeform 35"/>
+            <p:cNvSpPr/>
+            <p:nvPr/>
+          </p:nvSpPr>
+          <p:spPr>
+            <a:xfrm>
+              <a:off x="6810375" y="2146300"/>
+              <a:ext cx="150813" cy="29349"/>
+            </a:xfrm>
+            <a:custGeom>
+              <a:avLst/>
+              <a:gdLst>
+                <a:gd name="connsiteX0" fmla="*/ 88900 w 88900"/>
+                <a:gd name="connsiteY0" fmla="*/ 0 h 39688"/>
+                <a:gd name="connsiteX1" fmla="*/ 33337 w 88900"/>
+                <a:gd name="connsiteY1" fmla="*/ 11113 h 39688"/>
+                <a:gd name="connsiteX2" fmla="*/ 0 w 88900"/>
+                <a:gd name="connsiteY2" fmla="*/ 39688 h 39688"/>
+                <a:gd name="connsiteX0" fmla="*/ 134938 w 134938"/>
+                <a:gd name="connsiteY0" fmla="*/ 0 h 26988"/>
+                <a:gd name="connsiteX1" fmla="*/ 79375 w 134938"/>
+                <a:gd name="connsiteY1" fmla="*/ 11113 h 26988"/>
+                <a:gd name="connsiteX2" fmla="*/ 0 w 134938"/>
+                <a:gd name="connsiteY2" fmla="*/ 26988 h 26988"/>
+                <a:gd name="connsiteX0" fmla="*/ 134938 w 134938"/>
+                <a:gd name="connsiteY0" fmla="*/ 0 h 29349"/>
+                <a:gd name="connsiteX1" fmla="*/ 80962 w 134938"/>
+                <a:gd name="connsiteY1" fmla="*/ 28576 h 29349"/>
+                <a:gd name="connsiteX2" fmla="*/ 0 w 134938"/>
+                <a:gd name="connsiteY2" fmla="*/ 26988 h 29349"/>
+                <a:gd name="connsiteX0" fmla="*/ 150813 w 150813"/>
+                <a:gd name="connsiteY0" fmla="*/ 0 h 29349"/>
+                <a:gd name="connsiteX1" fmla="*/ 80962 w 150813"/>
+                <a:gd name="connsiteY1" fmla="*/ 28576 h 29349"/>
+                <a:gd name="connsiteX2" fmla="*/ 0 w 150813"/>
+                <a:gd name="connsiteY2" fmla="*/ 26988 h 29349"/>
+              </a:gdLst>
+              <a:ahLst/>
+              <a:cxnLst>
+                <a:cxn ang="0">
+                  <a:pos x="connsiteX0" y="connsiteY0"/>
+                </a:cxn>
+                <a:cxn ang="0">
+                  <a:pos x="connsiteX1" y="connsiteY1"/>
+                </a:cxn>
+                <a:cxn ang="0">
+                  <a:pos x="connsiteX2" y="connsiteY2"/>
+                </a:cxn>
+              </a:cxnLst>
+              <a:rect l="l" t="t" r="r" b="b"/>
+              <a:pathLst>
+                <a:path w="150813" h="29349">
+                  <a:moveTo>
+                    <a:pt x="150813" y="0"/>
+                  </a:moveTo>
+                  <a:cubicBezTo>
+                    <a:pt x="130440" y="2249"/>
+                    <a:pt x="106097" y="24078"/>
+                    <a:pt x="80962" y="28576"/>
+                  </a:cubicBezTo>
+                  <a:cubicBezTo>
+                    <a:pt x="55827" y="33074"/>
+                    <a:pt x="9260" y="16008"/>
+                    <a:pt x="0" y="26988"/>
+                  </a:cubicBezTo>
+                </a:path>
+              </a:pathLst>
+            </a:custGeom>
+            <a:noFill/>
+            <a:ln>
+              <a:solidFill>
+                <a:srgbClr val="663300"/>
+              </a:solidFill>
+            </a:ln>
+          </p:spPr>
+          <p:style>
+            <a:lnRef idx="2">
+              <a:schemeClr val="accent1">
+                <a:shade val="50000"/>
+              </a:schemeClr>
+            </a:lnRef>
+            <a:fillRef idx="1">
+              <a:schemeClr val="accent1"/>
+            </a:fillRef>
+            <a:effectRef idx="0">
+              <a:schemeClr val="accent1"/>
+            </a:effectRef>
+            <a:fontRef idx="minor">
+              <a:schemeClr val="lt1"/>
+            </a:fontRef>
+          </p:style>
+          <p:txBody>
+            <a:bodyPr rtlCol="0" anchor="ctr"/>
+            <a:lstStyle/>
+            <a:p>
+              <a:pPr algn="ctr"/>
+              <a:endParaRPr lang="en-US"/>
+            </a:p>
+          </p:txBody>
+        </p:sp>
+        <p:sp>
+          <p:nvSpPr>
+            <p:cNvPr id="37" name="Freeform 36"/>
+            <p:cNvSpPr/>
+            <p:nvPr/>
+          </p:nvSpPr>
+          <p:spPr>
+            <a:xfrm rot="20836406">
+              <a:off x="6779117" y="2030857"/>
+              <a:ext cx="88900" cy="39688"/>
+            </a:xfrm>
+            <a:custGeom>
+              <a:avLst/>
+              <a:gdLst>
+                <a:gd name="connsiteX0" fmla="*/ 88900 w 88900"/>
+                <a:gd name="connsiteY0" fmla="*/ 0 h 39688"/>
+                <a:gd name="connsiteX1" fmla="*/ 33337 w 88900"/>
+                <a:gd name="connsiteY1" fmla="*/ 11113 h 39688"/>
+                <a:gd name="connsiteX2" fmla="*/ 0 w 88900"/>
+                <a:gd name="connsiteY2" fmla="*/ 39688 h 39688"/>
+                <a:gd name="connsiteX0" fmla="*/ 88900 w 88900"/>
+                <a:gd name="connsiteY0" fmla="*/ 0 h 39688"/>
+                <a:gd name="connsiteX1" fmla="*/ 68262 w 88900"/>
+                <a:gd name="connsiteY1" fmla="*/ 25400 h 39688"/>
+                <a:gd name="connsiteX2" fmla="*/ 0 w 88900"/>
+                <a:gd name="connsiteY2" fmla="*/ 39688 h 39688"/>
+              </a:gdLst>
+              <a:ahLst/>
+              <a:cxnLst>
+                <a:cxn ang="0">
+                  <a:pos x="connsiteX0" y="connsiteY0"/>
+                </a:cxn>
+                <a:cxn ang="0">
+                  <a:pos x="connsiteX1" y="connsiteY1"/>
+                </a:cxn>
+                <a:cxn ang="0">
+                  <a:pos x="connsiteX2" y="connsiteY2"/>
+                </a:cxn>
+              </a:cxnLst>
+              <a:rect l="l" t="t" r="r" b="b"/>
+              <a:pathLst>
+                <a:path w="88900" h="39688">
+                  <a:moveTo>
+                    <a:pt x="88900" y="0"/>
+                  </a:moveTo>
+                  <a:cubicBezTo>
+                    <a:pt x="68527" y="2249"/>
+                    <a:pt x="83079" y="18785"/>
+                    <a:pt x="68262" y="25400"/>
+                  </a:cubicBezTo>
+                  <a:cubicBezTo>
+                    <a:pt x="53445" y="32015"/>
+                    <a:pt x="9260" y="28708"/>
+                    <a:pt x="0" y="39688"/>
+                  </a:cubicBezTo>
+                </a:path>
+              </a:pathLst>
+            </a:custGeom>
+            <a:noFill/>
+            <a:ln>
+              <a:solidFill>
+                <a:srgbClr val="663300"/>
+              </a:solidFill>
+            </a:ln>
+          </p:spPr>
+          <p:style>
+            <a:lnRef idx="2">
+              <a:schemeClr val="accent1">
+                <a:shade val="50000"/>
+              </a:schemeClr>
+            </a:lnRef>
+            <a:fillRef idx="1">
+              <a:schemeClr val="accent1"/>
+            </a:fillRef>
+            <a:effectRef idx="0">
+              <a:schemeClr val="accent1"/>
+            </a:effectRef>
+            <a:fontRef idx="minor">
+              <a:schemeClr val="lt1"/>
+            </a:fontRef>
+          </p:style>
+          <p:txBody>
+            <a:bodyPr rtlCol="0" anchor="ctr"/>
+            <a:lstStyle/>
+            <a:p>
+              <a:pPr algn="ctr"/>
+              <a:endParaRPr lang="en-US"/>
+            </a:p>
+          </p:txBody>
+        </p:sp>
+      </p:grpSp>
+      <p:sp>
+        <p:nvSpPr>
+          <p:cNvPr id="39" name="Freeform 38"/>
+          <p:cNvSpPr/>
+          <p:nvPr/>
+        </p:nvSpPr>
+        <p:spPr>
+          <a:xfrm>
+            <a:off x="4255041" y="3507803"/>
+            <a:ext cx="255096" cy="176274"/>
+          </a:xfrm>
+          <a:custGeom>
+            <a:avLst/>
+            <a:gdLst>
+              <a:gd name="connsiteX0" fmla="*/ 78489 w 698555"/>
+              <a:gd name="connsiteY0" fmla="*/ 82414 h 482709"/>
+              <a:gd name="connsiteX1" fmla="*/ 290410 w 698555"/>
+              <a:gd name="connsiteY1" fmla="*/ 0 h 482709"/>
+              <a:gd name="connsiteX2" fmla="*/ 620065 w 698555"/>
+              <a:gd name="connsiteY2" fmla="*/ 43169 h 482709"/>
+              <a:gd name="connsiteX3" fmla="*/ 698555 w 698555"/>
+              <a:gd name="connsiteY3" fmla="*/ 310032 h 482709"/>
+              <a:gd name="connsiteX4" fmla="*/ 510180 w 698555"/>
+              <a:gd name="connsiteY4" fmla="*/ 482709 h 482709"/>
+              <a:gd name="connsiteX5" fmla="*/ 0 w 698555"/>
+              <a:gd name="connsiteY5" fmla="*/ 353202 h 482709"/>
+              <a:gd name="connsiteX6" fmla="*/ 51018 w 698555"/>
+              <a:gd name="connsiteY6" fmla="*/ 306108 h 482709"/>
+              <a:gd name="connsiteX7" fmla="*/ 78489 w 698555"/>
+              <a:gd name="connsiteY7" fmla="*/ 82414 h 482709"/>
+            </a:gdLst>
+            <a:ahLst/>
+            <a:cxnLst>
+              <a:cxn ang="0">
+                <a:pos x="connsiteX0" y="connsiteY0"/>
+              </a:cxn>
+              <a:cxn ang="0">
+                <a:pos x="connsiteX1" y="connsiteY1"/>
+              </a:cxn>
+              <a:cxn ang="0">
+                <a:pos x="connsiteX2" y="connsiteY2"/>
+              </a:cxn>
+              <a:cxn ang="0">
+                <a:pos x="connsiteX3" y="connsiteY3"/>
+              </a:cxn>
+              <a:cxn ang="0">
+                <a:pos x="connsiteX4" y="connsiteY4"/>
+              </a:cxn>
+              <a:cxn ang="0">
+                <a:pos x="connsiteX5" y="connsiteY5"/>
+              </a:cxn>
+              <a:cxn ang="0">
+                <a:pos x="connsiteX6" y="connsiteY6"/>
+              </a:cxn>
+              <a:cxn ang="0">
+                <a:pos x="connsiteX7" y="connsiteY7"/>
+              </a:cxn>
+            </a:cxnLst>
+            <a:rect l="l" t="t" r="r" b="b"/>
+            <a:pathLst>
+              <a:path w="698555" h="482709">
+                <a:moveTo>
+                  <a:pt x="78489" y="82414"/>
+                </a:moveTo>
+                <a:lnTo>
+                  <a:pt x="290410" y="0"/>
+                </a:lnTo>
+                <a:lnTo>
+                  <a:pt x="620065" y="43169"/>
+                </a:lnTo>
+                <a:lnTo>
+                  <a:pt x="698555" y="310032"/>
+                </a:lnTo>
+                <a:lnTo>
+                  <a:pt x="510180" y="482709"/>
+                </a:lnTo>
+                <a:lnTo>
+                  <a:pt x="0" y="353202"/>
+                </a:lnTo>
+                <a:lnTo>
+                  <a:pt x="51018" y="306108"/>
+                </a:lnTo>
+                <a:lnTo>
+                  <a:pt x="78489" y="82414"/>
+                </a:lnTo>
+                <a:close/>
+              </a:path>
+            </a:pathLst>
+          </a:custGeom>
+          <a:solidFill>
+            <a:schemeClr val="tx1">
+              <a:lumMod val="95000"/>
+              <a:lumOff val="5000"/>
+            </a:schemeClr>
+          </a:solidFill>
+          <a:ln w="38100">
+            <a:solidFill>
+              <a:schemeClr val="tx1">
+                <a:lumMod val="85000"/>
+                <a:lumOff val="15000"/>
+              </a:schemeClr>
+            </a:solidFill>
+          </a:ln>
+        </p:spPr>
+        <p:style>
+          <a:lnRef idx="2">
+            <a:schemeClr val="accent1">
+              <a:shade val="50000"/>
+            </a:schemeClr>
+          </a:lnRef>
+          <a:fillRef idx="1">
+            <a:schemeClr val="accent1"/>
+          </a:fillRef>
+          <a:effectRef idx="0">
+            <a:schemeClr val="accent1"/>
+          </a:effectRef>
+          <a:fontRef idx="minor">
+            <a:schemeClr val="lt1"/>
+          </a:fontRef>
+        </p:style>
+        <p:txBody>
+          <a:bodyPr rtlCol="0" anchor="ctr"/>
+          <a:lstStyle/>
+          <a:p>
+            <a:pPr algn="ctr"/>
+            <a:endParaRPr lang="en-US"/>
+          </a:p>
+        </p:txBody>
+      </p:sp>
+      <p:grpSp>
+        <p:nvGrpSpPr>
+          <p:cNvPr id="40" name="Group 39"/>
+          <p:cNvGrpSpPr/>
+          <p:nvPr/>
+        </p:nvGrpSpPr>
+        <p:grpSpPr>
+          <a:xfrm>
+            <a:off x="4832473" y="3486887"/>
+            <a:ext cx="260566" cy="218106"/>
+            <a:chOff x="9199517" y="2947740"/>
+            <a:chExt cx="932508" cy="780556"/>
+          </a:xfrm>
+        </p:grpSpPr>
+        <p:sp>
+          <p:nvSpPr>
+            <p:cNvPr id="41" name="Freeform 40"/>
+            <p:cNvSpPr/>
+            <p:nvPr/>
+          </p:nvSpPr>
+          <p:spPr>
+            <a:xfrm>
+              <a:off x="9227424" y="2947740"/>
+              <a:ext cx="904601" cy="768598"/>
+            </a:xfrm>
+            <a:custGeom>
+              <a:avLst/>
+              <a:gdLst>
+                <a:gd name="connsiteX0" fmla="*/ 0 w 895350"/>
+                <a:gd name="connsiteY0" fmla="*/ 461963 h 757238"/>
+                <a:gd name="connsiteX1" fmla="*/ 196850 w 895350"/>
+                <a:gd name="connsiteY1" fmla="*/ 284163 h 757238"/>
+                <a:gd name="connsiteX2" fmla="*/ 484188 w 895350"/>
+                <a:gd name="connsiteY2" fmla="*/ 100013 h 757238"/>
+                <a:gd name="connsiteX3" fmla="*/ 706438 w 895350"/>
+                <a:gd name="connsiteY3" fmla="*/ 0 h 757238"/>
+                <a:gd name="connsiteX4" fmla="*/ 793750 w 895350"/>
+                <a:gd name="connsiteY4" fmla="*/ 4763 h 757238"/>
+                <a:gd name="connsiteX5" fmla="*/ 887413 w 895350"/>
+                <a:gd name="connsiteY5" fmla="*/ 109538 h 757238"/>
+                <a:gd name="connsiteX6" fmla="*/ 890588 w 895350"/>
+                <a:gd name="connsiteY6" fmla="*/ 123825 h 757238"/>
+                <a:gd name="connsiteX7" fmla="*/ 895350 w 895350"/>
+                <a:gd name="connsiteY7" fmla="*/ 254000 h 757238"/>
+                <a:gd name="connsiteX8" fmla="*/ 731838 w 895350"/>
+                <a:gd name="connsiteY8" fmla="*/ 388938 h 757238"/>
+                <a:gd name="connsiteX9" fmla="*/ 500063 w 895350"/>
+                <a:gd name="connsiteY9" fmla="*/ 581025 h 757238"/>
+                <a:gd name="connsiteX10" fmla="*/ 177800 w 895350"/>
+                <a:gd name="connsiteY10" fmla="*/ 757238 h 757238"/>
+                <a:gd name="connsiteX11" fmla="*/ 0 w 895350"/>
+                <a:gd name="connsiteY11" fmla="*/ 461963 h 757238"/>
+                <a:gd name="connsiteX0" fmla="*/ 0 w 895350"/>
+                <a:gd name="connsiteY0" fmla="*/ 461963 h 757238"/>
+                <a:gd name="connsiteX1" fmla="*/ 196850 w 895350"/>
+                <a:gd name="connsiteY1" fmla="*/ 284163 h 757238"/>
+                <a:gd name="connsiteX2" fmla="*/ 484188 w 895350"/>
+                <a:gd name="connsiteY2" fmla="*/ 100013 h 757238"/>
+                <a:gd name="connsiteX3" fmla="*/ 706438 w 895350"/>
+                <a:gd name="connsiteY3" fmla="*/ 0 h 757238"/>
+                <a:gd name="connsiteX4" fmla="*/ 793750 w 895350"/>
+                <a:gd name="connsiteY4" fmla="*/ 4763 h 757238"/>
+                <a:gd name="connsiteX5" fmla="*/ 887413 w 895350"/>
+                <a:gd name="connsiteY5" fmla="*/ 109538 h 757238"/>
+                <a:gd name="connsiteX6" fmla="*/ 890588 w 895350"/>
+                <a:gd name="connsiteY6" fmla="*/ 123825 h 757238"/>
+                <a:gd name="connsiteX7" fmla="*/ 895350 w 895350"/>
+                <a:gd name="connsiteY7" fmla="*/ 254000 h 757238"/>
+                <a:gd name="connsiteX8" fmla="*/ 731838 w 895350"/>
+                <a:gd name="connsiteY8" fmla="*/ 388938 h 757238"/>
+                <a:gd name="connsiteX9" fmla="*/ 500063 w 895350"/>
+                <a:gd name="connsiteY9" fmla="*/ 581025 h 757238"/>
+                <a:gd name="connsiteX10" fmla="*/ 177800 w 895350"/>
+                <a:gd name="connsiteY10" fmla="*/ 757238 h 757238"/>
+                <a:gd name="connsiteX11" fmla="*/ 0 w 895350"/>
+                <a:gd name="connsiteY11" fmla="*/ 461963 h 757238"/>
+                <a:gd name="connsiteX0" fmla="*/ 0 w 895350"/>
+                <a:gd name="connsiteY0" fmla="*/ 461963 h 759214"/>
+                <a:gd name="connsiteX1" fmla="*/ 196850 w 895350"/>
+                <a:gd name="connsiteY1" fmla="*/ 284163 h 759214"/>
+                <a:gd name="connsiteX2" fmla="*/ 484188 w 895350"/>
+                <a:gd name="connsiteY2" fmla="*/ 100013 h 759214"/>
+                <a:gd name="connsiteX3" fmla="*/ 706438 w 895350"/>
+                <a:gd name="connsiteY3" fmla="*/ 0 h 759214"/>
+                <a:gd name="connsiteX4" fmla="*/ 793750 w 895350"/>
+                <a:gd name="connsiteY4" fmla="*/ 4763 h 759214"/>
+                <a:gd name="connsiteX5" fmla="*/ 887413 w 895350"/>
+                <a:gd name="connsiteY5" fmla="*/ 109538 h 759214"/>
+                <a:gd name="connsiteX6" fmla="*/ 890588 w 895350"/>
+                <a:gd name="connsiteY6" fmla="*/ 123825 h 759214"/>
+                <a:gd name="connsiteX7" fmla="*/ 895350 w 895350"/>
+                <a:gd name="connsiteY7" fmla="*/ 254000 h 759214"/>
+                <a:gd name="connsiteX8" fmla="*/ 731838 w 895350"/>
+                <a:gd name="connsiteY8" fmla="*/ 388938 h 759214"/>
+                <a:gd name="connsiteX9" fmla="*/ 500063 w 895350"/>
+                <a:gd name="connsiteY9" fmla="*/ 581025 h 759214"/>
+                <a:gd name="connsiteX10" fmla="*/ 177800 w 895350"/>
+                <a:gd name="connsiteY10" fmla="*/ 757238 h 759214"/>
+                <a:gd name="connsiteX11" fmla="*/ 0 w 895350"/>
+                <a:gd name="connsiteY11" fmla="*/ 461963 h 759214"/>
+                <a:gd name="connsiteX0" fmla="*/ 0 w 895350"/>
+                <a:gd name="connsiteY0" fmla="*/ 461963 h 758992"/>
+                <a:gd name="connsiteX1" fmla="*/ 196850 w 895350"/>
+                <a:gd name="connsiteY1" fmla="*/ 284163 h 758992"/>
+                <a:gd name="connsiteX2" fmla="*/ 484188 w 895350"/>
+                <a:gd name="connsiteY2" fmla="*/ 100013 h 758992"/>
+                <a:gd name="connsiteX3" fmla="*/ 706438 w 895350"/>
+                <a:gd name="connsiteY3" fmla="*/ 0 h 758992"/>
+                <a:gd name="connsiteX4" fmla="*/ 793750 w 895350"/>
+                <a:gd name="connsiteY4" fmla="*/ 4763 h 758992"/>
+                <a:gd name="connsiteX5" fmla="*/ 887413 w 895350"/>
+                <a:gd name="connsiteY5" fmla="*/ 109538 h 758992"/>
+                <a:gd name="connsiteX6" fmla="*/ 890588 w 895350"/>
+                <a:gd name="connsiteY6" fmla="*/ 123825 h 758992"/>
+                <a:gd name="connsiteX7" fmla="*/ 895350 w 895350"/>
+                <a:gd name="connsiteY7" fmla="*/ 254000 h 758992"/>
+                <a:gd name="connsiteX8" fmla="*/ 731838 w 895350"/>
+                <a:gd name="connsiteY8" fmla="*/ 388938 h 758992"/>
+                <a:gd name="connsiteX9" fmla="*/ 522288 w 895350"/>
+                <a:gd name="connsiteY9" fmla="*/ 561975 h 758992"/>
+                <a:gd name="connsiteX10" fmla="*/ 177800 w 895350"/>
+                <a:gd name="connsiteY10" fmla="*/ 757238 h 758992"/>
+                <a:gd name="connsiteX11" fmla="*/ 0 w 895350"/>
+                <a:gd name="connsiteY11" fmla="*/ 461963 h 758992"/>
+                <a:gd name="connsiteX0" fmla="*/ 0 w 895350"/>
+                <a:gd name="connsiteY0" fmla="*/ 461963 h 757238"/>
+                <a:gd name="connsiteX1" fmla="*/ 196850 w 895350"/>
+                <a:gd name="connsiteY1" fmla="*/ 284163 h 757238"/>
+                <a:gd name="connsiteX2" fmla="*/ 484188 w 895350"/>
+                <a:gd name="connsiteY2" fmla="*/ 100013 h 757238"/>
+                <a:gd name="connsiteX3" fmla="*/ 706438 w 895350"/>
+                <a:gd name="connsiteY3" fmla="*/ 0 h 757238"/>
+                <a:gd name="connsiteX4" fmla="*/ 793750 w 895350"/>
+                <a:gd name="connsiteY4" fmla="*/ 4763 h 757238"/>
+                <a:gd name="connsiteX5" fmla="*/ 887413 w 895350"/>
+                <a:gd name="connsiteY5" fmla="*/ 109538 h 757238"/>
+                <a:gd name="connsiteX6" fmla="*/ 890588 w 895350"/>
+                <a:gd name="connsiteY6" fmla="*/ 123825 h 757238"/>
+                <a:gd name="connsiteX7" fmla="*/ 895350 w 895350"/>
+                <a:gd name="connsiteY7" fmla="*/ 254000 h 757238"/>
+                <a:gd name="connsiteX8" fmla="*/ 731838 w 895350"/>
+                <a:gd name="connsiteY8" fmla="*/ 388938 h 757238"/>
+                <a:gd name="connsiteX9" fmla="*/ 522288 w 895350"/>
+                <a:gd name="connsiteY9" fmla="*/ 561975 h 757238"/>
+                <a:gd name="connsiteX10" fmla="*/ 177800 w 895350"/>
+                <a:gd name="connsiteY10" fmla="*/ 757238 h 757238"/>
+                <a:gd name="connsiteX11" fmla="*/ 0 w 895350"/>
+                <a:gd name="connsiteY11" fmla="*/ 461963 h 757238"/>
+                <a:gd name="connsiteX0" fmla="*/ 0 w 892175"/>
+                <a:gd name="connsiteY0" fmla="*/ 471488 h 757238"/>
+                <a:gd name="connsiteX1" fmla="*/ 193675 w 892175"/>
+                <a:gd name="connsiteY1" fmla="*/ 284163 h 757238"/>
+                <a:gd name="connsiteX2" fmla="*/ 481013 w 892175"/>
+                <a:gd name="connsiteY2" fmla="*/ 100013 h 757238"/>
+                <a:gd name="connsiteX3" fmla="*/ 703263 w 892175"/>
+                <a:gd name="connsiteY3" fmla="*/ 0 h 757238"/>
+                <a:gd name="connsiteX4" fmla="*/ 790575 w 892175"/>
+                <a:gd name="connsiteY4" fmla="*/ 4763 h 757238"/>
+                <a:gd name="connsiteX5" fmla="*/ 884238 w 892175"/>
+                <a:gd name="connsiteY5" fmla="*/ 109538 h 757238"/>
+                <a:gd name="connsiteX6" fmla="*/ 887413 w 892175"/>
+                <a:gd name="connsiteY6" fmla="*/ 123825 h 757238"/>
+                <a:gd name="connsiteX7" fmla="*/ 892175 w 892175"/>
+                <a:gd name="connsiteY7" fmla="*/ 254000 h 757238"/>
+                <a:gd name="connsiteX8" fmla="*/ 728663 w 892175"/>
+                <a:gd name="connsiteY8" fmla="*/ 388938 h 757238"/>
+                <a:gd name="connsiteX9" fmla="*/ 519113 w 892175"/>
+                <a:gd name="connsiteY9" fmla="*/ 561975 h 757238"/>
+                <a:gd name="connsiteX10" fmla="*/ 174625 w 892175"/>
+                <a:gd name="connsiteY10" fmla="*/ 757238 h 757238"/>
+                <a:gd name="connsiteX11" fmla="*/ 0 w 892175"/>
+                <a:gd name="connsiteY11" fmla="*/ 471488 h 757238"/>
+                <a:gd name="connsiteX0" fmla="*/ 0 w 892175"/>
+                <a:gd name="connsiteY0" fmla="*/ 471488 h 757238"/>
+                <a:gd name="connsiteX1" fmla="*/ 193675 w 892175"/>
+                <a:gd name="connsiteY1" fmla="*/ 284163 h 757238"/>
+                <a:gd name="connsiteX2" fmla="*/ 481013 w 892175"/>
+                <a:gd name="connsiteY2" fmla="*/ 100013 h 757238"/>
+                <a:gd name="connsiteX3" fmla="*/ 703263 w 892175"/>
+                <a:gd name="connsiteY3" fmla="*/ 0 h 757238"/>
+                <a:gd name="connsiteX4" fmla="*/ 790575 w 892175"/>
+                <a:gd name="connsiteY4" fmla="*/ 4763 h 757238"/>
+                <a:gd name="connsiteX5" fmla="*/ 884238 w 892175"/>
+                <a:gd name="connsiteY5" fmla="*/ 109538 h 757238"/>
+                <a:gd name="connsiteX6" fmla="*/ 887413 w 892175"/>
+                <a:gd name="connsiteY6" fmla="*/ 123825 h 757238"/>
+                <a:gd name="connsiteX7" fmla="*/ 892175 w 892175"/>
+                <a:gd name="connsiteY7" fmla="*/ 254000 h 757238"/>
+                <a:gd name="connsiteX8" fmla="*/ 728663 w 892175"/>
+                <a:gd name="connsiteY8" fmla="*/ 388938 h 757238"/>
+                <a:gd name="connsiteX9" fmla="*/ 519113 w 892175"/>
+                <a:gd name="connsiteY9" fmla="*/ 561975 h 757238"/>
+                <a:gd name="connsiteX10" fmla="*/ 174625 w 892175"/>
+                <a:gd name="connsiteY10" fmla="*/ 757238 h 757238"/>
+                <a:gd name="connsiteX11" fmla="*/ 0 w 892175"/>
+                <a:gd name="connsiteY11" fmla="*/ 471488 h 757238"/>
+                <a:gd name="connsiteX0" fmla="*/ 0 w 892175"/>
+                <a:gd name="connsiteY0" fmla="*/ 471488 h 757238"/>
+                <a:gd name="connsiteX1" fmla="*/ 193675 w 892175"/>
+                <a:gd name="connsiteY1" fmla="*/ 284163 h 757238"/>
+                <a:gd name="connsiteX2" fmla="*/ 481013 w 892175"/>
+                <a:gd name="connsiteY2" fmla="*/ 100013 h 757238"/>
+                <a:gd name="connsiteX3" fmla="*/ 703263 w 892175"/>
+                <a:gd name="connsiteY3" fmla="*/ 0 h 757238"/>
+                <a:gd name="connsiteX4" fmla="*/ 790575 w 892175"/>
+                <a:gd name="connsiteY4" fmla="*/ 4763 h 757238"/>
+                <a:gd name="connsiteX5" fmla="*/ 884238 w 892175"/>
+                <a:gd name="connsiteY5" fmla="*/ 109538 h 757238"/>
+                <a:gd name="connsiteX6" fmla="*/ 892175 w 892175"/>
+                <a:gd name="connsiteY6" fmla="*/ 254000 h 757238"/>
+                <a:gd name="connsiteX7" fmla="*/ 728663 w 892175"/>
+                <a:gd name="connsiteY7" fmla="*/ 388938 h 757238"/>
+                <a:gd name="connsiteX8" fmla="*/ 519113 w 892175"/>
+                <a:gd name="connsiteY8" fmla="*/ 561975 h 757238"/>
+                <a:gd name="connsiteX9" fmla="*/ 174625 w 892175"/>
+                <a:gd name="connsiteY9" fmla="*/ 757238 h 757238"/>
+                <a:gd name="connsiteX10" fmla="*/ 0 w 892175"/>
+                <a:gd name="connsiteY10" fmla="*/ 471488 h 757238"/>
+                <a:gd name="connsiteX0" fmla="*/ 0 w 905524"/>
+                <a:gd name="connsiteY0" fmla="*/ 471488 h 757238"/>
+                <a:gd name="connsiteX1" fmla="*/ 193675 w 905524"/>
+                <a:gd name="connsiteY1" fmla="*/ 284163 h 757238"/>
+                <a:gd name="connsiteX2" fmla="*/ 481013 w 905524"/>
+                <a:gd name="connsiteY2" fmla="*/ 100013 h 757238"/>
+                <a:gd name="connsiteX3" fmla="*/ 703263 w 905524"/>
+                <a:gd name="connsiteY3" fmla="*/ 0 h 757238"/>
+                <a:gd name="connsiteX4" fmla="*/ 790575 w 905524"/>
+                <a:gd name="connsiteY4" fmla="*/ 4763 h 757238"/>
+                <a:gd name="connsiteX5" fmla="*/ 884238 w 905524"/>
+                <a:gd name="connsiteY5" fmla="*/ 109538 h 757238"/>
+                <a:gd name="connsiteX6" fmla="*/ 892175 w 905524"/>
+                <a:gd name="connsiteY6" fmla="*/ 254000 h 757238"/>
+                <a:gd name="connsiteX7" fmla="*/ 728663 w 905524"/>
+                <a:gd name="connsiteY7" fmla="*/ 388938 h 757238"/>
+                <a:gd name="connsiteX8" fmla="*/ 519113 w 905524"/>
+                <a:gd name="connsiteY8" fmla="*/ 561975 h 757238"/>
+                <a:gd name="connsiteX9" fmla="*/ 174625 w 905524"/>
+                <a:gd name="connsiteY9" fmla="*/ 757238 h 757238"/>
+                <a:gd name="connsiteX10" fmla="*/ 0 w 905524"/>
+                <a:gd name="connsiteY10" fmla="*/ 471488 h 757238"/>
+                <a:gd name="connsiteX0" fmla="*/ 0 w 905524"/>
+                <a:gd name="connsiteY0" fmla="*/ 489475 h 775225"/>
+                <a:gd name="connsiteX1" fmla="*/ 193675 w 905524"/>
+                <a:gd name="connsiteY1" fmla="*/ 302150 h 775225"/>
+                <a:gd name="connsiteX2" fmla="*/ 481013 w 905524"/>
+                <a:gd name="connsiteY2" fmla="*/ 118000 h 775225"/>
+                <a:gd name="connsiteX3" fmla="*/ 703263 w 905524"/>
+                <a:gd name="connsiteY3" fmla="*/ 17987 h 775225"/>
+                <a:gd name="connsiteX4" fmla="*/ 790575 w 905524"/>
+                <a:gd name="connsiteY4" fmla="*/ 22750 h 775225"/>
+                <a:gd name="connsiteX5" fmla="*/ 884238 w 905524"/>
+                <a:gd name="connsiteY5" fmla="*/ 127525 h 775225"/>
+                <a:gd name="connsiteX6" fmla="*/ 892175 w 905524"/>
+                <a:gd name="connsiteY6" fmla="*/ 271987 h 775225"/>
+                <a:gd name="connsiteX7" fmla="*/ 728663 w 905524"/>
+                <a:gd name="connsiteY7" fmla="*/ 406925 h 775225"/>
+                <a:gd name="connsiteX8" fmla="*/ 519113 w 905524"/>
+                <a:gd name="connsiteY8" fmla="*/ 579962 h 775225"/>
+                <a:gd name="connsiteX9" fmla="*/ 174625 w 905524"/>
+                <a:gd name="connsiteY9" fmla="*/ 775225 h 775225"/>
+                <a:gd name="connsiteX10" fmla="*/ 0 w 905524"/>
+                <a:gd name="connsiteY10" fmla="*/ 489475 h 775225"/>
+                <a:gd name="connsiteX0" fmla="*/ 0 w 904601"/>
+                <a:gd name="connsiteY0" fmla="*/ 482848 h 768598"/>
+                <a:gd name="connsiteX1" fmla="*/ 193675 w 904601"/>
+                <a:gd name="connsiteY1" fmla="*/ 295523 h 768598"/>
+                <a:gd name="connsiteX2" fmla="*/ 481013 w 904601"/>
+                <a:gd name="connsiteY2" fmla="*/ 111373 h 768598"/>
+                <a:gd name="connsiteX3" fmla="*/ 703263 w 904601"/>
+                <a:gd name="connsiteY3" fmla="*/ 11360 h 768598"/>
+                <a:gd name="connsiteX4" fmla="*/ 812800 w 904601"/>
+                <a:gd name="connsiteY4" fmla="*/ 14535 h 768598"/>
+                <a:gd name="connsiteX5" fmla="*/ 884238 w 904601"/>
+                <a:gd name="connsiteY5" fmla="*/ 120898 h 768598"/>
+                <a:gd name="connsiteX6" fmla="*/ 892175 w 904601"/>
+                <a:gd name="connsiteY6" fmla="*/ 265360 h 768598"/>
+                <a:gd name="connsiteX7" fmla="*/ 728663 w 904601"/>
+                <a:gd name="connsiteY7" fmla="*/ 400298 h 768598"/>
+                <a:gd name="connsiteX8" fmla="*/ 519113 w 904601"/>
+                <a:gd name="connsiteY8" fmla="*/ 573335 h 768598"/>
+                <a:gd name="connsiteX9" fmla="*/ 174625 w 904601"/>
+                <a:gd name="connsiteY9" fmla="*/ 768598 h 768598"/>
+                <a:gd name="connsiteX10" fmla="*/ 0 w 904601"/>
+                <a:gd name="connsiteY10" fmla="*/ 482848 h 768598"/>
+                <a:gd name="connsiteX0" fmla="*/ 0 w 904601"/>
+                <a:gd name="connsiteY0" fmla="*/ 482848 h 768598"/>
+                <a:gd name="connsiteX1" fmla="*/ 201612 w 904601"/>
+                <a:gd name="connsiteY1" fmla="*/ 312986 h 768598"/>
+                <a:gd name="connsiteX2" fmla="*/ 481013 w 904601"/>
+                <a:gd name="connsiteY2" fmla="*/ 111373 h 768598"/>
+                <a:gd name="connsiteX3" fmla="*/ 703263 w 904601"/>
+                <a:gd name="connsiteY3" fmla="*/ 11360 h 768598"/>
+                <a:gd name="connsiteX4" fmla="*/ 812800 w 904601"/>
+                <a:gd name="connsiteY4" fmla="*/ 14535 h 768598"/>
+                <a:gd name="connsiteX5" fmla="*/ 884238 w 904601"/>
+                <a:gd name="connsiteY5" fmla="*/ 120898 h 768598"/>
+                <a:gd name="connsiteX6" fmla="*/ 892175 w 904601"/>
+                <a:gd name="connsiteY6" fmla="*/ 265360 h 768598"/>
+                <a:gd name="connsiteX7" fmla="*/ 728663 w 904601"/>
+                <a:gd name="connsiteY7" fmla="*/ 400298 h 768598"/>
+                <a:gd name="connsiteX8" fmla="*/ 519113 w 904601"/>
+                <a:gd name="connsiteY8" fmla="*/ 573335 h 768598"/>
+                <a:gd name="connsiteX9" fmla="*/ 174625 w 904601"/>
+                <a:gd name="connsiteY9" fmla="*/ 768598 h 768598"/>
+                <a:gd name="connsiteX10" fmla="*/ 0 w 904601"/>
+                <a:gd name="connsiteY10" fmla="*/ 482848 h 768598"/>
+                <a:gd name="connsiteX0" fmla="*/ 0 w 904601"/>
+                <a:gd name="connsiteY0" fmla="*/ 482848 h 768598"/>
+                <a:gd name="connsiteX1" fmla="*/ 201612 w 904601"/>
+                <a:gd name="connsiteY1" fmla="*/ 312986 h 768598"/>
+                <a:gd name="connsiteX2" fmla="*/ 481013 w 904601"/>
+                <a:gd name="connsiteY2" fmla="*/ 111373 h 768598"/>
+                <a:gd name="connsiteX3" fmla="*/ 703263 w 904601"/>
+                <a:gd name="connsiteY3" fmla="*/ 11360 h 768598"/>
+                <a:gd name="connsiteX4" fmla="*/ 812800 w 904601"/>
+                <a:gd name="connsiteY4" fmla="*/ 14535 h 768598"/>
+                <a:gd name="connsiteX5" fmla="*/ 884238 w 904601"/>
+                <a:gd name="connsiteY5" fmla="*/ 120898 h 768598"/>
+                <a:gd name="connsiteX6" fmla="*/ 892175 w 904601"/>
+                <a:gd name="connsiteY6" fmla="*/ 265360 h 768598"/>
+                <a:gd name="connsiteX7" fmla="*/ 728663 w 904601"/>
+                <a:gd name="connsiteY7" fmla="*/ 400298 h 768598"/>
+                <a:gd name="connsiteX8" fmla="*/ 519113 w 904601"/>
+                <a:gd name="connsiteY8" fmla="*/ 573335 h 768598"/>
+                <a:gd name="connsiteX9" fmla="*/ 174625 w 904601"/>
+                <a:gd name="connsiteY9" fmla="*/ 768598 h 768598"/>
+                <a:gd name="connsiteX10" fmla="*/ 0 w 904601"/>
+                <a:gd name="connsiteY10" fmla="*/ 482848 h 768598"/>
+              </a:gdLst>
+              <a:ahLst/>
+              <a:cxnLst>
+                <a:cxn ang="0">
+                  <a:pos x="connsiteX0" y="connsiteY0"/>
+                </a:cxn>
+                <a:cxn ang="0">
+                  <a:pos x="connsiteX1" y="connsiteY1"/>
+                </a:cxn>
+                <a:cxn ang="0">
+                  <a:pos x="connsiteX2" y="connsiteY2"/>
+                </a:cxn>
+                <a:cxn ang="0">
+                  <a:pos x="connsiteX3" y="connsiteY3"/>
+                </a:cxn>
+                <a:cxn ang="0">
+                  <a:pos x="connsiteX4" y="connsiteY4"/>
+                </a:cxn>
+                <a:cxn ang="0">
+                  <a:pos x="connsiteX5" y="connsiteY5"/>
+                </a:cxn>
+                <a:cxn ang="0">
+                  <a:pos x="connsiteX6" y="connsiteY6"/>
+                </a:cxn>
+                <a:cxn ang="0">
+                  <a:pos x="connsiteX7" y="connsiteY7"/>
+                </a:cxn>
+                <a:cxn ang="0">
+                  <a:pos x="connsiteX8" y="connsiteY8"/>
+                </a:cxn>
+                <a:cxn ang="0">
+                  <a:pos x="connsiteX9" y="connsiteY9"/>
+                </a:cxn>
+                <a:cxn ang="0">
+                  <a:pos x="connsiteX10" y="connsiteY10"/>
+                </a:cxn>
+              </a:cxnLst>
+              <a:rect l="l" t="t" r="r" b="b"/>
+              <a:pathLst>
+                <a:path w="904601" h="768598">
+                  <a:moveTo>
+                    <a:pt x="0" y="482848"/>
+                  </a:moveTo>
+                  <a:cubicBezTo>
+                    <a:pt x="60325" y="388127"/>
+                    <a:pt x="121443" y="374899"/>
+                    <a:pt x="201612" y="312986"/>
+                  </a:cubicBezTo>
+                  <a:cubicBezTo>
+                    <a:pt x="281781" y="251073"/>
+                    <a:pt x="397405" y="161644"/>
+                    <a:pt x="481013" y="111373"/>
+                  </a:cubicBezTo>
+                  <a:cubicBezTo>
+                    <a:pt x="564621" y="61102"/>
+                    <a:pt x="647965" y="27500"/>
+                    <a:pt x="703263" y="11360"/>
+                  </a:cubicBezTo>
+                  <a:cubicBezTo>
+                    <a:pt x="758561" y="-4780"/>
+                    <a:pt x="782637" y="-3721"/>
+                    <a:pt x="812800" y="14535"/>
+                  </a:cubicBezTo>
+                  <a:cubicBezTo>
+                    <a:pt x="842963" y="32791"/>
+                    <a:pt x="871009" y="79094"/>
+                    <a:pt x="884238" y="120898"/>
+                  </a:cubicBezTo>
+                  <a:cubicBezTo>
+                    <a:pt x="897467" y="162702"/>
+                    <a:pt x="918104" y="218793"/>
+                    <a:pt x="892175" y="265360"/>
+                  </a:cubicBezTo>
+                  <a:lnTo>
+                    <a:pt x="728663" y="400298"/>
+                  </a:lnTo>
+                  <a:cubicBezTo>
+                    <a:pt x="666486" y="451627"/>
+                    <a:pt x="611453" y="511952"/>
+                    <a:pt x="519113" y="573335"/>
+                  </a:cubicBezTo>
+                  <a:cubicBezTo>
+                    <a:pt x="426773" y="634718"/>
+                    <a:pt x="281782" y="756692"/>
+                    <a:pt x="174625" y="768598"/>
+                  </a:cubicBezTo>
+                  <a:lnTo>
+                    <a:pt x="0" y="482848"/>
+                  </a:lnTo>
+                  <a:close/>
+                </a:path>
+              </a:pathLst>
+            </a:custGeom>
+            <a:solidFill>
+              <a:srgbClr val="663300"/>
+            </a:solidFill>
+            <a:ln w="9525">
+              <a:solidFill>
+                <a:srgbClr val="AA7138"/>
+              </a:solidFill>
+            </a:ln>
+          </p:spPr>
+          <p:style>
+            <a:lnRef idx="2">
+              <a:schemeClr val="accent1">
+                <a:shade val="50000"/>
+              </a:schemeClr>
+            </a:lnRef>
+            <a:fillRef idx="1">
+              <a:schemeClr val="accent1"/>
+            </a:fillRef>
+            <a:effectRef idx="0">
+              <a:schemeClr val="accent1"/>
+            </a:effectRef>
+            <a:fontRef idx="minor">
+              <a:schemeClr val="lt1"/>
+            </a:fontRef>
+          </p:style>
+          <p:txBody>
+            <a:bodyPr rtlCol="0" anchor="ctr"/>
+            <a:lstStyle/>
+            <a:p>
+              <a:pPr algn="ctr"/>
+              <a:endParaRPr lang="en-US"/>
+            </a:p>
+          </p:txBody>
+        </p:sp>
+        <p:sp>
+          <p:nvSpPr>
+            <p:cNvPr id="42" name="Oval 41"/>
+            <p:cNvSpPr/>
+            <p:nvPr/>
+          </p:nvSpPr>
+          <p:spPr>
+            <a:xfrm>
+              <a:off x="9199517" y="3353130"/>
+              <a:ext cx="302183" cy="375166"/>
+            </a:xfrm>
+            <a:prstGeom prst="ellipse">
+              <a:avLst/>
+            </a:prstGeom>
+            <a:solidFill>
+              <a:srgbClr val="663300"/>
+            </a:solidFill>
+            <a:ln w="9525">
+              <a:solidFill>
+                <a:srgbClr val="AA7138"/>
+              </a:solidFill>
+            </a:ln>
+          </p:spPr>
+          <p:style>
+            <a:lnRef idx="2">
+              <a:schemeClr val="accent1">
+                <a:shade val="50000"/>
+              </a:schemeClr>
+            </a:lnRef>
+            <a:fillRef idx="1">
+              <a:schemeClr val="accent1"/>
+            </a:fillRef>
+            <a:effectRef idx="0">
+              <a:schemeClr val="accent1"/>
+            </a:effectRef>
+            <a:fontRef idx="minor">
+              <a:schemeClr val="lt1"/>
+            </a:fontRef>
+          </p:style>
+          <p:txBody>
+            <a:bodyPr rtlCol="0" anchor="ctr"/>
+            <a:lstStyle/>
+            <a:p>
+              <a:pPr algn="ctr"/>
+              <a:endParaRPr lang="en-US"/>
+            </a:p>
+          </p:txBody>
+        </p:sp>
+        <p:sp>
+          <p:nvSpPr>
+            <p:cNvPr id="43" name="Oval 42"/>
+            <p:cNvSpPr/>
+            <p:nvPr/>
+          </p:nvSpPr>
+          <p:spPr>
+            <a:xfrm>
+              <a:off x="9232492" y="3406770"/>
+              <a:ext cx="236232" cy="293286"/>
+            </a:xfrm>
+            <a:prstGeom prst="ellipse">
+              <a:avLst/>
+            </a:prstGeom>
+            <a:noFill/>
+            <a:ln w="9525">
+              <a:solidFill>
+                <a:srgbClr val="AA7138"/>
+              </a:solidFill>
+            </a:ln>
+          </p:spPr>
+          <p:style>
+            <a:lnRef idx="2">
+              <a:schemeClr val="accent1">
+                <a:shade val="50000"/>
+              </a:schemeClr>
+            </a:lnRef>
+            <a:fillRef idx="1">
+              <a:schemeClr val="accent1"/>
+            </a:fillRef>
+            <a:effectRef idx="0">
+              <a:schemeClr val="accent1"/>
+            </a:effectRef>
+            <a:fontRef idx="minor">
+              <a:schemeClr val="lt1"/>
+            </a:fontRef>
+          </p:style>
+          <p:txBody>
+            <a:bodyPr rtlCol="0" anchor="ctr"/>
+            <a:lstStyle/>
+            <a:p>
+              <a:pPr algn="ctr"/>
+              <a:endParaRPr lang="en-US"/>
+            </a:p>
+          </p:txBody>
+        </p:sp>
+        <p:sp>
+          <p:nvSpPr>
+            <p:cNvPr id="44" name="Oval 43"/>
+            <p:cNvSpPr/>
+            <p:nvPr/>
+          </p:nvSpPr>
+          <p:spPr>
+            <a:xfrm>
+              <a:off x="9278140" y="3466772"/>
+              <a:ext cx="160032" cy="198682"/>
+            </a:xfrm>
+            <a:prstGeom prst="ellipse">
+              <a:avLst/>
+            </a:prstGeom>
+            <a:noFill/>
+            <a:ln w="9525">
+              <a:solidFill>
+                <a:srgbClr val="AA7138"/>
+              </a:solidFill>
+            </a:ln>
+          </p:spPr>
+          <p:style>
+            <a:lnRef idx="2">
+              <a:schemeClr val="accent1">
+                <a:shade val="50000"/>
+              </a:schemeClr>
+            </a:lnRef>
+            <a:fillRef idx="1">
+              <a:schemeClr val="accent1"/>
+            </a:fillRef>
+            <a:effectRef idx="0">
+              <a:schemeClr val="accent1"/>
+            </a:effectRef>
+            <a:fontRef idx="minor">
+              <a:schemeClr val="lt1"/>
+            </a:fontRef>
+          </p:style>
+          <p:txBody>
+            <a:bodyPr rtlCol="0" anchor="ctr"/>
+            <a:lstStyle/>
+            <a:p>
+              <a:pPr algn="ctr"/>
+              <a:endParaRPr lang="en-US"/>
+            </a:p>
+          </p:txBody>
+        </p:sp>
+        <p:sp>
+          <p:nvSpPr>
+            <p:cNvPr id="45" name="Oval 44"/>
+            <p:cNvSpPr/>
+            <p:nvPr/>
+          </p:nvSpPr>
+          <p:spPr>
+            <a:xfrm>
+              <a:off x="9317438" y="3527553"/>
+              <a:ext cx="81436" cy="101104"/>
+            </a:xfrm>
+            <a:prstGeom prst="ellipse">
+              <a:avLst/>
+            </a:prstGeom>
+            <a:noFill/>
+            <a:ln w="9525">
+              <a:solidFill>
+                <a:srgbClr val="AA7138"/>
+              </a:solidFill>
+            </a:ln>
+          </p:spPr>
+          <p:style>
+            <a:lnRef idx="2">
+              <a:schemeClr val="accent1">
+                <a:shade val="50000"/>
+              </a:schemeClr>
+            </a:lnRef>
+            <a:fillRef idx="1">
+              <a:schemeClr val="accent1"/>
+            </a:fillRef>
+            <a:effectRef idx="0">
+              <a:schemeClr val="accent1"/>
+            </a:effectRef>
+            <a:fontRef idx="minor">
+              <a:schemeClr val="lt1"/>
+            </a:fontRef>
+          </p:style>
+          <p:txBody>
+            <a:bodyPr rtlCol="0" anchor="ctr"/>
+            <a:lstStyle/>
+            <a:p>
+              <a:pPr algn="ctr"/>
+              <a:endParaRPr lang="en-US"/>
+            </a:p>
+          </p:txBody>
+        </p:sp>
+        <p:sp>
+          <p:nvSpPr>
+            <p:cNvPr id="46" name="Freeform 45"/>
+            <p:cNvSpPr/>
+            <p:nvPr/>
+          </p:nvSpPr>
+          <p:spPr>
+            <a:xfrm>
+              <a:off x="9461500" y="3026833"/>
+              <a:ext cx="533400" cy="328084"/>
+            </a:xfrm>
+            <a:custGeom>
+              <a:avLst/>
+              <a:gdLst>
+                <a:gd name="connsiteX0" fmla="*/ 0 w 533400"/>
+                <a:gd name="connsiteY0" fmla="*/ 328084 h 328084"/>
+                <a:gd name="connsiteX1" fmla="*/ 118533 w 533400"/>
+                <a:gd name="connsiteY1" fmla="*/ 298450 h 328084"/>
+                <a:gd name="connsiteX2" fmla="*/ 330200 w 533400"/>
+                <a:gd name="connsiteY2" fmla="*/ 150284 h 328084"/>
+                <a:gd name="connsiteX3" fmla="*/ 533400 w 533400"/>
+                <a:gd name="connsiteY3" fmla="*/ 0 h 328084"/>
+              </a:gdLst>
+              <a:ahLst/>
+              <a:cxnLst>
+                <a:cxn ang="0">
+                  <a:pos x="connsiteX0" y="connsiteY0"/>
+                </a:cxn>
+                <a:cxn ang="0">
+                  <a:pos x="connsiteX1" y="connsiteY1"/>
+                </a:cxn>
+                <a:cxn ang="0">
+                  <a:pos x="connsiteX2" y="connsiteY2"/>
+                </a:cxn>
+                <a:cxn ang="0">
+                  <a:pos x="connsiteX3" y="connsiteY3"/>
+                </a:cxn>
+              </a:cxnLst>
+              <a:rect l="l" t="t" r="r" b="b"/>
+              <a:pathLst>
+                <a:path w="533400" h="328084">
+                  <a:moveTo>
+                    <a:pt x="0" y="328084"/>
+                  </a:moveTo>
+                  <a:cubicBezTo>
+                    <a:pt x="31750" y="328083"/>
+                    <a:pt x="63500" y="328083"/>
+                    <a:pt x="118533" y="298450"/>
+                  </a:cubicBezTo>
+                  <a:cubicBezTo>
+                    <a:pt x="173566" y="268817"/>
+                    <a:pt x="261056" y="200026"/>
+                    <a:pt x="330200" y="150284"/>
+                  </a:cubicBezTo>
+                  <a:cubicBezTo>
+                    <a:pt x="399345" y="100542"/>
+                    <a:pt x="466372" y="50271"/>
+                    <a:pt x="533400" y="0"/>
+                  </a:cubicBezTo>
+                </a:path>
+              </a:pathLst>
+            </a:custGeom>
+            <a:noFill/>
+            <a:ln w="9525">
+              <a:solidFill>
+                <a:srgbClr val="AA7138"/>
+              </a:solidFill>
+            </a:ln>
+          </p:spPr>
+          <p:style>
+            <a:lnRef idx="2">
+              <a:schemeClr val="accent1">
+                <a:shade val="50000"/>
+              </a:schemeClr>
+            </a:lnRef>
+            <a:fillRef idx="1">
+              <a:schemeClr val="accent1"/>
+            </a:fillRef>
+            <a:effectRef idx="0">
+              <a:schemeClr val="accent1"/>
+            </a:effectRef>
+            <a:fontRef idx="minor">
+              <a:schemeClr val="lt1"/>
+            </a:fontRef>
+          </p:style>
+          <p:txBody>
+            <a:bodyPr rtlCol="0" anchor="ctr"/>
+            <a:lstStyle/>
+            <a:p>
+              <a:pPr algn="ctr"/>
+              <a:endParaRPr lang="en-US"/>
+            </a:p>
+          </p:txBody>
+        </p:sp>
+        <p:sp>
+          <p:nvSpPr>
+            <p:cNvPr id="47" name="Freeform 46"/>
+            <p:cNvSpPr/>
+            <p:nvPr/>
+          </p:nvSpPr>
+          <p:spPr>
+            <a:xfrm>
+              <a:off x="9529607" y="3093535"/>
+              <a:ext cx="533400" cy="328084"/>
+            </a:xfrm>
+            <a:custGeom>
+              <a:avLst/>
+              <a:gdLst>
+                <a:gd name="connsiteX0" fmla="*/ 0 w 533400"/>
+                <a:gd name="connsiteY0" fmla="*/ 328084 h 328084"/>
+                <a:gd name="connsiteX1" fmla="*/ 118533 w 533400"/>
+                <a:gd name="connsiteY1" fmla="*/ 298450 h 328084"/>
+                <a:gd name="connsiteX2" fmla="*/ 330200 w 533400"/>
+                <a:gd name="connsiteY2" fmla="*/ 150284 h 328084"/>
+                <a:gd name="connsiteX3" fmla="*/ 533400 w 533400"/>
+                <a:gd name="connsiteY3" fmla="*/ 0 h 328084"/>
+              </a:gdLst>
+              <a:ahLst/>
+              <a:cxnLst>
+                <a:cxn ang="0">
+                  <a:pos x="connsiteX0" y="connsiteY0"/>
+                </a:cxn>
+                <a:cxn ang="0">
+                  <a:pos x="connsiteX1" y="connsiteY1"/>
+                </a:cxn>
+                <a:cxn ang="0">
+                  <a:pos x="connsiteX2" y="connsiteY2"/>
+                </a:cxn>
+                <a:cxn ang="0">
+                  <a:pos x="connsiteX3" y="connsiteY3"/>
+                </a:cxn>
+              </a:cxnLst>
+              <a:rect l="l" t="t" r="r" b="b"/>
+              <a:pathLst>
+                <a:path w="533400" h="328084">
+                  <a:moveTo>
+                    <a:pt x="0" y="328084"/>
+                  </a:moveTo>
+                  <a:cubicBezTo>
+                    <a:pt x="31750" y="328083"/>
+                    <a:pt x="63500" y="328083"/>
+                    <a:pt x="118533" y="298450"/>
+                  </a:cubicBezTo>
+                  <a:cubicBezTo>
+                    <a:pt x="173566" y="268817"/>
+                    <a:pt x="261056" y="200026"/>
+                    <a:pt x="330200" y="150284"/>
+                  </a:cubicBezTo>
+                  <a:cubicBezTo>
+                    <a:pt x="399345" y="100542"/>
+                    <a:pt x="466372" y="50271"/>
+                    <a:pt x="533400" y="0"/>
+                  </a:cubicBezTo>
+                </a:path>
+              </a:pathLst>
+            </a:custGeom>
+            <a:noFill/>
+            <a:ln w="9525">
+              <a:solidFill>
+                <a:srgbClr val="AA7138"/>
+              </a:solidFill>
+            </a:ln>
+          </p:spPr>
+          <p:style>
+            <a:lnRef idx="2">
+              <a:schemeClr val="accent1">
+                <a:shade val="50000"/>
+              </a:schemeClr>
+            </a:lnRef>
+            <a:fillRef idx="1">
+              <a:schemeClr val="accent1"/>
+            </a:fillRef>
+            <a:effectRef idx="0">
+              <a:schemeClr val="accent1"/>
+            </a:effectRef>
+            <a:fontRef idx="minor">
+              <a:schemeClr val="lt1"/>
+            </a:fontRef>
+          </p:style>
+          <p:txBody>
+            <a:bodyPr rtlCol="0" anchor="ctr"/>
+            <a:lstStyle/>
+            <a:p>
+              <a:pPr algn="ctr"/>
+              <a:endParaRPr lang="en-US"/>
+            </a:p>
+          </p:txBody>
+        </p:sp>
+        <p:sp>
+          <p:nvSpPr>
+            <p:cNvPr id="48" name="Freeform 47"/>
+            <p:cNvSpPr/>
+            <p:nvPr/>
+          </p:nvSpPr>
+          <p:spPr>
+            <a:xfrm>
+              <a:off x="9529607" y="3216802"/>
+              <a:ext cx="533400" cy="328084"/>
+            </a:xfrm>
+            <a:custGeom>
+              <a:avLst/>
+              <a:gdLst>
+                <a:gd name="connsiteX0" fmla="*/ 0 w 533400"/>
+                <a:gd name="connsiteY0" fmla="*/ 328084 h 328084"/>
+                <a:gd name="connsiteX1" fmla="*/ 118533 w 533400"/>
+                <a:gd name="connsiteY1" fmla="*/ 298450 h 328084"/>
+                <a:gd name="connsiteX2" fmla="*/ 330200 w 533400"/>
+                <a:gd name="connsiteY2" fmla="*/ 150284 h 328084"/>
+                <a:gd name="connsiteX3" fmla="*/ 533400 w 533400"/>
+                <a:gd name="connsiteY3" fmla="*/ 0 h 328084"/>
+              </a:gdLst>
+              <a:ahLst/>
+              <a:cxnLst>
+                <a:cxn ang="0">
+                  <a:pos x="connsiteX0" y="connsiteY0"/>
+                </a:cxn>
+                <a:cxn ang="0">
+                  <a:pos x="connsiteX1" y="connsiteY1"/>
+                </a:cxn>
+                <a:cxn ang="0">
+                  <a:pos x="connsiteX2" y="connsiteY2"/>
+                </a:cxn>
+                <a:cxn ang="0">
+                  <a:pos x="connsiteX3" y="connsiteY3"/>
+                </a:cxn>
+              </a:cxnLst>
+              <a:rect l="l" t="t" r="r" b="b"/>
+              <a:pathLst>
+                <a:path w="533400" h="328084">
+                  <a:moveTo>
+                    <a:pt x="0" y="328084"/>
+                  </a:moveTo>
+                  <a:cubicBezTo>
+                    <a:pt x="31750" y="328083"/>
+                    <a:pt x="63500" y="328083"/>
+                    <a:pt x="118533" y="298450"/>
+                  </a:cubicBezTo>
+                  <a:cubicBezTo>
+                    <a:pt x="173566" y="268817"/>
+                    <a:pt x="261056" y="200026"/>
+                    <a:pt x="330200" y="150284"/>
+                  </a:cubicBezTo>
+                  <a:cubicBezTo>
+                    <a:pt x="399345" y="100542"/>
+                    <a:pt x="466372" y="50271"/>
+                    <a:pt x="533400" y="0"/>
+                  </a:cubicBezTo>
+                </a:path>
+              </a:pathLst>
+            </a:custGeom>
+            <a:noFill/>
+            <a:ln w="9525">
+              <a:solidFill>
+                <a:srgbClr val="AA7138"/>
+              </a:solidFill>
+            </a:ln>
+          </p:spPr>
+          <p:style>
+            <a:lnRef idx="2">
+              <a:schemeClr val="accent1">
+                <a:shade val="50000"/>
+              </a:schemeClr>
+            </a:lnRef>
+            <a:fillRef idx="1">
+              <a:schemeClr val="accent1"/>
+            </a:fillRef>
+            <a:effectRef idx="0">
+              <a:schemeClr val="accent1"/>
+            </a:effectRef>
+            <a:fontRef idx="minor">
+              <a:schemeClr val="lt1"/>
+            </a:fontRef>
+          </p:style>
+          <p:txBody>
+            <a:bodyPr rtlCol="0" anchor="ctr"/>
+            <a:lstStyle/>
+            <a:p>
+              <a:pPr algn="ctr"/>
+              <a:endParaRPr lang="en-US"/>
+            </a:p>
+          </p:txBody>
+        </p:sp>
+      </p:grpSp>
+      <p:grpSp>
+        <p:nvGrpSpPr>
+          <p:cNvPr id="49" name="Group 48"/>
+          <p:cNvGrpSpPr/>
+          <p:nvPr/>
+        </p:nvGrpSpPr>
+        <p:grpSpPr>
+          <a:xfrm>
+            <a:off x="5446787" y="3546821"/>
+            <a:ext cx="192272" cy="98238"/>
+            <a:chOff x="6538659" y="1975724"/>
+            <a:chExt cx="480917" cy="245717"/>
+          </a:xfrm>
+        </p:grpSpPr>
+        <p:sp>
+          <p:nvSpPr>
+            <p:cNvPr id="50" name="Freeform 49"/>
+            <p:cNvSpPr/>
+            <p:nvPr/>
+          </p:nvSpPr>
+          <p:spPr>
+            <a:xfrm>
+              <a:off x="6538659" y="1975724"/>
+              <a:ext cx="480917" cy="245717"/>
+            </a:xfrm>
+            <a:custGeom>
+              <a:avLst/>
+              <a:gdLst>
+                <a:gd name="connsiteX0" fmla="*/ 10583 w 482600"/>
+                <a:gd name="connsiteY0" fmla="*/ 82550 h 245534"/>
+                <a:gd name="connsiteX1" fmla="*/ 29633 w 482600"/>
+                <a:gd name="connsiteY1" fmla="*/ 158750 h 245534"/>
+                <a:gd name="connsiteX2" fmla="*/ 0 w 482600"/>
+                <a:gd name="connsiteY2" fmla="*/ 207434 h 245534"/>
+                <a:gd name="connsiteX3" fmla="*/ 67733 w 482600"/>
+                <a:gd name="connsiteY3" fmla="*/ 243417 h 245534"/>
+                <a:gd name="connsiteX4" fmla="*/ 190500 w 482600"/>
+                <a:gd name="connsiteY4" fmla="*/ 245534 h 245534"/>
+                <a:gd name="connsiteX5" fmla="*/ 340783 w 482600"/>
+                <a:gd name="connsiteY5" fmla="*/ 234950 h 245534"/>
+                <a:gd name="connsiteX6" fmla="*/ 427566 w 482600"/>
+                <a:gd name="connsiteY6" fmla="*/ 201084 h 245534"/>
+                <a:gd name="connsiteX7" fmla="*/ 482600 w 482600"/>
+                <a:gd name="connsiteY7" fmla="*/ 122767 h 245534"/>
+                <a:gd name="connsiteX8" fmla="*/ 463550 w 482600"/>
+                <a:gd name="connsiteY8" fmla="*/ 27517 h 245534"/>
+                <a:gd name="connsiteX9" fmla="*/ 361950 w 482600"/>
+                <a:gd name="connsiteY9" fmla="*/ 0 h 245534"/>
+                <a:gd name="connsiteX10" fmla="*/ 249766 w 482600"/>
+                <a:gd name="connsiteY10" fmla="*/ 14817 h 245534"/>
+                <a:gd name="connsiteX11" fmla="*/ 158750 w 482600"/>
+                <a:gd name="connsiteY11" fmla="*/ 0 h 245534"/>
+                <a:gd name="connsiteX12" fmla="*/ 35983 w 482600"/>
+                <a:gd name="connsiteY12" fmla="*/ 23284 h 245534"/>
+                <a:gd name="connsiteX13" fmla="*/ 10583 w 482600"/>
+                <a:gd name="connsiteY13" fmla="*/ 82550 h 245534"/>
+                <a:gd name="connsiteX0" fmla="*/ 11367 w 483384"/>
+                <a:gd name="connsiteY0" fmla="*/ 82550 h 245534"/>
+                <a:gd name="connsiteX1" fmla="*/ 30417 w 483384"/>
+                <a:gd name="connsiteY1" fmla="*/ 158750 h 245534"/>
+                <a:gd name="connsiteX2" fmla="*/ 784 w 483384"/>
+                <a:gd name="connsiteY2" fmla="*/ 207434 h 245534"/>
+                <a:gd name="connsiteX3" fmla="*/ 68517 w 483384"/>
+                <a:gd name="connsiteY3" fmla="*/ 243417 h 245534"/>
+                <a:gd name="connsiteX4" fmla="*/ 191284 w 483384"/>
+                <a:gd name="connsiteY4" fmla="*/ 245534 h 245534"/>
+                <a:gd name="connsiteX5" fmla="*/ 341567 w 483384"/>
+                <a:gd name="connsiteY5" fmla="*/ 234950 h 245534"/>
+                <a:gd name="connsiteX6" fmla="*/ 428350 w 483384"/>
+                <a:gd name="connsiteY6" fmla="*/ 201084 h 245534"/>
+                <a:gd name="connsiteX7" fmla="*/ 483384 w 483384"/>
+                <a:gd name="connsiteY7" fmla="*/ 122767 h 245534"/>
+                <a:gd name="connsiteX8" fmla="*/ 464334 w 483384"/>
+                <a:gd name="connsiteY8" fmla="*/ 27517 h 245534"/>
+                <a:gd name="connsiteX9" fmla="*/ 362734 w 483384"/>
+                <a:gd name="connsiteY9" fmla="*/ 0 h 245534"/>
+                <a:gd name="connsiteX10" fmla="*/ 250550 w 483384"/>
+                <a:gd name="connsiteY10" fmla="*/ 14817 h 245534"/>
+                <a:gd name="connsiteX11" fmla="*/ 159534 w 483384"/>
+                <a:gd name="connsiteY11" fmla="*/ 0 h 245534"/>
+                <a:gd name="connsiteX12" fmla="*/ 36767 w 483384"/>
+                <a:gd name="connsiteY12" fmla="*/ 23284 h 245534"/>
+                <a:gd name="connsiteX13" fmla="*/ 11367 w 483384"/>
+                <a:gd name="connsiteY13" fmla="*/ 82550 h 245534"/>
+                <a:gd name="connsiteX0" fmla="*/ 11367 w 483384"/>
+                <a:gd name="connsiteY0" fmla="*/ 82636 h 245620"/>
+                <a:gd name="connsiteX1" fmla="*/ 30417 w 483384"/>
+                <a:gd name="connsiteY1" fmla="*/ 158836 h 245620"/>
+                <a:gd name="connsiteX2" fmla="*/ 784 w 483384"/>
+                <a:gd name="connsiteY2" fmla="*/ 207520 h 245620"/>
+                <a:gd name="connsiteX3" fmla="*/ 68517 w 483384"/>
+                <a:gd name="connsiteY3" fmla="*/ 243503 h 245620"/>
+                <a:gd name="connsiteX4" fmla="*/ 191284 w 483384"/>
+                <a:gd name="connsiteY4" fmla="*/ 245620 h 245620"/>
+                <a:gd name="connsiteX5" fmla="*/ 341567 w 483384"/>
+                <a:gd name="connsiteY5" fmla="*/ 235036 h 245620"/>
+                <a:gd name="connsiteX6" fmla="*/ 428350 w 483384"/>
+                <a:gd name="connsiteY6" fmla="*/ 201170 h 245620"/>
+                <a:gd name="connsiteX7" fmla="*/ 483384 w 483384"/>
+                <a:gd name="connsiteY7" fmla="*/ 122853 h 245620"/>
+                <a:gd name="connsiteX8" fmla="*/ 464334 w 483384"/>
+                <a:gd name="connsiteY8" fmla="*/ 27603 h 245620"/>
+                <a:gd name="connsiteX9" fmla="*/ 362734 w 483384"/>
+                <a:gd name="connsiteY9" fmla="*/ 86 h 245620"/>
+                <a:gd name="connsiteX10" fmla="*/ 250550 w 483384"/>
+                <a:gd name="connsiteY10" fmla="*/ 14903 h 245620"/>
+                <a:gd name="connsiteX11" fmla="*/ 159534 w 483384"/>
+                <a:gd name="connsiteY11" fmla="*/ 86 h 245620"/>
+                <a:gd name="connsiteX12" fmla="*/ 36767 w 483384"/>
+                <a:gd name="connsiteY12" fmla="*/ 23370 h 245620"/>
+                <a:gd name="connsiteX13" fmla="*/ 11367 w 483384"/>
+                <a:gd name="connsiteY13" fmla="*/ 82636 h 245620"/>
+                <a:gd name="connsiteX0" fmla="*/ 11367 w 483384"/>
+                <a:gd name="connsiteY0" fmla="*/ 82636 h 245620"/>
+                <a:gd name="connsiteX1" fmla="*/ 30417 w 483384"/>
+                <a:gd name="connsiteY1" fmla="*/ 158836 h 245620"/>
+                <a:gd name="connsiteX2" fmla="*/ 784 w 483384"/>
+                <a:gd name="connsiteY2" fmla="*/ 207520 h 245620"/>
+                <a:gd name="connsiteX3" fmla="*/ 68517 w 483384"/>
+                <a:gd name="connsiteY3" fmla="*/ 243503 h 245620"/>
+                <a:gd name="connsiteX4" fmla="*/ 191284 w 483384"/>
+                <a:gd name="connsiteY4" fmla="*/ 245620 h 245620"/>
+                <a:gd name="connsiteX5" fmla="*/ 341567 w 483384"/>
+                <a:gd name="connsiteY5" fmla="*/ 235036 h 245620"/>
+                <a:gd name="connsiteX6" fmla="*/ 428350 w 483384"/>
+                <a:gd name="connsiteY6" fmla="*/ 201170 h 245620"/>
+                <a:gd name="connsiteX7" fmla="*/ 483384 w 483384"/>
+                <a:gd name="connsiteY7" fmla="*/ 122853 h 245620"/>
+                <a:gd name="connsiteX8" fmla="*/ 464334 w 483384"/>
+                <a:gd name="connsiteY8" fmla="*/ 27603 h 245620"/>
+                <a:gd name="connsiteX9" fmla="*/ 362734 w 483384"/>
+                <a:gd name="connsiteY9" fmla="*/ 86 h 245620"/>
+                <a:gd name="connsiteX10" fmla="*/ 250550 w 483384"/>
+                <a:gd name="connsiteY10" fmla="*/ 14903 h 245620"/>
+                <a:gd name="connsiteX11" fmla="*/ 159534 w 483384"/>
+                <a:gd name="connsiteY11" fmla="*/ 86 h 245620"/>
+                <a:gd name="connsiteX12" fmla="*/ 36767 w 483384"/>
+                <a:gd name="connsiteY12" fmla="*/ 23370 h 245620"/>
+                <a:gd name="connsiteX13" fmla="*/ 11367 w 483384"/>
+                <a:gd name="connsiteY13" fmla="*/ 82636 h 245620"/>
+                <a:gd name="connsiteX0" fmla="*/ 11367 w 483384"/>
+                <a:gd name="connsiteY0" fmla="*/ 82733 h 245717"/>
+                <a:gd name="connsiteX1" fmla="*/ 30417 w 483384"/>
+                <a:gd name="connsiteY1" fmla="*/ 158933 h 245717"/>
+                <a:gd name="connsiteX2" fmla="*/ 784 w 483384"/>
+                <a:gd name="connsiteY2" fmla="*/ 207617 h 245717"/>
+                <a:gd name="connsiteX3" fmla="*/ 68517 w 483384"/>
+                <a:gd name="connsiteY3" fmla="*/ 243600 h 245717"/>
+                <a:gd name="connsiteX4" fmla="*/ 191284 w 483384"/>
+                <a:gd name="connsiteY4" fmla="*/ 245717 h 245717"/>
+                <a:gd name="connsiteX5" fmla="*/ 341567 w 483384"/>
+                <a:gd name="connsiteY5" fmla="*/ 235133 h 245717"/>
+                <a:gd name="connsiteX6" fmla="*/ 428350 w 483384"/>
+                <a:gd name="connsiteY6" fmla="*/ 201267 h 245717"/>
+                <a:gd name="connsiteX7" fmla="*/ 483384 w 483384"/>
+                <a:gd name="connsiteY7" fmla="*/ 122950 h 245717"/>
+                <a:gd name="connsiteX8" fmla="*/ 464334 w 483384"/>
+                <a:gd name="connsiteY8" fmla="*/ 27700 h 245717"/>
+                <a:gd name="connsiteX9" fmla="*/ 362734 w 483384"/>
+                <a:gd name="connsiteY9" fmla="*/ 183 h 245717"/>
+                <a:gd name="connsiteX10" fmla="*/ 250550 w 483384"/>
+                <a:gd name="connsiteY10" fmla="*/ 15000 h 245717"/>
+                <a:gd name="connsiteX11" fmla="*/ 159534 w 483384"/>
+                <a:gd name="connsiteY11" fmla="*/ 183 h 245717"/>
+                <a:gd name="connsiteX12" fmla="*/ 36767 w 483384"/>
+                <a:gd name="connsiteY12" fmla="*/ 23467 h 245717"/>
+                <a:gd name="connsiteX13" fmla="*/ 11367 w 483384"/>
+                <a:gd name="connsiteY13" fmla="*/ 82733 h 245717"/>
+                <a:gd name="connsiteX0" fmla="*/ 11367 w 483384"/>
+                <a:gd name="connsiteY0" fmla="*/ 82733 h 245717"/>
+                <a:gd name="connsiteX1" fmla="*/ 30417 w 483384"/>
+                <a:gd name="connsiteY1" fmla="*/ 158933 h 245717"/>
+                <a:gd name="connsiteX2" fmla="*/ 784 w 483384"/>
+                <a:gd name="connsiteY2" fmla="*/ 207617 h 245717"/>
+                <a:gd name="connsiteX3" fmla="*/ 68517 w 483384"/>
+                <a:gd name="connsiteY3" fmla="*/ 243600 h 245717"/>
+                <a:gd name="connsiteX4" fmla="*/ 191284 w 483384"/>
+                <a:gd name="connsiteY4" fmla="*/ 245717 h 245717"/>
+                <a:gd name="connsiteX5" fmla="*/ 341567 w 483384"/>
+                <a:gd name="connsiteY5" fmla="*/ 235133 h 245717"/>
+                <a:gd name="connsiteX6" fmla="*/ 428350 w 483384"/>
+                <a:gd name="connsiteY6" fmla="*/ 201267 h 245717"/>
+                <a:gd name="connsiteX7" fmla="*/ 483384 w 483384"/>
+                <a:gd name="connsiteY7" fmla="*/ 122950 h 245717"/>
+                <a:gd name="connsiteX8" fmla="*/ 464334 w 483384"/>
+                <a:gd name="connsiteY8" fmla="*/ 27700 h 245717"/>
+                <a:gd name="connsiteX9" fmla="*/ 362734 w 483384"/>
+                <a:gd name="connsiteY9" fmla="*/ 183 h 245717"/>
+                <a:gd name="connsiteX10" fmla="*/ 250550 w 483384"/>
+                <a:gd name="connsiteY10" fmla="*/ 15000 h 245717"/>
+                <a:gd name="connsiteX11" fmla="*/ 159534 w 483384"/>
+                <a:gd name="connsiteY11" fmla="*/ 183 h 245717"/>
+                <a:gd name="connsiteX12" fmla="*/ 36767 w 483384"/>
+                <a:gd name="connsiteY12" fmla="*/ 23467 h 245717"/>
+                <a:gd name="connsiteX13" fmla="*/ 11367 w 483384"/>
+                <a:gd name="connsiteY13" fmla="*/ 82733 h 245717"/>
+                <a:gd name="connsiteX0" fmla="*/ 11367 w 484093"/>
+                <a:gd name="connsiteY0" fmla="*/ 82733 h 245717"/>
+                <a:gd name="connsiteX1" fmla="*/ 30417 w 484093"/>
+                <a:gd name="connsiteY1" fmla="*/ 158933 h 245717"/>
+                <a:gd name="connsiteX2" fmla="*/ 784 w 484093"/>
+                <a:gd name="connsiteY2" fmla="*/ 207617 h 245717"/>
+                <a:gd name="connsiteX3" fmla="*/ 68517 w 484093"/>
+                <a:gd name="connsiteY3" fmla="*/ 243600 h 245717"/>
+                <a:gd name="connsiteX4" fmla="*/ 191284 w 484093"/>
+                <a:gd name="connsiteY4" fmla="*/ 245717 h 245717"/>
+                <a:gd name="connsiteX5" fmla="*/ 341567 w 484093"/>
+                <a:gd name="connsiteY5" fmla="*/ 235133 h 245717"/>
+                <a:gd name="connsiteX6" fmla="*/ 428350 w 484093"/>
+                <a:gd name="connsiteY6" fmla="*/ 201267 h 245717"/>
+                <a:gd name="connsiteX7" fmla="*/ 483384 w 484093"/>
+                <a:gd name="connsiteY7" fmla="*/ 122950 h 245717"/>
+                <a:gd name="connsiteX8" fmla="*/ 464334 w 484093"/>
+                <a:gd name="connsiteY8" fmla="*/ 27700 h 245717"/>
+                <a:gd name="connsiteX9" fmla="*/ 362734 w 484093"/>
+                <a:gd name="connsiteY9" fmla="*/ 183 h 245717"/>
+                <a:gd name="connsiteX10" fmla="*/ 250550 w 484093"/>
+                <a:gd name="connsiteY10" fmla="*/ 15000 h 245717"/>
+                <a:gd name="connsiteX11" fmla="*/ 159534 w 484093"/>
+                <a:gd name="connsiteY11" fmla="*/ 183 h 245717"/>
+                <a:gd name="connsiteX12" fmla="*/ 36767 w 484093"/>
+                <a:gd name="connsiteY12" fmla="*/ 23467 h 245717"/>
+                <a:gd name="connsiteX13" fmla="*/ 11367 w 484093"/>
+                <a:gd name="connsiteY13" fmla="*/ 82733 h 245717"/>
+                <a:gd name="connsiteX0" fmla="*/ 16387 w 489113"/>
+                <a:gd name="connsiteY0" fmla="*/ 82733 h 245717"/>
+                <a:gd name="connsiteX1" fmla="*/ 35437 w 489113"/>
+                <a:gd name="connsiteY1" fmla="*/ 158933 h 245717"/>
+                <a:gd name="connsiteX2" fmla="*/ 5804 w 489113"/>
+                <a:gd name="connsiteY2" fmla="*/ 207617 h 245717"/>
+                <a:gd name="connsiteX3" fmla="*/ 73537 w 489113"/>
+                <a:gd name="connsiteY3" fmla="*/ 243600 h 245717"/>
+                <a:gd name="connsiteX4" fmla="*/ 196304 w 489113"/>
+                <a:gd name="connsiteY4" fmla="*/ 245717 h 245717"/>
+                <a:gd name="connsiteX5" fmla="*/ 346587 w 489113"/>
+                <a:gd name="connsiteY5" fmla="*/ 235133 h 245717"/>
+                <a:gd name="connsiteX6" fmla="*/ 433370 w 489113"/>
+                <a:gd name="connsiteY6" fmla="*/ 201267 h 245717"/>
+                <a:gd name="connsiteX7" fmla="*/ 488404 w 489113"/>
+                <a:gd name="connsiteY7" fmla="*/ 122950 h 245717"/>
+                <a:gd name="connsiteX8" fmla="*/ 469354 w 489113"/>
+                <a:gd name="connsiteY8" fmla="*/ 27700 h 245717"/>
+                <a:gd name="connsiteX9" fmla="*/ 367754 w 489113"/>
+                <a:gd name="connsiteY9" fmla="*/ 183 h 245717"/>
+                <a:gd name="connsiteX10" fmla="*/ 255570 w 489113"/>
+                <a:gd name="connsiteY10" fmla="*/ 15000 h 245717"/>
+                <a:gd name="connsiteX11" fmla="*/ 164554 w 489113"/>
+                <a:gd name="connsiteY11" fmla="*/ 183 h 245717"/>
+                <a:gd name="connsiteX12" fmla="*/ 41787 w 489113"/>
+                <a:gd name="connsiteY12" fmla="*/ 23467 h 245717"/>
+                <a:gd name="connsiteX13" fmla="*/ 16387 w 489113"/>
+                <a:gd name="connsiteY13" fmla="*/ 82733 h 245717"/>
+                <a:gd name="connsiteX0" fmla="*/ 11445 w 484171"/>
+                <a:gd name="connsiteY0" fmla="*/ 82733 h 245717"/>
+                <a:gd name="connsiteX1" fmla="*/ 30495 w 484171"/>
+                <a:gd name="connsiteY1" fmla="*/ 158933 h 245717"/>
+                <a:gd name="connsiteX2" fmla="*/ 862 w 484171"/>
+                <a:gd name="connsiteY2" fmla="*/ 207617 h 245717"/>
+                <a:gd name="connsiteX3" fmla="*/ 68595 w 484171"/>
+                <a:gd name="connsiteY3" fmla="*/ 243600 h 245717"/>
+                <a:gd name="connsiteX4" fmla="*/ 191362 w 484171"/>
+                <a:gd name="connsiteY4" fmla="*/ 245717 h 245717"/>
+                <a:gd name="connsiteX5" fmla="*/ 341645 w 484171"/>
+                <a:gd name="connsiteY5" fmla="*/ 235133 h 245717"/>
+                <a:gd name="connsiteX6" fmla="*/ 428428 w 484171"/>
+                <a:gd name="connsiteY6" fmla="*/ 201267 h 245717"/>
+                <a:gd name="connsiteX7" fmla="*/ 483462 w 484171"/>
+                <a:gd name="connsiteY7" fmla="*/ 122950 h 245717"/>
+                <a:gd name="connsiteX8" fmla="*/ 464412 w 484171"/>
+                <a:gd name="connsiteY8" fmla="*/ 27700 h 245717"/>
+                <a:gd name="connsiteX9" fmla="*/ 362812 w 484171"/>
+                <a:gd name="connsiteY9" fmla="*/ 183 h 245717"/>
+                <a:gd name="connsiteX10" fmla="*/ 250628 w 484171"/>
+                <a:gd name="connsiteY10" fmla="*/ 15000 h 245717"/>
+                <a:gd name="connsiteX11" fmla="*/ 159612 w 484171"/>
+                <a:gd name="connsiteY11" fmla="*/ 183 h 245717"/>
+                <a:gd name="connsiteX12" fmla="*/ 36845 w 484171"/>
+                <a:gd name="connsiteY12" fmla="*/ 23467 h 245717"/>
+                <a:gd name="connsiteX13" fmla="*/ 11445 w 484171"/>
+                <a:gd name="connsiteY13" fmla="*/ 82733 h 245717"/>
+                <a:gd name="connsiteX0" fmla="*/ 74 w 472800"/>
+                <a:gd name="connsiteY0" fmla="*/ 82733 h 245717"/>
+                <a:gd name="connsiteX1" fmla="*/ 19124 w 472800"/>
+                <a:gd name="connsiteY1" fmla="*/ 158933 h 245717"/>
+                <a:gd name="connsiteX2" fmla="*/ 57224 w 472800"/>
+                <a:gd name="connsiteY2" fmla="*/ 243600 h 245717"/>
+                <a:gd name="connsiteX3" fmla="*/ 179991 w 472800"/>
+                <a:gd name="connsiteY3" fmla="*/ 245717 h 245717"/>
+                <a:gd name="connsiteX4" fmla="*/ 330274 w 472800"/>
+                <a:gd name="connsiteY4" fmla="*/ 235133 h 245717"/>
+                <a:gd name="connsiteX5" fmla="*/ 417057 w 472800"/>
+                <a:gd name="connsiteY5" fmla="*/ 201267 h 245717"/>
+                <a:gd name="connsiteX6" fmla="*/ 472091 w 472800"/>
+                <a:gd name="connsiteY6" fmla="*/ 122950 h 245717"/>
+                <a:gd name="connsiteX7" fmla="*/ 453041 w 472800"/>
+                <a:gd name="connsiteY7" fmla="*/ 27700 h 245717"/>
+                <a:gd name="connsiteX8" fmla="*/ 351441 w 472800"/>
+                <a:gd name="connsiteY8" fmla="*/ 183 h 245717"/>
+                <a:gd name="connsiteX9" fmla="*/ 239257 w 472800"/>
+                <a:gd name="connsiteY9" fmla="*/ 15000 h 245717"/>
+                <a:gd name="connsiteX10" fmla="*/ 148241 w 472800"/>
+                <a:gd name="connsiteY10" fmla="*/ 183 h 245717"/>
+                <a:gd name="connsiteX11" fmla="*/ 25474 w 472800"/>
+                <a:gd name="connsiteY11" fmla="*/ 23467 h 245717"/>
+                <a:gd name="connsiteX12" fmla="*/ 74 w 472800"/>
+                <a:gd name="connsiteY12" fmla="*/ 82733 h 245717"/>
+                <a:gd name="connsiteX0" fmla="*/ 8191 w 480917"/>
+                <a:gd name="connsiteY0" fmla="*/ 82733 h 245717"/>
+                <a:gd name="connsiteX1" fmla="*/ 3428 w 480917"/>
+                <a:gd name="connsiteY1" fmla="*/ 177983 h 245717"/>
+                <a:gd name="connsiteX2" fmla="*/ 65341 w 480917"/>
+                <a:gd name="connsiteY2" fmla="*/ 243600 h 245717"/>
+                <a:gd name="connsiteX3" fmla="*/ 188108 w 480917"/>
+                <a:gd name="connsiteY3" fmla="*/ 245717 h 245717"/>
+                <a:gd name="connsiteX4" fmla="*/ 338391 w 480917"/>
+                <a:gd name="connsiteY4" fmla="*/ 235133 h 245717"/>
+                <a:gd name="connsiteX5" fmla="*/ 425174 w 480917"/>
+                <a:gd name="connsiteY5" fmla="*/ 201267 h 245717"/>
+                <a:gd name="connsiteX6" fmla="*/ 480208 w 480917"/>
+                <a:gd name="connsiteY6" fmla="*/ 122950 h 245717"/>
+                <a:gd name="connsiteX7" fmla="*/ 461158 w 480917"/>
+                <a:gd name="connsiteY7" fmla="*/ 27700 h 245717"/>
+                <a:gd name="connsiteX8" fmla="*/ 359558 w 480917"/>
+                <a:gd name="connsiteY8" fmla="*/ 183 h 245717"/>
+                <a:gd name="connsiteX9" fmla="*/ 247374 w 480917"/>
+                <a:gd name="connsiteY9" fmla="*/ 15000 h 245717"/>
+                <a:gd name="connsiteX10" fmla="*/ 156358 w 480917"/>
+                <a:gd name="connsiteY10" fmla="*/ 183 h 245717"/>
+                <a:gd name="connsiteX11" fmla="*/ 33591 w 480917"/>
+                <a:gd name="connsiteY11" fmla="*/ 23467 h 245717"/>
+                <a:gd name="connsiteX12" fmla="*/ 8191 w 480917"/>
+                <a:gd name="connsiteY12" fmla="*/ 82733 h 245717"/>
+                <a:gd name="connsiteX0" fmla="*/ 8191 w 480917"/>
+                <a:gd name="connsiteY0" fmla="*/ 82733 h 245717"/>
+                <a:gd name="connsiteX1" fmla="*/ 3428 w 480917"/>
+                <a:gd name="connsiteY1" fmla="*/ 177983 h 245717"/>
+                <a:gd name="connsiteX2" fmla="*/ 65341 w 480917"/>
+                <a:gd name="connsiteY2" fmla="*/ 243600 h 245717"/>
+                <a:gd name="connsiteX3" fmla="*/ 188108 w 480917"/>
+                <a:gd name="connsiteY3" fmla="*/ 245717 h 245717"/>
+                <a:gd name="connsiteX4" fmla="*/ 338391 w 480917"/>
+                <a:gd name="connsiteY4" fmla="*/ 235133 h 245717"/>
+                <a:gd name="connsiteX5" fmla="*/ 425174 w 480917"/>
+                <a:gd name="connsiteY5" fmla="*/ 201267 h 245717"/>
+                <a:gd name="connsiteX6" fmla="*/ 480208 w 480917"/>
+                <a:gd name="connsiteY6" fmla="*/ 122950 h 245717"/>
+                <a:gd name="connsiteX7" fmla="*/ 461158 w 480917"/>
+                <a:gd name="connsiteY7" fmla="*/ 27700 h 245717"/>
+                <a:gd name="connsiteX8" fmla="*/ 359558 w 480917"/>
+                <a:gd name="connsiteY8" fmla="*/ 183 h 245717"/>
+                <a:gd name="connsiteX9" fmla="*/ 247374 w 480917"/>
+                <a:gd name="connsiteY9" fmla="*/ 15000 h 245717"/>
+                <a:gd name="connsiteX10" fmla="*/ 156358 w 480917"/>
+                <a:gd name="connsiteY10" fmla="*/ 183 h 245717"/>
+                <a:gd name="connsiteX11" fmla="*/ 33591 w 480917"/>
+                <a:gd name="connsiteY11" fmla="*/ 23467 h 245717"/>
+                <a:gd name="connsiteX12" fmla="*/ 8191 w 480917"/>
+                <a:gd name="connsiteY12" fmla="*/ 82733 h 245717"/>
+                <a:gd name="connsiteX0" fmla="*/ 8191 w 480917"/>
+                <a:gd name="connsiteY0" fmla="*/ 82733 h 245717"/>
+                <a:gd name="connsiteX1" fmla="*/ 3428 w 480917"/>
+                <a:gd name="connsiteY1" fmla="*/ 177983 h 245717"/>
+                <a:gd name="connsiteX2" fmla="*/ 65341 w 480917"/>
+                <a:gd name="connsiteY2" fmla="*/ 243600 h 245717"/>
+                <a:gd name="connsiteX3" fmla="*/ 188108 w 480917"/>
+                <a:gd name="connsiteY3" fmla="*/ 245717 h 245717"/>
+                <a:gd name="connsiteX4" fmla="*/ 338391 w 480917"/>
+                <a:gd name="connsiteY4" fmla="*/ 235133 h 245717"/>
+                <a:gd name="connsiteX5" fmla="*/ 425174 w 480917"/>
+                <a:gd name="connsiteY5" fmla="*/ 201267 h 245717"/>
+                <a:gd name="connsiteX6" fmla="*/ 480208 w 480917"/>
+                <a:gd name="connsiteY6" fmla="*/ 122950 h 245717"/>
+                <a:gd name="connsiteX7" fmla="*/ 461158 w 480917"/>
+                <a:gd name="connsiteY7" fmla="*/ 27700 h 245717"/>
+                <a:gd name="connsiteX8" fmla="*/ 359558 w 480917"/>
+                <a:gd name="connsiteY8" fmla="*/ 183 h 245717"/>
+                <a:gd name="connsiteX9" fmla="*/ 247374 w 480917"/>
+                <a:gd name="connsiteY9" fmla="*/ 15000 h 245717"/>
+                <a:gd name="connsiteX10" fmla="*/ 156358 w 480917"/>
+                <a:gd name="connsiteY10" fmla="*/ 183 h 245717"/>
+                <a:gd name="connsiteX11" fmla="*/ 33591 w 480917"/>
+                <a:gd name="connsiteY11" fmla="*/ 23467 h 245717"/>
+                <a:gd name="connsiteX12" fmla="*/ 8191 w 480917"/>
+                <a:gd name="connsiteY12" fmla="*/ 82733 h 245717"/>
+              </a:gdLst>
+              <a:ahLst/>
+              <a:cxnLst>
+                <a:cxn ang="0">
+                  <a:pos x="connsiteX0" y="connsiteY0"/>
+                </a:cxn>
+                <a:cxn ang="0">
+                  <a:pos x="connsiteX1" y="connsiteY1"/>
+                </a:cxn>
+                <a:cxn ang="0">
+                  <a:pos x="connsiteX2" y="connsiteY2"/>
+                </a:cxn>
+                <a:cxn ang="0">
+                  <a:pos x="connsiteX3" y="connsiteY3"/>
+                </a:cxn>
+                <a:cxn ang="0">
+                  <a:pos x="connsiteX4" y="connsiteY4"/>
+                </a:cxn>
+                <a:cxn ang="0">
+                  <a:pos x="connsiteX5" y="connsiteY5"/>
+                </a:cxn>
+                <a:cxn ang="0">
+                  <a:pos x="connsiteX6" y="connsiteY6"/>
+                </a:cxn>
+                <a:cxn ang="0">
+                  <a:pos x="connsiteX7" y="connsiteY7"/>
+                </a:cxn>
+                <a:cxn ang="0">
+                  <a:pos x="connsiteX8" y="connsiteY8"/>
+                </a:cxn>
+                <a:cxn ang="0">
+                  <a:pos x="connsiteX9" y="connsiteY9"/>
+                </a:cxn>
+                <a:cxn ang="0">
+                  <a:pos x="connsiteX10" y="connsiteY10"/>
+                </a:cxn>
+                <a:cxn ang="0">
+                  <a:pos x="connsiteX11" y="connsiteY11"/>
+                </a:cxn>
+                <a:cxn ang="0">
+                  <a:pos x="connsiteX12" y="connsiteY12"/>
+                </a:cxn>
+              </a:cxnLst>
+              <a:rect l="l" t="t" r="r" b="b"/>
+              <a:pathLst>
+                <a:path w="480917" h="245717">
+                  <a:moveTo>
+                    <a:pt x="8191" y="82733"/>
+                  </a:moveTo>
+                  <a:cubicBezTo>
+                    <a:pt x="7133" y="105311"/>
+                    <a:pt x="-6097" y="151172"/>
+                    <a:pt x="3428" y="177983"/>
+                  </a:cubicBezTo>
+                  <a:cubicBezTo>
+                    <a:pt x="12953" y="204794"/>
+                    <a:pt x="38530" y="229136"/>
+                    <a:pt x="65341" y="243600"/>
+                  </a:cubicBezTo>
+                  <a:lnTo>
+                    <a:pt x="188108" y="245717"/>
+                  </a:lnTo>
+                  <a:lnTo>
+                    <a:pt x="338391" y="235133"/>
+                  </a:lnTo>
+                  <a:cubicBezTo>
+                    <a:pt x="377902" y="227725"/>
+                    <a:pt x="401538" y="219964"/>
+                    <a:pt x="425174" y="201267"/>
+                  </a:cubicBezTo>
+                  <a:cubicBezTo>
+                    <a:pt x="448810" y="182570"/>
+                    <a:pt x="486558" y="154700"/>
+                    <a:pt x="480208" y="122950"/>
+                  </a:cubicBezTo>
+                  <a:lnTo>
+                    <a:pt x="461158" y="27700"/>
+                  </a:lnTo>
+                  <a:cubicBezTo>
+                    <a:pt x="454808" y="-4050"/>
+                    <a:pt x="395189" y="2300"/>
+                    <a:pt x="359558" y="183"/>
+                  </a:cubicBezTo>
+                  <a:cubicBezTo>
+                    <a:pt x="323927" y="-1934"/>
+                    <a:pt x="281241" y="15000"/>
+                    <a:pt x="247374" y="15000"/>
+                  </a:cubicBezTo>
+                  <a:cubicBezTo>
+                    <a:pt x="213507" y="15000"/>
+                    <a:pt x="191988" y="-1228"/>
+                    <a:pt x="156358" y="183"/>
+                  </a:cubicBezTo>
+                  <a:cubicBezTo>
+                    <a:pt x="120728" y="1594"/>
+                    <a:pt x="42058" y="3712"/>
+                    <a:pt x="33591" y="23467"/>
+                  </a:cubicBezTo>
+                  <a:lnTo>
+                    <a:pt x="8191" y="82733"/>
+                  </a:lnTo>
+                  <a:close/>
+                </a:path>
+              </a:pathLst>
+            </a:custGeom>
+            <a:solidFill>
+              <a:srgbClr val="AA7138"/>
+            </a:solidFill>
+            <a:ln>
+              <a:solidFill>
+                <a:srgbClr val="663300"/>
+              </a:solidFill>
+            </a:ln>
+          </p:spPr>
+          <p:style>
+            <a:lnRef idx="2">
+              <a:schemeClr val="accent1">
+                <a:shade val="50000"/>
+              </a:schemeClr>
+            </a:lnRef>
+            <a:fillRef idx="1">
+              <a:schemeClr val="accent1"/>
+            </a:fillRef>
+            <a:effectRef idx="0">
+              <a:schemeClr val="accent1"/>
+            </a:effectRef>
+            <a:fontRef idx="minor">
+              <a:schemeClr val="lt1"/>
+            </a:fontRef>
+          </p:style>
+          <p:txBody>
+            <a:bodyPr rtlCol="0" anchor="ctr"/>
+            <a:lstStyle/>
+            <a:p>
+              <a:pPr algn="ctr"/>
+              <a:endParaRPr lang="en-US"/>
+            </a:p>
+          </p:txBody>
+        </p:sp>
+        <p:sp>
+          <p:nvSpPr>
+            <p:cNvPr id="51" name="Freeform 50"/>
+            <p:cNvSpPr/>
+            <p:nvPr/>
+          </p:nvSpPr>
+          <p:spPr>
+            <a:xfrm>
+              <a:off x="6589713" y="2012950"/>
+              <a:ext cx="88900" cy="39688"/>
+            </a:xfrm>
+            <a:custGeom>
+              <a:avLst/>
+              <a:gdLst>
+                <a:gd name="connsiteX0" fmla="*/ 88900 w 88900"/>
+                <a:gd name="connsiteY0" fmla="*/ 0 h 39688"/>
+                <a:gd name="connsiteX1" fmla="*/ 33337 w 88900"/>
+                <a:gd name="connsiteY1" fmla="*/ 11113 h 39688"/>
+                <a:gd name="connsiteX2" fmla="*/ 0 w 88900"/>
+                <a:gd name="connsiteY2" fmla="*/ 39688 h 39688"/>
+              </a:gdLst>
+              <a:ahLst/>
+              <a:cxnLst>
+                <a:cxn ang="0">
+                  <a:pos x="connsiteX0" y="connsiteY0"/>
+                </a:cxn>
+                <a:cxn ang="0">
+                  <a:pos x="connsiteX1" y="connsiteY1"/>
+                </a:cxn>
+                <a:cxn ang="0">
+                  <a:pos x="connsiteX2" y="connsiteY2"/>
+                </a:cxn>
+              </a:cxnLst>
+              <a:rect l="l" t="t" r="r" b="b"/>
+              <a:pathLst>
+                <a:path w="88900" h="39688">
+                  <a:moveTo>
+                    <a:pt x="88900" y="0"/>
+                  </a:moveTo>
+                  <a:cubicBezTo>
+                    <a:pt x="68527" y="2249"/>
+                    <a:pt x="48154" y="4498"/>
+                    <a:pt x="33337" y="11113"/>
+                  </a:cubicBezTo>
+                  <a:cubicBezTo>
+                    <a:pt x="18520" y="17728"/>
+                    <a:pt x="9260" y="28708"/>
+                    <a:pt x="0" y="39688"/>
+                  </a:cubicBezTo>
+                </a:path>
+              </a:pathLst>
+            </a:custGeom>
+            <a:noFill/>
+            <a:ln>
+              <a:solidFill>
+                <a:srgbClr val="663300"/>
+              </a:solidFill>
+            </a:ln>
+          </p:spPr>
+          <p:style>
+            <a:lnRef idx="2">
+              <a:schemeClr val="accent1">
+                <a:shade val="50000"/>
+              </a:schemeClr>
+            </a:lnRef>
+            <a:fillRef idx="1">
+              <a:schemeClr val="accent1"/>
+            </a:fillRef>
+            <a:effectRef idx="0">
+              <a:schemeClr val="accent1"/>
+            </a:effectRef>
+            <a:fontRef idx="minor">
+              <a:schemeClr val="lt1"/>
+            </a:fontRef>
+          </p:style>
+          <p:txBody>
+            <a:bodyPr rtlCol="0" anchor="ctr"/>
+            <a:lstStyle/>
+            <a:p>
+              <a:pPr algn="ctr"/>
+              <a:endParaRPr lang="en-US"/>
+            </a:p>
+          </p:txBody>
+        </p:sp>
+        <p:sp>
+          <p:nvSpPr>
+            <p:cNvPr id="52" name="Freeform 51"/>
+            <p:cNvSpPr/>
+            <p:nvPr/>
+          </p:nvSpPr>
+          <p:spPr>
+            <a:xfrm>
+              <a:off x="6810375" y="2146300"/>
+              <a:ext cx="150813" cy="29349"/>
+            </a:xfrm>
+            <a:custGeom>
+              <a:avLst/>
+              <a:gdLst>
+                <a:gd name="connsiteX0" fmla="*/ 88900 w 88900"/>
+                <a:gd name="connsiteY0" fmla="*/ 0 h 39688"/>
+                <a:gd name="connsiteX1" fmla="*/ 33337 w 88900"/>
+                <a:gd name="connsiteY1" fmla="*/ 11113 h 39688"/>
+                <a:gd name="connsiteX2" fmla="*/ 0 w 88900"/>
+                <a:gd name="connsiteY2" fmla="*/ 39688 h 39688"/>
+                <a:gd name="connsiteX0" fmla="*/ 134938 w 134938"/>
+                <a:gd name="connsiteY0" fmla="*/ 0 h 26988"/>
+                <a:gd name="connsiteX1" fmla="*/ 79375 w 134938"/>
+                <a:gd name="connsiteY1" fmla="*/ 11113 h 26988"/>
+                <a:gd name="connsiteX2" fmla="*/ 0 w 134938"/>
+                <a:gd name="connsiteY2" fmla="*/ 26988 h 26988"/>
+                <a:gd name="connsiteX0" fmla="*/ 134938 w 134938"/>
+                <a:gd name="connsiteY0" fmla="*/ 0 h 29349"/>
+                <a:gd name="connsiteX1" fmla="*/ 80962 w 134938"/>
+                <a:gd name="connsiteY1" fmla="*/ 28576 h 29349"/>
+                <a:gd name="connsiteX2" fmla="*/ 0 w 134938"/>
+                <a:gd name="connsiteY2" fmla="*/ 26988 h 29349"/>
+                <a:gd name="connsiteX0" fmla="*/ 150813 w 150813"/>
+                <a:gd name="connsiteY0" fmla="*/ 0 h 29349"/>
+                <a:gd name="connsiteX1" fmla="*/ 80962 w 150813"/>
+                <a:gd name="connsiteY1" fmla="*/ 28576 h 29349"/>
+                <a:gd name="connsiteX2" fmla="*/ 0 w 150813"/>
+                <a:gd name="connsiteY2" fmla="*/ 26988 h 29349"/>
+              </a:gdLst>
+              <a:ahLst/>
+              <a:cxnLst>
+                <a:cxn ang="0">
+                  <a:pos x="connsiteX0" y="connsiteY0"/>
+                </a:cxn>
+                <a:cxn ang="0">
+                  <a:pos x="connsiteX1" y="connsiteY1"/>
+                </a:cxn>
+                <a:cxn ang="0">
+                  <a:pos x="connsiteX2" y="connsiteY2"/>
+                </a:cxn>
+              </a:cxnLst>
+              <a:rect l="l" t="t" r="r" b="b"/>
+              <a:pathLst>
+                <a:path w="150813" h="29349">
+                  <a:moveTo>
+                    <a:pt x="150813" y="0"/>
+                  </a:moveTo>
+                  <a:cubicBezTo>
+                    <a:pt x="130440" y="2249"/>
+                    <a:pt x="106097" y="24078"/>
+                    <a:pt x="80962" y="28576"/>
+                  </a:cubicBezTo>
+                  <a:cubicBezTo>
+                    <a:pt x="55827" y="33074"/>
+                    <a:pt x="9260" y="16008"/>
+                    <a:pt x="0" y="26988"/>
+                  </a:cubicBezTo>
+                </a:path>
+              </a:pathLst>
+            </a:custGeom>
+            <a:noFill/>
+            <a:ln>
+              <a:solidFill>
+                <a:srgbClr val="663300"/>
+              </a:solidFill>
+            </a:ln>
+          </p:spPr>
+          <p:style>
+            <a:lnRef idx="2">
+              <a:schemeClr val="accent1">
+                <a:shade val="50000"/>
+              </a:schemeClr>
+            </a:lnRef>
+            <a:fillRef idx="1">
+              <a:schemeClr val="accent1"/>
+            </a:fillRef>
+            <a:effectRef idx="0">
+              <a:schemeClr val="accent1"/>
+            </a:effectRef>
+            <a:fontRef idx="minor">
+              <a:schemeClr val="lt1"/>
+            </a:fontRef>
+          </p:style>
+          <p:txBody>
+            <a:bodyPr rtlCol="0" anchor="ctr"/>
+            <a:lstStyle/>
+            <a:p>
+              <a:pPr algn="ctr"/>
+              <a:endParaRPr lang="en-US"/>
+            </a:p>
+          </p:txBody>
+        </p:sp>
+        <p:sp>
+          <p:nvSpPr>
+            <p:cNvPr id="53" name="Freeform 52"/>
+            <p:cNvSpPr/>
+            <p:nvPr/>
+          </p:nvSpPr>
+          <p:spPr>
+            <a:xfrm rot="20836406">
+              <a:off x="6779117" y="2030857"/>
+              <a:ext cx="88900" cy="39688"/>
+            </a:xfrm>
+            <a:custGeom>
+              <a:avLst/>
+              <a:gdLst>
+                <a:gd name="connsiteX0" fmla="*/ 88900 w 88900"/>
+                <a:gd name="connsiteY0" fmla="*/ 0 h 39688"/>
+                <a:gd name="connsiteX1" fmla="*/ 33337 w 88900"/>
+                <a:gd name="connsiteY1" fmla="*/ 11113 h 39688"/>
+                <a:gd name="connsiteX2" fmla="*/ 0 w 88900"/>
+                <a:gd name="connsiteY2" fmla="*/ 39688 h 39688"/>
+                <a:gd name="connsiteX0" fmla="*/ 88900 w 88900"/>
+                <a:gd name="connsiteY0" fmla="*/ 0 h 39688"/>
+                <a:gd name="connsiteX1" fmla="*/ 68262 w 88900"/>
+                <a:gd name="connsiteY1" fmla="*/ 25400 h 39688"/>
+                <a:gd name="connsiteX2" fmla="*/ 0 w 88900"/>
+                <a:gd name="connsiteY2" fmla="*/ 39688 h 39688"/>
+              </a:gdLst>
+              <a:ahLst/>
+              <a:cxnLst>
+                <a:cxn ang="0">
+                  <a:pos x="connsiteX0" y="connsiteY0"/>
+                </a:cxn>
+                <a:cxn ang="0">
+                  <a:pos x="connsiteX1" y="connsiteY1"/>
+                </a:cxn>
+                <a:cxn ang="0">
+                  <a:pos x="connsiteX2" y="connsiteY2"/>
+                </a:cxn>
+              </a:cxnLst>
+              <a:rect l="l" t="t" r="r" b="b"/>
+              <a:pathLst>
+                <a:path w="88900" h="39688">
+                  <a:moveTo>
+                    <a:pt x="88900" y="0"/>
+                  </a:moveTo>
+                  <a:cubicBezTo>
+                    <a:pt x="68527" y="2249"/>
+                    <a:pt x="83079" y="18785"/>
+                    <a:pt x="68262" y="25400"/>
+                  </a:cubicBezTo>
+                  <a:cubicBezTo>
+                    <a:pt x="53445" y="32015"/>
+                    <a:pt x="9260" y="28708"/>
+                    <a:pt x="0" y="39688"/>
+                  </a:cubicBezTo>
+                </a:path>
+              </a:pathLst>
+            </a:custGeom>
+            <a:noFill/>
+            <a:ln>
+              <a:solidFill>
+                <a:srgbClr val="663300"/>
+              </a:solidFill>
+            </a:ln>
+          </p:spPr>
+          <p:style>
+            <a:lnRef idx="2">
+              <a:schemeClr val="accent1">
+                <a:shade val="50000"/>
+              </a:schemeClr>
+            </a:lnRef>
+            <a:fillRef idx="1">
+              <a:schemeClr val="accent1"/>
+            </a:fillRef>
+            <a:effectRef idx="0">
+              <a:schemeClr val="accent1"/>
+            </a:effectRef>
+            <a:fontRef idx="minor">
+              <a:schemeClr val="lt1"/>
+            </a:fontRef>
+          </p:style>
+          <p:txBody>
+            <a:bodyPr rtlCol="0" anchor="ctr"/>
+            <a:lstStyle/>
+            <a:p>
+              <a:pPr algn="ctr"/>
+              <a:endParaRPr lang="en-US"/>
+            </a:p>
+          </p:txBody>
+        </p:sp>
+      </p:grpSp>
+      <p:sp>
+        <p:nvSpPr>
+          <p:cNvPr id="54" name="TextBox 53"/>
+          <p:cNvSpPr txBox="1"/>
+          <p:nvPr/>
+        </p:nvSpPr>
+        <p:spPr>
+          <a:xfrm>
+            <a:off x="4078696" y="2659003"/>
+            <a:ext cx="332422" cy="246221"/>
+          </a:xfrm>
+          <a:prstGeom prst="rect">
+            <a:avLst/>
+          </a:prstGeom>
+          <a:noFill/>
+        </p:spPr>
+        <p:txBody>
+          <a:bodyPr wrap="square" rtlCol="0">
+            <a:spAutoFit/>
+          </a:bodyPr>
+          <a:lstStyle/>
+          <a:p>
+            <a:pPr algn="ctr"/>
+            <a:r>
+              <a:rPr lang="en-US" sz="1000" dirty="0" smtClean="0">
+                <a:latin typeface="Comic Sans MS" panose="030F0702030302020204" pitchFamily="66" charset="0"/>
+              </a:rPr>
+              <a:t>5</a:t>
+            </a:r>
+          </a:p>
+        </p:txBody>
+      </p:sp>
+      <p:sp>
+        <p:nvSpPr>
+          <p:cNvPr id="55" name="TextBox 54"/>
+          <p:cNvSpPr txBox="1"/>
+          <p:nvPr/>
+        </p:nvSpPr>
+        <p:spPr>
+          <a:xfrm>
+            <a:off x="4078696" y="3320681"/>
+            <a:ext cx="332422" cy="246221"/>
+          </a:xfrm>
+          <a:prstGeom prst="rect">
+            <a:avLst/>
+          </a:prstGeom>
+          <a:noFill/>
+        </p:spPr>
+        <p:txBody>
+          <a:bodyPr wrap="square" rtlCol="0">
+            <a:spAutoFit/>
+          </a:bodyPr>
+          <a:lstStyle/>
+          <a:p>
+            <a:pPr algn="ctr"/>
+            <a:r>
+              <a:rPr lang="en-US" sz="1000" dirty="0" smtClean="0">
+                <a:latin typeface="Comic Sans MS" panose="030F0702030302020204" pitchFamily="66" charset="0"/>
+              </a:rPr>
+              <a:t>3</a:t>
+            </a:r>
+          </a:p>
+        </p:txBody>
+      </p:sp>
+      <p:sp>
+        <p:nvSpPr>
+          <p:cNvPr id="56" name="TextBox 55"/>
+          <p:cNvSpPr txBox="1"/>
+          <p:nvPr/>
+        </p:nvSpPr>
+        <p:spPr>
+          <a:xfrm>
+            <a:off x="4659127" y="2659003"/>
+            <a:ext cx="332422" cy="246221"/>
+          </a:xfrm>
+          <a:prstGeom prst="rect">
+            <a:avLst/>
+          </a:prstGeom>
+          <a:noFill/>
+        </p:spPr>
+        <p:txBody>
+          <a:bodyPr wrap="square" rtlCol="0">
+            <a:spAutoFit/>
+          </a:bodyPr>
+          <a:lstStyle/>
+          <a:p>
+            <a:pPr algn="ctr"/>
+            <a:r>
+              <a:rPr lang="en-US" sz="1000" dirty="0" smtClean="0">
+                <a:latin typeface="Comic Sans MS" panose="030F0702030302020204" pitchFamily="66" charset="0"/>
+              </a:rPr>
+              <a:t>7</a:t>
+            </a:r>
+          </a:p>
+        </p:txBody>
+      </p:sp>
+      <p:sp>
+        <p:nvSpPr>
+          <p:cNvPr id="57" name="TextBox 56"/>
+          <p:cNvSpPr txBox="1"/>
+          <p:nvPr/>
+        </p:nvSpPr>
+        <p:spPr>
+          <a:xfrm>
+            <a:off x="4659127" y="3320681"/>
+            <a:ext cx="332422" cy="246221"/>
+          </a:xfrm>
+          <a:prstGeom prst="rect">
+            <a:avLst/>
+          </a:prstGeom>
+          <a:noFill/>
+        </p:spPr>
+        <p:txBody>
+          <a:bodyPr wrap="square" rtlCol="0">
+            <a:spAutoFit/>
+          </a:bodyPr>
+          <a:lstStyle/>
+          <a:p>
+            <a:pPr algn="ctr"/>
+            <a:r>
+              <a:rPr lang="en-US" sz="1000" dirty="0" smtClean="0">
+                <a:latin typeface="Comic Sans MS" panose="030F0702030302020204" pitchFamily="66" charset="0"/>
+              </a:rPr>
+              <a:t>4</a:t>
+            </a:r>
+          </a:p>
+        </p:txBody>
+      </p:sp>
+      <p:sp>
+        <p:nvSpPr>
+          <p:cNvPr id="58" name="TextBox 57"/>
+          <p:cNvSpPr txBox="1"/>
+          <p:nvPr/>
+        </p:nvSpPr>
+        <p:spPr>
+          <a:xfrm>
+            <a:off x="5243494" y="2659003"/>
+            <a:ext cx="332422" cy="246221"/>
+          </a:xfrm>
+          <a:prstGeom prst="rect">
+            <a:avLst/>
+          </a:prstGeom>
+          <a:noFill/>
+        </p:spPr>
+        <p:txBody>
+          <a:bodyPr wrap="square" rtlCol="0">
+            <a:spAutoFit/>
+          </a:bodyPr>
+          <a:lstStyle/>
+          <a:p>
+            <a:pPr algn="ctr"/>
+            <a:r>
+              <a:rPr lang="en-US" sz="1000" dirty="0">
+                <a:latin typeface="Comic Sans MS" panose="030F0702030302020204" pitchFamily="66" charset="0"/>
+              </a:rPr>
+              <a:t>8</a:t>
+            </a:r>
+            <a:endParaRPr lang="en-US" sz="1000" dirty="0" smtClean="0">
+              <a:latin typeface="Comic Sans MS" panose="030F0702030302020204" pitchFamily="66" charset="0"/>
+            </a:endParaRPr>
+          </a:p>
+        </p:txBody>
+      </p:sp>
+      <p:sp>
+        <p:nvSpPr>
+          <p:cNvPr id="59" name="TextBox 58"/>
+          <p:cNvSpPr txBox="1"/>
+          <p:nvPr/>
+        </p:nvSpPr>
+        <p:spPr>
+          <a:xfrm>
+            <a:off x="5243494" y="3320681"/>
+            <a:ext cx="332422" cy="246221"/>
+          </a:xfrm>
+          <a:prstGeom prst="rect">
+            <a:avLst/>
+          </a:prstGeom>
+          <a:noFill/>
+        </p:spPr>
+        <p:txBody>
+          <a:bodyPr wrap="square" rtlCol="0">
+            <a:spAutoFit/>
+          </a:bodyPr>
+          <a:lstStyle/>
+          <a:p>
+            <a:pPr algn="ctr"/>
+            <a:r>
+              <a:rPr lang="en-US" sz="1000" dirty="0">
+                <a:latin typeface="Comic Sans MS" panose="030F0702030302020204" pitchFamily="66" charset="0"/>
+              </a:rPr>
+              <a:t>5</a:t>
+            </a:r>
+            <a:endParaRPr lang="en-US" sz="1000" dirty="0" smtClean="0">
+              <a:latin typeface="Comic Sans MS" panose="030F0702030302020204" pitchFamily="66" charset="0"/>
+            </a:endParaRPr>
+          </a:p>
+        </p:txBody>
+      </p:sp>
+      <p:sp>
+        <p:nvSpPr>
+          <p:cNvPr id="60" name="Freeform 59"/>
+          <p:cNvSpPr/>
+          <p:nvPr/>
+        </p:nvSpPr>
+        <p:spPr>
+          <a:xfrm>
+            <a:off x="6806222" y="3264993"/>
+            <a:ext cx="255096" cy="176274"/>
+          </a:xfrm>
+          <a:custGeom>
+            <a:avLst/>
+            <a:gdLst>
+              <a:gd name="connsiteX0" fmla="*/ 78489 w 698555"/>
+              <a:gd name="connsiteY0" fmla="*/ 82414 h 482709"/>
+              <a:gd name="connsiteX1" fmla="*/ 290410 w 698555"/>
+              <a:gd name="connsiteY1" fmla="*/ 0 h 482709"/>
+              <a:gd name="connsiteX2" fmla="*/ 620065 w 698555"/>
+              <a:gd name="connsiteY2" fmla="*/ 43169 h 482709"/>
+              <a:gd name="connsiteX3" fmla="*/ 698555 w 698555"/>
+              <a:gd name="connsiteY3" fmla="*/ 310032 h 482709"/>
+              <a:gd name="connsiteX4" fmla="*/ 510180 w 698555"/>
+              <a:gd name="connsiteY4" fmla="*/ 482709 h 482709"/>
+              <a:gd name="connsiteX5" fmla="*/ 0 w 698555"/>
+              <a:gd name="connsiteY5" fmla="*/ 353202 h 482709"/>
+              <a:gd name="connsiteX6" fmla="*/ 51018 w 698555"/>
+              <a:gd name="connsiteY6" fmla="*/ 306108 h 482709"/>
+              <a:gd name="connsiteX7" fmla="*/ 78489 w 698555"/>
+              <a:gd name="connsiteY7" fmla="*/ 82414 h 482709"/>
+            </a:gdLst>
+            <a:ahLst/>
+            <a:cxnLst>
+              <a:cxn ang="0">
+                <a:pos x="connsiteX0" y="connsiteY0"/>
+              </a:cxn>
+              <a:cxn ang="0">
+                <a:pos x="connsiteX1" y="connsiteY1"/>
+              </a:cxn>
+              <a:cxn ang="0">
+                <a:pos x="connsiteX2" y="connsiteY2"/>
+              </a:cxn>
+              <a:cxn ang="0">
+                <a:pos x="connsiteX3" y="connsiteY3"/>
+              </a:cxn>
+              <a:cxn ang="0">
+                <a:pos x="connsiteX4" y="connsiteY4"/>
+              </a:cxn>
+              <a:cxn ang="0">
+                <a:pos x="connsiteX5" y="connsiteY5"/>
+              </a:cxn>
+              <a:cxn ang="0">
+                <a:pos x="connsiteX6" y="connsiteY6"/>
+              </a:cxn>
+              <a:cxn ang="0">
+                <a:pos x="connsiteX7" y="connsiteY7"/>
+              </a:cxn>
+            </a:cxnLst>
+            <a:rect l="l" t="t" r="r" b="b"/>
+            <a:pathLst>
+              <a:path w="698555" h="482709">
+                <a:moveTo>
+                  <a:pt x="78489" y="82414"/>
+                </a:moveTo>
+                <a:lnTo>
+                  <a:pt x="290410" y="0"/>
+                </a:lnTo>
+                <a:lnTo>
+                  <a:pt x="620065" y="43169"/>
+                </a:lnTo>
+                <a:lnTo>
+                  <a:pt x="698555" y="310032"/>
+                </a:lnTo>
+                <a:lnTo>
+                  <a:pt x="510180" y="482709"/>
+                </a:lnTo>
+                <a:lnTo>
+                  <a:pt x="0" y="353202"/>
+                </a:lnTo>
+                <a:lnTo>
+                  <a:pt x="51018" y="306108"/>
+                </a:lnTo>
+                <a:lnTo>
+                  <a:pt x="78489" y="82414"/>
+                </a:lnTo>
+                <a:close/>
+              </a:path>
+            </a:pathLst>
+          </a:custGeom>
+          <a:solidFill>
+            <a:schemeClr val="tx1">
+              <a:lumMod val="95000"/>
+              <a:lumOff val="5000"/>
+            </a:schemeClr>
+          </a:solidFill>
+          <a:ln w="38100">
+            <a:solidFill>
+              <a:schemeClr val="tx1">
+                <a:lumMod val="85000"/>
+                <a:lumOff val="15000"/>
+              </a:schemeClr>
+            </a:solidFill>
+          </a:ln>
+        </p:spPr>
+        <p:style>
+          <a:lnRef idx="2">
+            <a:schemeClr val="accent1">
+              <a:shade val="50000"/>
+            </a:schemeClr>
+          </a:lnRef>
+          <a:fillRef idx="1">
+            <a:schemeClr val="accent1"/>
+          </a:fillRef>
+          <a:effectRef idx="0">
+            <a:schemeClr val="accent1"/>
+          </a:effectRef>
+          <a:fontRef idx="minor">
+            <a:schemeClr val="lt1"/>
+          </a:fontRef>
+        </p:style>
+        <p:txBody>
+          <a:bodyPr rtlCol="0" anchor="ctr"/>
+          <a:lstStyle/>
+          <a:p>
+            <a:pPr algn="ctr"/>
+            <a:endParaRPr lang="en-US"/>
+          </a:p>
+        </p:txBody>
+      </p:sp>
+      <p:grpSp>
+        <p:nvGrpSpPr>
+          <p:cNvPr id="61" name="Group 60"/>
+          <p:cNvGrpSpPr/>
+          <p:nvPr/>
+        </p:nvGrpSpPr>
+        <p:grpSpPr>
+          <a:xfrm>
+            <a:off x="7223404" y="3222167"/>
+            <a:ext cx="260566" cy="218106"/>
+            <a:chOff x="9199517" y="2947740"/>
+            <a:chExt cx="932508" cy="780556"/>
+          </a:xfrm>
+        </p:grpSpPr>
+        <p:sp>
+          <p:nvSpPr>
+            <p:cNvPr id="62" name="Freeform 61"/>
+            <p:cNvSpPr/>
+            <p:nvPr/>
+          </p:nvSpPr>
+          <p:spPr>
+            <a:xfrm>
+              <a:off x="9227424" y="2947740"/>
+              <a:ext cx="904601" cy="768598"/>
+            </a:xfrm>
+            <a:custGeom>
+              <a:avLst/>
+              <a:gdLst>
+                <a:gd name="connsiteX0" fmla="*/ 0 w 895350"/>
+                <a:gd name="connsiteY0" fmla="*/ 461963 h 757238"/>
+                <a:gd name="connsiteX1" fmla="*/ 196850 w 895350"/>
+                <a:gd name="connsiteY1" fmla="*/ 284163 h 757238"/>
+                <a:gd name="connsiteX2" fmla="*/ 484188 w 895350"/>
+                <a:gd name="connsiteY2" fmla="*/ 100013 h 757238"/>
+                <a:gd name="connsiteX3" fmla="*/ 706438 w 895350"/>
+                <a:gd name="connsiteY3" fmla="*/ 0 h 757238"/>
+                <a:gd name="connsiteX4" fmla="*/ 793750 w 895350"/>
+                <a:gd name="connsiteY4" fmla="*/ 4763 h 757238"/>
+                <a:gd name="connsiteX5" fmla="*/ 887413 w 895350"/>
+                <a:gd name="connsiteY5" fmla="*/ 109538 h 757238"/>
+                <a:gd name="connsiteX6" fmla="*/ 890588 w 895350"/>
+                <a:gd name="connsiteY6" fmla="*/ 123825 h 757238"/>
+                <a:gd name="connsiteX7" fmla="*/ 895350 w 895350"/>
+                <a:gd name="connsiteY7" fmla="*/ 254000 h 757238"/>
+                <a:gd name="connsiteX8" fmla="*/ 731838 w 895350"/>
+                <a:gd name="connsiteY8" fmla="*/ 388938 h 757238"/>
+                <a:gd name="connsiteX9" fmla="*/ 500063 w 895350"/>
+                <a:gd name="connsiteY9" fmla="*/ 581025 h 757238"/>
+                <a:gd name="connsiteX10" fmla="*/ 177800 w 895350"/>
+                <a:gd name="connsiteY10" fmla="*/ 757238 h 757238"/>
+                <a:gd name="connsiteX11" fmla="*/ 0 w 895350"/>
+                <a:gd name="connsiteY11" fmla="*/ 461963 h 757238"/>
+                <a:gd name="connsiteX0" fmla="*/ 0 w 895350"/>
+                <a:gd name="connsiteY0" fmla="*/ 461963 h 757238"/>
+                <a:gd name="connsiteX1" fmla="*/ 196850 w 895350"/>
+                <a:gd name="connsiteY1" fmla="*/ 284163 h 757238"/>
+                <a:gd name="connsiteX2" fmla="*/ 484188 w 895350"/>
+                <a:gd name="connsiteY2" fmla="*/ 100013 h 757238"/>
+                <a:gd name="connsiteX3" fmla="*/ 706438 w 895350"/>
+                <a:gd name="connsiteY3" fmla="*/ 0 h 757238"/>
+                <a:gd name="connsiteX4" fmla="*/ 793750 w 895350"/>
+                <a:gd name="connsiteY4" fmla="*/ 4763 h 757238"/>
+                <a:gd name="connsiteX5" fmla="*/ 887413 w 895350"/>
+                <a:gd name="connsiteY5" fmla="*/ 109538 h 757238"/>
+                <a:gd name="connsiteX6" fmla="*/ 890588 w 895350"/>
+                <a:gd name="connsiteY6" fmla="*/ 123825 h 757238"/>
+                <a:gd name="connsiteX7" fmla="*/ 895350 w 895350"/>
+                <a:gd name="connsiteY7" fmla="*/ 254000 h 757238"/>
+                <a:gd name="connsiteX8" fmla="*/ 731838 w 895350"/>
+                <a:gd name="connsiteY8" fmla="*/ 388938 h 757238"/>
+                <a:gd name="connsiteX9" fmla="*/ 500063 w 895350"/>
+                <a:gd name="connsiteY9" fmla="*/ 581025 h 757238"/>
+                <a:gd name="connsiteX10" fmla="*/ 177800 w 895350"/>
+                <a:gd name="connsiteY10" fmla="*/ 757238 h 757238"/>
+                <a:gd name="connsiteX11" fmla="*/ 0 w 895350"/>
+                <a:gd name="connsiteY11" fmla="*/ 461963 h 757238"/>
+                <a:gd name="connsiteX0" fmla="*/ 0 w 895350"/>
+                <a:gd name="connsiteY0" fmla="*/ 461963 h 759214"/>
+                <a:gd name="connsiteX1" fmla="*/ 196850 w 895350"/>
+                <a:gd name="connsiteY1" fmla="*/ 284163 h 759214"/>
+                <a:gd name="connsiteX2" fmla="*/ 484188 w 895350"/>
+                <a:gd name="connsiteY2" fmla="*/ 100013 h 759214"/>
+                <a:gd name="connsiteX3" fmla="*/ 706438 w 895350"/>
+                <a:gd name="connsiteY3" fmla="*/ 0 h 759214"/>
+                <a:gd name="connsiteX4" fmla="*/ 793750 w 895350"/>
+                <a:gd name="connsiteY4" fmla="*/ 4763 h 759214"/>
+                <a:gd name="connsiteX5" fmla="*/ 887413 w 895350"/>
+                <a:gd name="connsiteY5" fmla="*/ 109538 h 759214"/>
+                <a:gd name="connsiteX6" fmla="*/ 890588 w 895350"/>
+                <a:gd name="connsiteY6" fmla="*/ 123825 h 759214"/>
+                <a:gd name="connsiteX7" fmla="*/ 895350 w 895350"/>
+                <a:gd name="connsiteY7" fmla="*/ 254000 h 759214"/>
+                <a:gd name="connsiteX8" fmla="*/ 731838 w 895350"/>
+                <a:gd name="connsiteY8" fmla="*/ 388938 h 759214"/>
+                <a:gd name="connsiteX9" fmla="*/ 500063 w 895350"/>
+                <a:gd name="connsiteY9" fmla="*/ 581025 h 759214"/>
+                <a:gd name="connsiteX10" fmla="*/ 177800 w 895350"/>
+                <a:gd name="connsiteY10" fmla="*/ 757238 h 759214"/>
+                <a:gd name="connsiteX11" fmla="*/ 0 w 895350"/>
+                <a:gd name="connsiteY11" fmla="*/ 461963 h 759214"/>
+                <a:gd name="connsiteX0" fmla="*/ 0 w 895350"/>
+                <a:gd name="connsiteY0" fmla="*/ 461963 h 758992"/>
+                <a:gd name="connsiteX1" fmla="*/ 196850 w 895350"/>
+                <a:gd name="connsiteY1" fmla="*/ 284163 h 758992"/>
+                <a:gd name="connsiteX2" fmla="*/ 484188 w 895350"/>
+                <a:gd name="connsiteY2" fmla="*/ 100013 h 758992"/>
+                <a:gd name="connsiteX3" fmla="*/ 706438 w 895350"/>
+                <a:gd name="connsiteY3" fmla="*/ 0 h 758992"/>
+                <a:gd name="connsiteX4" fmla="*/ 793750 w 895350"/>
+                <a:gd name="connsiteY4" fmla="*/ 4763 h 758992"/>
+                <a:gd name="connsiteX5" fmla="*/ 887413 w 895350"/>
+                <a:gd name="connsiteY5" fmla="*/ 109538 h 758992"/>
+                <a:gd name="connsiteX6" fmla="*/ 890588 w 895350"/>
+                <a:gd name="connsiteY6" fmla="*/ 123825 h 758992"/>
+                <a:gd name="connsiteX7" fmla="*/ 895350 w 895350"/>
+                <a:gd name="connsiteY7" fmla="*/ 254000 h 758992"/>
+                <a:gd name="connsiteX8" fmla="*/ 731838 w 895350"/>
+                <a:gd name="connsiteY8" fmla="*/ 388938 h 758992"/>
+                <a:gd name="connsiteX9" fmla="*/ 522288 w 895350"/>
+                <a:gd name="connsiteY9" fmla="*/ 561975 h 758992"/>
+                <a:gd name="connsiteX10" fmla="*/ 177800 w 895350"/>
+                <a:gd name="connsiteY10" fmla="*/ 757238 h 758992"/>
+                <a:gd name="connsiteX11" fmla="*/ 0 w 895350"/>
+                <a:gd name="connsiteY11" fmla="*/ 461963 h 758992"/>
+                <a:gd name="connsiteX0" fmla="*/ 0 w 895350"/>
+                <a:gd name="connsiteY0" fmla="*/ 461963 h 757238"/>
+                <a:gd name="connsiteX1" fmla="*/ 196850 w 895350"/>
+                <a:gd name="connsiteY1" fmla="*/ 284163 h 757238"/>
+                <a:gd name="connsiteX2" fmla="*/ 484188 w 895350"/>
+                <a:gd name="connsiteY2" fmla="*/ 100013 h 757238"/>
+                <a:gd name="connsiteX3" fmla="*/ 706438 w 895350"/>
+                <a:gd name="connsiteY3" fmla="*/ 0 h 757238"/>
+                <a:gd name="connsiteX4" fmla="*/ 793750 w 895350"/>
+                <a:gd name="connsiteY4" fmla="*/ 4763 h 757238"/>
+                <a:gd name="connsiteX5" fmla="*/ 887413 w 895350"/>
+                <a:gd name="connsiteY5" fmla="*/ 109538 h 757238"/>
+                <a:gd name="connsiteX6" fmla="*/ 890588 w 895350"/>
+                <a:gd name="connsiteY6" fmla="*/ 123825 h 757238"/>
+                <a:gd name="connsiteX7" fmla="*/ 895350 w 895350"/>
+                <a:gd name="connsiteY7" fmla="*/ 254000 h 757238"/>
+                <a:gd name="connsiteX8" fmla="*/ 731838 w 895350"/>
+                <a:gd name="connsiteY8" fmla="*/ 388938 h 757238"/>
+                <a:gd name="connsiteX9" fmla="*/ 522288 w 895350"/>
+                <a:gd name="connsiteY9" fmla="*/ 561975 h 757238"/>
+                <a:gd name="connsiteX10" fmla="*/ 177800 w 895350"/>
+                <a:gd name="connsiteY10" fmla="*/ 757238 h 757238"/>
+                <a:gd name="connsiteX11" fmla="*/ 0 w 895350"/>
+                <a:gd name="connsiteY11" fmla="*/ 461963 h 757238"/>
+                <a:gd name="connsiteX0" fmla="*/ 0 w 892175"/>
+                <a:gd name="connsiteY0" fmla="*/ 471488 h 757238"/>
+                <a:gd name="connsiteX1" fmla="*/ 193675 w 892175"/>
+                <a:gd name="connsiteY1" fmla="*/ 284163 h 757238"/>
+                <a:gd name="connsiteX2" fmla="*/ 481013 w 892175"/>
+                <a:gd name="connsiteY2" fmla="*/ 100013 h 757238"/>
+                <a:gd name="connsiteX3" fmla="*/ 703263 w 892175"/>
+                <a:gd name="connsiteY3" fmla="*/ 0 h 757238"/>
+                <a:gd name="connsiteX4" fmla="*/ 790575 w 892175"/>
+                <a:gd name="connsiteY4" fmla="*/ 4763 h 757238"/>
+                <a:gd name="connsiteX5" fmla="*/ 884238 w 892175"/>
+                <a:gd name="connsiteY5" fmla="*/ 109538 h 757238"/>
+                <a:gd name="connsiteX6" fmla="*/ 887413 w 892175"/>
+                <a:gd name="connsiteY6" fmla="*/ 123825 h 757238"/>
+                <a:gd name="connsiteX7" fmla="*/ 892175 w 892175"/>
+                <a:gd name="connsiteY7" fmla="*/ 254000 h 757238"/>
+                <a:gd name="connsiteX8" fmla="*/ 728663 w 892175"/>
+                <a:gd name="connsiteY8" fmla="*/ 388938 h 757238"/>
+                <a:gd name="connsiteX9" fmla="*/ 519113 w 892175"/>
+                <a:gd name="connsiteY9" fmla="*/ 561975 h 757238"/>
+                <a:gd name="connsiteX10" fmla="*/ 174625 w 892175"/>
+                <a:gd name="connsiteY10" fmla="*/ 757238 h 757238"/>
+                <a:gd name="connsiteX11" fmla="*/ 0 w 892175"/>
+                <a:gd name="connsiteY11" fmla="*/ 471488 h 757238"/>
+                <a:gd name="connsiteX0" fmla="*/ 0 w 892175"/>
+                <a:gd name="connsiteY0" fmla="*/ 471488 h 757238"/>
+                <a:gd name="connsiteX1" fmla="*/ 193675 w 892175"/>
+                <a:gd name="connsiteY1" fmla="*/ 284163 h 757238"/>
+                <a:gd name="connsiteX2" fmla="*/ 481013 w 892175"/>
+                <a:gd name="connsiteY2" fmla="*/ 100013 h 757238"/>
+                <a:gd name="connsiteX3" fmla="*/ 703263 w 892175"/>
+                <a:gd name="connsiteY3" fmla="*/ 0 h 757238"/>
+                <a:gd name="connsiteX4" fmla="*/ 790575 w 892175"/>
+                <a:gd name="connsiteY4" fmla="*/ 4763 h 757238"/>
+                <a:gd name="connsiteX5" fmla="*/ 884238 w 892175"/>
+                <a:gd name="connsiteY5" fmla="*/ 109538 h 757238"/>
+                <a:gd name="connsiteX6" fmla="*/ 887413 w 892175"/>
+                <a:gd name="connsiteY6" fmla="*/ 123825 h 757238"/>
+                <a:gd name="connsiteX7" fmla="*/ 892175 w 892175"/>
+                <a:gd name="connsiteY7" fmla="*/ 254000 h 757238"/>
+                <a:gd name="connsiteX8" fmla="*/ 728663 w 892175"/>
+                <a:gd name="connsiteY8" fmla="*/ 388938 h 757238"/>
+                <a:gd name="connsiteX9" fmla="*/ 519113 w 892175"/>
+                <a:gd name="connsiteY9" fmla="*/ 561975 h 757238"/>
+                <a:gd name="connsiteX10" fmla="*/ 174625 w 892175"/>
+                <a:gd name="connsiteY10" fmla="*/ 757238 h 757238"/>
+                <a:gd name="connsiteX11" fmla="*/ 0 w 892175"/>
+                <a:gd name="connsiteY11" fmla="*/ 471488 h 757238"/>
+                <a:gd name="connsiteX0" fmla="*/ 0 w 892175"/>
+                <a:gd name="connsiteY0" fmla="*/ 471488 h 757238"/>
+                <a:gd name="connsiteX1" fmla="*/ 193675 w 892175"/>
+                <a:gd name="connsiteY1" fmla="*/ 284163 h 757238"/>
+                <a:gd name="connsiteX2" fmla="*/ 481013 w 892175"/>
+                <a:gd name="connsiteY2" fmla="*/ 100013 h 757238"/>
+                <a:gd name="connsiteX3" fmla="*/ 703263 w 892175"/>
+                <a:gd name="connsiteY3" fmla="*/ 0 h 757238"/>
+                <a:gd name="connsiteX4" fmla="*/ 790575 w 892175"/>
+                <a:gd name="connsiteY4" fmla="*/ 4763 h 757238"/>
+                <a:gd name="connsiteX5" fmla="*/ 884238 w 892175"/>
+                <a:gd name="connsiteY5" fmla="*/ 109538 h 757238"/>
+                <a:gd name="connsiteX6" fmla="*/ 892175 w 892175"/>
+                <a:gd name="connsiteY6" fmla="*/ 254000 h 757238"/>
+                <a:gd name="connsiteX7" fmla="*/ 728663 w 892175"/>
+                <a:gd name="connsiteY7" fmla="*/ 388938 h 757238"/>
+                <a:gd name="connsiteX8" fmla="*/ 519113 w 892175"/>
+                <a:gd name="connsiteY8" fmla="*/ 561975 h 757238"/>
+                <a:gd name="connsiteX9" fmla="*/ 174625 w 892175"/>
+                <a:gd name="connsiteY9" fmla="*/ 757238 h 757238"/>
+                <a:gd name="connsiteX10" fmla="*/ 0 w 892175"/>
+                <a:gd name="connsiteY10" fmla="*/ 471488 h 757238"/>
+                <a:gd name="connsiteX0" fmla="*/ 0 w 905524"/>
+                <a:gd name="connsiteY0" fmla="*/ 471488 h 757238"/>
+                <a:gd name="connsiteX1" fmla="*/ 193675 w 905524"/>
+                <a:gd name="connsiteY1" fmla="*/ 284163 h 757238"/>
+                <a:gd name="connsiteX2" fmla="*/ 481013 w 905524"/>
+                <a:gd name="connsiteY2" fmla="*/ 100013 h 757238"/>
+                <a:gd name="connsiteX3" fmla="*/ 703263 w 905524"/>
+                <a:gd name="connsiteY3" fmla="*/ 0 h 757238"/>
+                <a:gd name="connsiteX4" fmla="*/ 790575 w 905524"/>
+                <a:gd name="connsiteY4" fmla="*/ 4763 h 757238"/>
+                <a:gd name="connsiteX5" fmla="*/ 884238 w 905524"/>
+                <a:gd name="connsiteY5" fmla="*/ 109538 h 757238"/>
+                <a:gd name="connsiteX6" fmla="*/ 892175 w 905524"/>
+                <a:gd name="connsiteY6" fmla="*/ 254000 h 757238"/>
+                <a:gd name="connsiteX7" fmla="*/ 728663 w 905524"/>
+                <a:gd name="connsiteY7" fmla="*/ 388938 h 757238"/>
+                <a:gd name="connsiteX8" fmla="*/ 519113 w 905524"/>
+                <a:gd name="connsiteY8" fmla="*/ 561975 h 757238"/>
+                <a:gd name="connsiteX9" fmla="*/ 174625 w 905524"/>
+                <a:gd name="connsiteY9" fmla="*/ 757238 h 757238"/>
+                <a:gd name="connsiteX10" fmla="*/ 0 w 905524"/>
+                <a:gd name="connsiteY10" fmla="*/ 471488 h 757238"/>
+                <a:gd name="connsiteX0" fmla="*/ 0 w 905524"/>
+                <a:gd name="connsiteY0" fmla="*/ 489475 h 775225"/>
+                <a:gd name="connsiteX1" fmla="*/ 193675 w 905524"/>
+                <a:gd name="connsiteY1" fmla="*/ 302150 h 775225"/>
+                <a:gd name="connsiteX2" fmla="*/ 481013 w 905524"/>
+                <a:gd name="connsiteY2" fmla="*/ 118000 h 775225"/>
+                <a:gd name="connsiteX3" fmla="*/ 703263 w 905524"/>
+                <a:gd name="connsiteY3" fmla="*/ 17987 h 775225"/>
+                <a:gd name="connsiteX4" fmla="*/ 790575 w 905524"/>
+                <a:gd name="connsiteY4" fmla="*/ 22750 h 775225"/>
+                <a:gd name="connsiteX5" fmla="*/ 884238 w 905524"/>
+                <a:gd name="connsiteY5" fmla="*/ 127525 h 775225"/>
+                <a:gd name="connsiteX6" fmla="*/ 892175 w 905524"/>
+                <a:gd name="connsiteY6" fmla="*/ 271987 h 775225"/>
+                <a:gd name="connsiteX7" fmla="*/ 728663 w 905524"/>
+                <a:gd name="connsiteY7" fmla="*/ 406925 h 775225"/>
+                <a:gd name="connsiteX8" fmla="*/ 519113 w 905524"/>
+                <a:gd name="connsiteY8" fmla="*/ 579962 h 775225"/>
+                <a:gd name="connsiteX9" fmla="*/ 174625 w 905524"/>
+                <a:gd name="connsiteY9" fmla="*/ 775225 h 775225"/>
+                <a:gd name="connsiteX10" fmla="*/ 0 w 905524"/>
+                <a:gd name="connsiteY10" fmla="*/ 489475 h 775225"/>
+                <a:gd name="connsiteX0" fmla="*/ 0 w 904601"/>
+                <a:gd name="connsiteY0" fmla="*/ 482848 h 768598"/>
+                <a:gd name="connsiteX1" fmla="*/ 193675 w 904601"/>
+                <a:gd name="connsiteY1" fmla="*/ 295523 h 768598"/>
+                <a:gd name="connsiteX2" fmla="*/ 481013 w 904601"/>
+                <a:gd name="connsiteY2" fmla="*/ 111373 h 768598"/>
+                <a:gd name="connsiteX3" fmla="*/ 703263 w 904601"/>
+                <a:gd name="connsiteY3" fmla="*/ 11360 h 768598"/>
+                <a:gd name="connsiteX4" fmla="*/ 812800 w 904601"/>
+                <a:gd name="connsiteY4" fmla="*/ 14535 h 768598"/>
+                <a:gd name="connsiteX5" fmla="*/ 884238 w 904601"/>
+                <a:gd name="connsiteY5" fmla="*/ 120898 h 768598"/>
+                <a:gd name="connsiteX6" fmla="*/ 892175 w 904601"/>
+                <a:gd name="connsiteY6" fmla="*/ 265360 h 768598"/>
+                <a:gd name="connsiteX7" fmla="*/ 728663 w 904601"/>
+                <a:gd name="connsiteY7" fmla="*/ 400298 h 768598"/>
+                <a:gd name="connsiteX8" fmla="*/ 519113 w 904601"/>
+                <a:gd name="connsiteY8" fmla="*/ 573335 h 768598"/>
+                <a:gd name="connsiteX9" fmla="*/ 174625 w 904601"/>
+                <a:gd name="connsiteY9" fmla="*/ 768598 h 768598"/>
+                <a:gd name="connsiteX10" fmla="*/ 0 w 904601"/>
+                <a:gd name="connsiteY10" fmla="*/ 482848 h 768598"/>
+                <a:gd name="connsiteX0" fmla="*/ 0 w 904601"/>
+                <a:gd name="connsiteY0" fmla="*/ 482848 h 768598"/>
+                <a:gd name="connsiteX1" fmla="*/ 201612 w 904601"/>
+                <a:gd name="connsiteY1" fmla="*/ 312986 h 768598"/>
+                <a:gd name="connsiteX2" fmla="*/ 481013 w 904601"/>
+                <a:gd name="connsiteY2" fmla="*/ 111373 h 768598"/>
+                <a:gd name="connsiteX3" fmla="*/ 703263 w 904601"/>
+                <a:gd name="connsiteY3" fmla="*/ 11360 h 768598"/>
+                <a:gd name="connsiteX4" fmla="*/ 812800 w 904601"/>
+                <a:gd name="connsiteY4" fmla="*/ 14535 h 768598"/>
+                <a:gd name="connsiteX5" fmla="*/ 884238 w 904601"/>
+                <a:gd name="connsiteY5" fmla="*/ 120898 h 768598"/>
+                <a:gd name="connsiteX6" fmla="*/ 892175 w 904601"/>
+                <a:gd name="connsiteY6" fmla="*/ 265360 h 768598"/>
+                <a:gd name="connsiteX7" fmla="*/ 728663 w 904601"/>
+                <a:gd name="connsiteY7" fmla="*/ 400298 h 768598"/>
+                <a:gd name="connsiteX8" fmla="*/ 519113 w 904601"/>
+                <a:gd name="connsiteY8" fmla="*/ 573335 h 768598"/>
+                <a:gd name="connsiteX9" fmla="*/ 174625 w 904601"/>
+                <a:gd name="connsiteY9" fmla="*/ 768598 h 768598"/>
+                <a:gd name="connsiteX10" fmla="*/ 0 w 904601"/>
+                <a:gd name="connsiteY10" fmla="*/ 482848 h 768598"/>
+                <a:gd name="connsiteX0" fmla="*/ 0 w 904601"/>
+                <a:gd name="connsiteY0" fmla="*/ 482848 h 768598"/>
+                <a:gd name="connsiteX1" fmla="*/ 201612 w 904601"/>
+                <a:gd name="connsiteY1" fmla="*/ 312986 h 768598"/>
+                <a:gd name="connsiteX2" fmla="*/ 481013 w 904601"/>
+                <a:gd name="connsiteY2" fmla="*/ 111373 h 768598"/>
+                <a:gd name="connsiteX3" fmla="*/ 703263 w 904601"/>
+                <a:gd name="connsiteY3" fmla="*/ 11360 h 768598"/>
+                <a:gd name="connsiteX4" fmla="*/ 812800 w 904601"/>
+                <a:gd name="connsiteY4" fmla="*/ 14535 h 768598"/>
+                <a:gd name="connsiteX5" fmla="*/ 884238 w 904601"/>
+                <a:gd name="connsiteY5" fmla="*/ 120898 h 768598"/>
+                <a:gd name="connsiteX6" fmla="*/ 892175 w 904601"/>
+                <a:gd name="connsiteY6" fmla="*/ 265360 h 768598"/>
+                <a:gd name="connsiteX7" fmla="*/ 728663 w 904601"/>
+                <a:gd name="connsiteY7" fmla="*/ 400298 h 768598"/>
+                <a:gd name="connsiteX8" fmla="*/ 519113 w 904601"/>
+                <a:gd name="connsiteY8" fmla="*/ 573335 h 768598"/>
+                <a:gd name="connsiteX9" fmla="*/ 174625 w 904601"/>
+                <a:gd name="connsiteY9" fmla="*/ 768598 h 768598"/>
+                <a:gd name="connsiteX10" fmla="*/ 0 w 904601"/>
+                <a:gd name="connsiteY10" fmla="*/ 482848 h 768598"/>
+              </a:gdLst>
+              <a:ahLst/>
+              <a:cxnLst>
+                <a:cxn ang="0">
+                  <a:pos x="connsiteX0" y="connsiteY0"/>
+                </a:cxn>
+                <a:cxn ang="0">
+                  <a:pos x="connsiteX1" y="connsiteY1"/>
+                </a:cxn>
+                <a:cxn ang="0">
+                  <a:pos x="connsiteX2" y="connsiteY2"/>
+                </a:cxn>
+                <a:cxn ang="0">
+                  <a:pos x="connsiteX3" y="connsiteY3"/>
+                </a:cxn>
+                <a:cxn ang="0">
+                  <a:pos x="connsiteX4" y="connsiteY4"/>
+                </a:cxn>
+                <a:cxn ang="0">
+                  <a:pos x="connsiteX5" y="connsiteY5"/>
+                </a:cxn>
+                <a:cxn ang="0">
+                  <a:pos x="connsiteX6" y="connsiteY6"/>
+                </a:cxn>
+                <a:cxn ang="0">
+                  <a:pos x="connsiteX7" y="connsiteY7"/>
+                </a:cxn>
+                <a:cxn ang="0">
+                  <a:pos x="connsiteX8" y="connsiteY8"/>
+                </a:cxn>
+                <a:cxn ang="0">
+                  <a:pos x="connsiteX9" y="connsiteY9"/>
+                </a:cxn>
+                <a:cxn ang="0">
+                  <a:pos x="connsiteX10" y="connsiteY10"/>
+                </a:cxn>
+              </a:cxnLst>
+              <a:rect l="l" t="t" r="r" b="b"/>
+              <a:pathLst>
+                <a:path w="904601" h="768598">
+                  <a:moveTo>
+                    <a:pt x="0" y="482848"/>
+                  </a:moveTo>
+                  <a:cubicBezTo>
+                    <a:pt x="60325" y="388127"/>
+                    <a:pt x="121443" y="374899"/>
+                    <a:pt x="201612" y="312986"/>
+                  </a:cubicBezTo>
+                  <a:cubicBezTo>
+                    <a:pt x="281781" y="251073"/>
+                    <a:pt x="397405" y="161644"/>
+                    <a:pt x="481013" y="111373"/>
+                  </a:cubicBezTo>
+                  <a:cubicBezTo>
+                    <a:pt x="564621" y="61102"/>
+                    <a:pt x="647965" y="27500"/>
+                    <a:pt x="703263" y="11360"/>
+                  </a:cubicBezTo>
+                  <a:cubicBezTo>
+                    <a:pt x="758561" y="-4780"/>
+                    <a:pt x="782637" y="-3721"/>
+                    <a:pt x="812800" y="14535"/>
+                  </a:cubicBezTo>
+                  <a:cubicBezTo>
+                    <a:pt x="842963" y="32791"/>
+                    <a:pt x="871009" y="79094"/>
+                    <a:pt x="884238" y="120898"/>
+                  </a:cubicBezTo>
+                  <a:cubicBezTo>
+                    <a:pt x="897467" y="162702"/>
+                    <a:pt x="918104" y="218793"/>
+                    <a:pt x="892175" y="265360"/>
+                  </a:cubicBezTo>
+                  <a:lnTo>
+                    <a:pt x="728663" y="400298"/>
+                  </a:lnTo>
+                  <a:cubicBezTo>
+                    <a:pt x="666486" y="451627"/>
+                    <a:pt x="611453" y="511952"/>
+                    <a:pt x="519113" y="573335"/>
+                  </a:cubicBezTo>
+                  <a:cubicBezTo>
+                    <a:pt x="426773" y="634718"/>
+                    <a:pt x="281782" y="756692"/>
+                    <a:pt x="174625" y="768598"/>
+                  </a:cubicBezTo>
+                  <a:lnTo>
+                    <a:pt x="0" y="482848"/>
+                  </a:lnTo>
+                  <a:close/>
+                </a:path>
+              </a:pathLst>
+            </a:custGeom>
+            <a:solidFill>
+              <a:srgbClr val="663300"/>
+            </a:solidFill>
+            <a:ln w="9525">
+              <a:solidFill>
+                <a:srgbClr val="AA7138"/>
+              </a:solidFill>
+            </a:ln>
+          </p:spPr>
+          <p:style>
+            <a:lnRef idx="2">
+              <a:schemeClr val="accent1">
+                <a:shade val="50000"/>
+              </a:schemeClr>
+            </a:lnRef>
+            <a:fillRef idx="1">
+              <a:schemeClr val="accent1"/>
+            </a:fillRef>
+            <a:effectRef idx="0">
+              <a:schemeClr val="accent1"/>
+            </a:effectRef>
+            <a:fontRef idx="minor">
+              <a:schemeClr val="lt1"/>
+            </a:fontRef>
+          </p:style>
+          <p:txBody>
+            <a:bodyPr rtlCol="0" anchor="ctr"/>
+            <a:lstStyle/>
+            <a:p>
+              <a:pPr algn="ctr"/>
+              <a:endParaRPr lang="en-US"/>
+            </a:p>
+          </p:txBody>
+        </p:sp>
+        <p:sp>
+          <p:nvSpPr>
+            <p:cNvPr id="63" name="Oval 62"/>
+            <p:cNvSpPr/>
+            <p:nvPr/>
+          </p:nvSpPr>
+          <p:spPr>
+            <a:xfrm>
+              <a:off x="9199517" y="3353130"/>
+              <a:ext cx="302183" cy="375166"/>
+            </a:xfrm>
+            <a:prstGeom prst="ellipse">
+              <a:avLst/>
+            </a:prstGeom>
+            <a:solidFill>
+              <a:srgbClr val="663300"/>
+            </a:solidFill>
+            <a:ln w="9525">
+              <a:solidFill>
+                <a:srgbClr val="AA7138"/>
+              </a:solidFill>
+            </a:ln>
+          </p:spPr>
+          <p:style>
+            <a:lnRef idx="2">
+              <a:schemeClr val="accent1">
+                <a:shade val="50000"/>
+              </a:schemeClr>
+            </a:lnRef>
+            <a:fillRef idx="1">
+              <a:schemeClr val="accent1"/>
+            </a:fillRef>
+            <a:effectRef idx="0">
+              <a:schemeClr val="accent1"/>
+            </a:effectRef>
+            <a:fontRef idx="minor">
+              <a:schemeClr val="lt1"/>
+            </a:fontRef>
+          </p:style>
+          <p:txBody>
+            <a:bodyPr rtlCol="0" anchor="ctr"/>
+            <a:lstStyle/>
+            <a:p>
+              <a:pPr algn="ctr"/>
+              <a:endParaRPr lang="en-US"/>
+            </a:p>
+          </p:txBody>
+        </p:sp>
+        <p:sp>
+          <p:nvSpPr>
+            <p:cNvPr id="64" name="Oval 63"/>
+            <p:cNvSpPr/>
+            <p:nvPr/>
+          </p:nvSpPr>
+          <p:spPr>
+            <a:xfrm>
+              <a:off x="9232492" y="3406770"/>
+              <a:ext cx="236232" cy="293286"/>
+            </a:xfrm>
+            <a:prstGeom prst="ellipse">
+              <a:avLst/>
+            </a:prstGeom>
+            <a:noFill/>
+            <a:ln w="9525">
+              <a:solidFill>
+                <a:srgbClr val="AA7138"/>
+              </a:solidFill>
+            </a:ln>
+          </p:spPr>
+          <p:style>
+            <a:lnRef idx="2">
+              <a:schemeClr val="accent1">
+                <a:shade val="50000"/>
+              </a:schemeClr>
+            </a:lnRef>
+            <a:fillRef idx="1">
+              <a:schemeClr val="accent1"/>
+            </a:fillRef>
+            <a:effectRef idx="0">
+              <a:schemeClr val="accent1"/>
+            </a:effectRef>
+            <a:fontRef idx="minor">
+              <a:schemeClr val="lt1"/>
+            </a:fontRef>
+          </p:style>
+          <p:txBody>
+            <a:bodyPr rtlCol="0" anchor="ctr"/>
+            <a:lstStyle/>
+            <a:p>
+              <a:pPr algn="ctr"/>
+              <a:endParaRPr lang="en-US"/>
+            </a:p>
+          </p:txBody>
+        </p:sp>
+        <p:sp>
+          <p:nvSpPr>
+            <p:cNvPr id="65" name="Oval 64"/>
+            <p:cNvSpPr/>
+            <p:nvPr/>
+          </p:nvSpPr>
+          <p:spPr>
+            <a:xfrm>
+              <a:off x="9278140" y="3466772"/>
+              <a:ext cx="160032" cy="198682"/>
+            </a:xfrm>
+            <a:prstGeom prst="ellipse">
+              <a:avLst/>
+            </a:prstGeom>
+            <a:noFill/>
+            <a:ln w="9525">
+              <a:solidFill>
+                <a:srgbClr val="AA7138"/>
+              </a:solidFill>
+            </a:ln>
+          </p:spPr>
+          <p:style>
+            <a:lnRef idx="2">
+              <a:schemeClr val="accent1">
+                <a:shade val="50000"/>
+              </a:schemeClr>
+            </a:lnRef>
+            <a:fillRef idx="1">
+              <a:schemeClr val="accent1"/>
+            </a:fillRef>
+            <a:effectRef idx="0">
+              <a:schemeClr val="accent1"/>
+            </a:effectRef>
+            <a:fontRef idx="minor">
+              <a:schemeClr val="lt1"/>
+            </a:fontRef>
+          </p:style>
+          <p:txBody>
+            <a:bodyPr rtlCol="0" anchor="ctr"/>
+            <a:lstStyle/>
+            <a:p>
+              <a:pPr algn="ctr"/>
+              <a:endParaRPr lang="en-US"/>
+            </a:p>
+          </p:txBody>
+        </p:sp>
+        <p:sp>
+          <p:nvSpPr>
+            <p:cNvPr id="66" name="Oval 65"/>
+            <p:cNvSpPr/>
+            <p:nvPr/>
+          </p:nvSpPr>
+          <p:spPr>
+            <a:xfrm>
+              <a:off x="9317438" y="3527553"/>
+              <a:ext cx="81436" cy="101104"/>
+            </a:xfrm>
+            <a:prstGeom prst="ellipse">
+              <a:avLst/>
+            </a:prstGeom>
+            <a:noFill/>
+            <a:ln w="9525">
+              <a:solidFill>
+                <a:srgbClr val="AA7138"/>
+              </a:solidFill>
+            </a:ln>
+          </p:spPr>
+          <p:style>
+            <a:lnRef idx="2">
+              <a:schemeClr val="accent1">
+                <a:shade val="50000"/>
+              </a:schemeClr>
+            </a:lnRef>
+            <a:fillRef idx="1">
+              <a:schemeClr val="accent1"/>
+            </a:fillRef>
+            <a:effectRef idx="0">
+              <a:schemeClr val="accent1"/>
+            </a:effectRef>
+            <a:fontRef idx="minor">
+              <a:schemeClr val="lt1"/>
+            </a:fontRef>
+          </p:style>
+          <p:txBody>
+            <a:bodyPr rtlCol="0" anchor="ctr"/>
+            <a:lstStyle/>
+            <a:p>
+              <a:pPr algn="ctr"/>
+              <a:endParaRPr lang="en-US"/>
+            </a:p>
+          </p:txBody>
+        </p:sp>
+        <p:sp>
+          <p:nvSpPr>
+            <p:cNvPr id="67" name="Freeform 66"/>
+            <p:cNvSpPr/>
+            <p:nvPr/>
+          </p:nvSpPr>
+          <p:spPr>
+            <a:xfrm>
+              <a:off x="9461500" y="3026833"/>
+              <a:ext cx="533400" cy="328084"/>
+            </a:xfrm>
+            <a:custGeom>
+              <a:avLst/>
+              <a:gdLst>
+                <a:gd name="connsiteX0" fmla="*/ 0 w 533400"/>
+                <a:gd name="connsiteY0" fmla="*/ 328084 h 328084"/>
+                <a:gd name="connsiteX1" fmla="*/ 118533 w 533400"/>
+                <a:gd name="connsiteY1" fmla="*/ 298450 h 328084"/>
+                <a:gd name="connsiteX2" fmla="*/ 330200 w 533400"/>
+                <a:gd name="connsiteY2" fmla="*/ 150284 h 328084"/>
+                <a:gd name="connsiteX3" fmla="*/ 533400 w 533400"/>
+                <a:gd name="connsiteY3" fmla="*/ 0 h 328084"/>
+              </a:gdLst>
+              <a:ahLst/>
+              <a:cxnLst>
+                <a:cxn ang="0">
+                  <a:pos x="connsiteX0" y="connsiteY0"/>
+                </a:cxn>
+                <a:cxn ang="0">
+                  <a:pos x="connsiteX1" y="connsiteY1"/>
+                </a:cxn>
+                <a:cxn ang="0">
+                  <a:pos x="connsiteX2" y="connsiteY2"/>
+                </a:cxn>
+                <a:cxn ang="0">
+                  <a:pos x="connsiteX3" y="connsiteY3"/>
+                </a:cxn>
+              </a:cxnLst>
+              <a:rect l="l" t="t" r="r" b="b"/>
+              <a:pathLst>
+                <a:path w="533400" h="328084">
+                  <a:moveTo>
+                    <a:pt x="0" y="328084"/>
+                  </a:moveTo>
+                  <a:cubicBezTo>
+                    <a:pt x="31750" y="328083"/>
+                    <a:pt x="63500" y="328083"/>
+                    <a:pt x="118533" y="298450"/>
+                  </a:cubicBezTo>
+                  <a:cubicBezTo>
+                    <a:pt x="173566" y="268817"/>
+                    <a:pt x="261056" y="200026"/>
+                    <a:pt x="330200" y="150284"/>
+                  </a:cubicBezTo>
+                  <a:cubicBezTo>
+                    <a:pt x="399345" y="100542"/>
+                    <a:pt x="466372" y="50271"/>
+                    <a:pt x="533400" y="0"/>
+                  </a:cubicBezTo>
+                </a:path>
+              </a:pathLst>
+            </a:custGeom>
+            <a:noFill/>
+            <a:ln w="9525">
+              <a:solidFill>
+                <a:srgbClr val="AA7138"/>
+              </a:solidFill>
+            </a:ln>
+          </p:spPr>
+          <p:style>
+            <a:lnRef idx="2">
+              <a:schemeClr val="accent1">
+                <a:shade val="50000"/>
+              </a:schemeClr>
+            </a:lnRef>
+            <a:fillRef idx="1">
+              <a:schemeClr val="accent1"/>
+            </a:fillRef>
+            <a:effectRef idx="0">
+              <a:schemeClr val="accent1"/>
+            </a:effectRef>
+            <a:fontRef idx="minor">
+              <a:schemeClr val="lt1"/>
+            </a:fontRef>
+          </p:style>
+          <p:txBody>
+            <a:bodyPr rtlCol="0" anchor="ctr"/>
+            <a:lstStyle/>
+            <a:p>
+              <a:pPr algn="ctr"/>
+              <a:endParaRPr lang="en-US"/>
+            </a:p>
+          </p:txBody>
+        </p:sp>
+        <p:sp>
+          <p:nvSpPr>
+            <p:cNvPr id="68" name="Freeform 67"/>
+            <p:cNvSpPr/>
+            <p:nvPr/>
+          </p:nvSpPr>
+          <p:spPr>
+            <a:xfrm>
+              <a:off x="9529607" y="3093535"/>
+              <a:ext cx="533400" cy="328084"/>
+            </a:xfrm>
+            <a:custGeom>
+              <a:avLst/>
+              <a:gdLst>
+                <a:gd name="connsiteX0" fmla="*/ 0 w 533400"/>
+                <a:gd name="connsiteY0" fmla="*/ 328084 h 328084"/>
+                <a:gd name="connsiteX1" fmla="*/ 118533 w 533400"/>
+                <a:gd name="connsiteY1" fmla="*/ 298450 h 328084"/>
+                <a:gd name="connsiteX2" fmla="*/ 330200 w 533400"/>
+                <a:gd name="connsiteY2" fmla="*/ 150284 h 328084"/>
+                <a:gd name="connsiteX3" fmla="*/ 533400 w 533400"/>
+                <a:gd name="connsiteY3" fmla="*/ 0 h 328084"/>
+              </a:gdLst>
+              <a:ahLst/>
+              <a:cxnLst>
+                <a:cxn ang="0">
+                  <a:pos x="connsiteX0" y="connsiteY0"/>
+                </a:cxn>
+                <a:cxn ang="0">
+                  <a:pos x="connsiteX1" y="connsiteY1"/>
+                </a:cxn>
+                <a:cxn ang="0">
+                  <a:pos x="connsiteX2" y="connsiteY2"/>
+                </a:cxn>
+                <a:cxn ang="0">
+                  <a:pos x="connsiteX3" y="connsiteY3"/>
+                </a:cxn>
+              </a:cxnLst>
+              <a:rect l="l" t="t" r="r" b="b"/>
+              <a:pathLst>
+                <a:path w="533400" h="328084">
+                  <a:moveTo>
+                    <a:pt x="0" y="328084"/>
+                  </a:moveTo>
+                  <a:cubicBezTo>
+                    <a:pt x="31750" y="328083"/>
+                    <a:pt x="63500" y="328083"/>
+                    <a:pt x="118533" y="298450"/>
+                  </a:cubicBezTo>
+                  <a:cubicBezTo>
+                    <a:pt x="173566" y="268817"/>
+                    <a:pt x="261056" y="200026"/>
+                    <a:pt x="330200" y="150284"/>
+                  </a:cubicBezTo>
+                  <a:cubicBezTo>
+                    <a:pt x="399345" y="100542"/>
+                    <a:pt x="466372" y="50271"/>
+                    <a:pt x="533400" y="0"/>
+                  </a:cubicBezTo>
+                </a:path>
+              </a:pathLst>
+            </a:custGeom>
+            <a:noFill/>
+            <a:ln w="9525">
+              <a:solidFill>
+                <a:srgbClr val="AA7138"/>
+              </a:solidFill>
+            </a:ln>
+          </p:spPr>
+          <p:style>
+            <a:lnRef idx="2">
+              <a:schemeClr val="accent1">
+                <a:shade val="50000"/>
+              </a:schemeClr>
+            </a:lnRef>
+            <a:fillRef idx="1">
+              <a:schemeClr val="accent1"/>
+            </a:fillRef>
+            <a:effectRef idx="0">
+              <a:schemeClr val="accent1"/>
+            </a:effectRef>
+            <a:fontRef idx="minor">
+              <a:schemeClr val="lt1"/>
+            </a:fontRef>
+          </p:style>
+          <p:txBody>
+            <a:bodyPr rtlCol="0" anchor="ctr"/>
+            <a:lstStyle/>
+            <a:p>
+              <a:pPr algn="ctr"/>
+              <a:endParaRPr lang="en-US"/>
+            </a:p>
+          </p:txBody>
+        </p:sp>
+        <p:sp>
+          <p:nvSpPr>
+            <p:cNvPr id="69" name="Freeform 68"/>
+            <p:cNvSpPr/>
+            <p:nvPr/>
+          </p:nvSpPr>
+          <p:spPr>
+            <a:xfrm>
+              <a:off x="9529607" y="3216802"/>
+              <a:ext cx="533400" cy="328084"/>
+            </a:xfrm>
+            <a:custGeom>
+              <a:avLst/>
+              <a:gdLst>
+                <a:gd name="connsiteX0" fmla="*/ 0 w 533400"/>
+                <a:gd name="connsiteY0" fmla="*/ 328084 h 328084"/>
+                <a:gd name="connsiteX1" fmla="*/ 118533 w 533400"/>
+                <a:gd name="connsiteY1" fmla="*/ 298450 h 328084"/>
+                <a:gd name="connsiteX2" fmla="*/ 330200 w 533400"/>
+                <a:gd name="connsiteY2" fmla="*/ 150284 h 328084"/>
+                <a:gd name="connsiteX3" fmla="*/ 533400 w 533400"/>
+                <a:gd name="connsiteY3" fmla="*/ 0 h 328084"/>
+              </a:gdLst>
+              <a:ahLst/>
+              <a:cxnLst>
+                <a:cxn ang="0">
+                  <a:pos x="connsiteX0" y="connsiteY0"/>
+                </a:cxn>
+                <a:cxn ang="0">
+                  <a:pos x="connsiteX1" y="connsiteY1"/>
+                </a:cxn>
+                <a:cxn ang="0">
+                  <a:pos x="connsiteX2" y="connsiteY2"/>
+                </a:cxn>
+                <a:cxn ang="0">
+                  <a:pos x="connsiteX3" y="connsiteY3"/>
+                </a:cxn>
+              </a:cxnLst>
+              <a:rect l="l" t="t" r="r" b="b"/>
+              <a:pathLst>
+                <a:path w="533400" h="328084">
+                  <a:moveTo>
+                    <a:pt x="0" y="328084"/>
+                  </a:moveTo>
+                  <a:cubicBezTo>
+                    <a:pt x="31750" y="328083"/>
+                    <a:pt x="63500" y="328083"/>
+                    <a:pt x="118533" y="298450"/>
+                  </a:cubicBezTo>
+                  <a:cubicBezTo>
+                    <a:pt x="173566" y="268817"/>
+                    <a:pt x="261056" y="200026"/>
+                    <a:pt x="330200" y="150284"/>
+                  </a:cubicBezTo>
+                  <a:cubicBezTo>
+                    <a:pt x="399345" y="100542"/>
+                    <a:pt x="466372" y="50271"/>
+                    <a:pt x="533400" y="0"/>
+                  </a:cubicBezTo>
+                </a:path>
+              </a:pathLst>
+            </a:custGeom>
+            <a:noFill/>
+            <a:ln w="9525">
+              <a:solidFill>
+                <a:srgbClr val="AA7138"/>
+              </a:solidFill>
+            </a:ln>
+          </p:spPr>
+          <p:style>
+            <a:lnRef idx="2">
+              <a:schemeClr val="accent1">
+                <a:shade val="50000"/>
+              </a:schemeClr>
+            </a:lnRef>
+            <a:fillRef idx="1">
+              <a:schemeClr val="accent1"/>
+            </a:fillRef>
+            <a:effectRef idx="0">
+              <a:schemeClr val="accent1"/>
+            </a:effectRef>
+            <a:fontRef idx="minor">
+              <a:schemeClr val="lt1"/>
+            </a:fontRef>
+          </p:style>
+          <p:txBody>
+            <a:bodyPr rtlCol="0" anchor="ctr"/>
+            <a:lstStyle/>
+            <a:p>
+              <a:pPr algn="ctr"/>
+              <a:endParaRPr lang="en-US"/>
+            </a:p>
+          </p:txBody>
+        </p:sp>
+      </p:grpSp>
+      <p:grpSp>
+        <p:nvGrpSpPr>
+          <p:cNvPr id="70" name="Group 69"/>
+          <p:cNvGrpSpPr/>
+          <p:nvPr/>
+        </p:nvGrpSpPr>
+        <p:grpSpPr>
+          <a:xfrm>
+            <a:off x="6837634" y="3782476"/>
+            <a:ext cx="192272" cy="98238"/>
+            <a:chOff x="6538659" y="1975724"/>
+            <a:chExt cx="480917" cy="245717"/>
+          </a:xfrm>
+        </p:grpSpPr>
+        <p:sp>
+          <p:nvSpPr>
+            <p:cNvPr id="71" name="Freeform 70"/>
+            <p:cNvSpPr/>
+            <p:nvPr/>
+          </p:nvSpPr>
+          <p:spPr>
+            <a:xfrm>
+              <a:off x="6538659" y="1975724"/>
+              <a:ext cx="480917" cy="245717"/>
+            </a:xfrm>
+            <a:custGeom>
+              <a:avLst/>
+              <a:gdLst>
+                <a:gd name="connsiteX0" fmla="*/ 10583 w 482600"/>
+                <a:gd name="connsiteY0" fmla="*/ 82550 h 245534"/>
+                <a:gd name="connsiteX1" fmla="*/ 29633 w 482600"/>
+                <a:gd name="connsiteY1" fmla="*/ 158750 h 245534"/>
+                <a:gd name="connsiteX2" fmla="*/ 0 w 482600"/>
+                <a:gd name="connsiteY2" fmla="*/ 207434 h 245534"/>
+                <a:gd name="connsiteX3" fmla="*/ 67733 w 482600"/>
+                <a:gd name="connsiteY3" fmla="*/ 243417 h 245534"/>
+                <a:gd name="connsiteX4" fmla="*/ 190500 w 482600"/>
+                <a:gd name="connsiteY4" fmla="*/ 245534 h 245534"/>
+                <a:gd name="connsiteX5" fmla="*/ 340783 w 482600"/>
+                <a:gd name="connsiteY5" fmla="*/ 234950 h 245534"/>
+                <a:gd name="connsiteX6" fmla="*/ 427566 w 482600"/>
+                <a:gd name="connsiteY6" fmla="*/ 201084 h 245534"/>
+                <a:gd name="connsiteX7" fmla="*/ 482600 w 482600"/>
+                <a:gd name="connsiteY7" fmla="*/ 122767 h 245534"/>
+                <a:gd name="connsiteX8" fmla="*/ 463550 w 482600"/>
+                <a:gd name="connsiteY8" fmla="*/ 27517 h 245534"/>
+                <a:gd name="connsiteX9" fmla="*/ 361950 w 482600"/>
+                <a:gd name="connsiteY9" fmla="*/ 0 h 245534"/>
+                <a:gd name="connsiteX10" fmla="*/ 249766 w 482600"/>
+                <a:gd name="connsiteY10" fmla="*/ 14817 h 245534"/>
+                <a:gd name="connsiteX11" fmla="*/ 158750 w 482600"/>
+                <a:gd name="connsiteY11" fmla="*/ 0 h 245534"/>
+                <a:gd name="connsiteX12" fmla="*/ 35983 w 482600"/>
+                <a:gd name="connsiteY12" fmla="*/ 23284 h 245534"/>
+                <a:gd name="connsiteX13" fmla="*/ 10583 w 482600"/>
+                <a:gd name="connsiteY13" fmla="*/ 82550 h 245534"/>
+                <a:gd name="connsiteX0" fmla="*/ 11367 w 483384"/>
+                <a:gd name="connsiteY0" fmla="*/ 82550 h 245534"/>
+                <a:gd name="connsiteX1" fmla="*/ 30417 w 483384"/>
+                <a:gd name="connsiteY1" fmla="*/ 158750 h 245534"/>
+                <a:gd name="connsiteX2" fmla="*/ 784 w 483384"/>
+                <a:gd name="connsiteY2" fmla="*/ 207434 h 245534"/>
+                <a:gd name="connsiteX3" fmla="*/ 68517 w 483384"/>
+                <a:gd name="connsiteY3" fmla="*/ 243417 h 245534"/>
+                <a:gd name="connsiteX4" fmla="*/ 191284 w 483384"/>
+                <a:gd name="connsiteY4" fmla="*/ 245534 h 245534"/>
+                <a:gd name="connsiteX5" fmla="*/ 341567 w 483384"/>
+                <a:gd name="connsiteY5" fmla="*/ 234950 h 245534"/>
+                <a:gd name="connsiteX6" fmla="*/ 428350 w 483384"/>
+                <a:gd name="connsiteY6" fmla="*/ 201084 h 245534"/>
+                <a:gd name="connsiteX7" fmla="*/ 483384 w 483384"/>
+                <a:gd name="connsiteY7" fmla="*/ 122767 h 245534"/>
+                <a:gd name="connsiteX8" fmla="*/ 464334 w 483384"/>
+                <a:gd name="connsiteY8" fmla="*/ 27517 h 245534"/>
+                <a:gd name="connsiteX9" fmla="*/ 362734 w 483384"/>
+                <a:gd name="connsiteY9" fmla="*/ 0 h 245534"/>
+                <a:gd name="connsiteX10" fmla="*/ 250550 w 483384"/>
+                <a:gd name="connsiteY10" fmla="*/ 14817 h 245534"/>
+                <a:gd name="connsiteX11" fmla="*/ 159534 w 483384"/>
+                <a:gd name="connsiteY11" fmla="*/ 0 h 245534"/>
+                <a:gd name="connsiteX12" fmla="*/ 36767 w 483384"/>
+                <a:gd name="connsiteY12" fmla="*/ 23284 h 245534"/>
+                <a:gd name="connsiteX13" fmla="*/ 11367 w 483384"/>
+                <a:gd name="connsiteY13" fmla="*/ 82550 h 245534"/>
+                <a:gd name="connsiteX0" fmla="*/ 11367 w 483384"/>
+                <a:gd name="connsiteY0" fmla="*/ 82636 h 245620"/>
+                <a:gd name="connsiteX1" fmla="*/ 30417 w 483384"/>
+                <a:gd name="connsiteY1" fmla="*/ 158836 h 245620"/>
+                <a:gd name="connsiteX2" fmla="*/ 784 w 483384"/>
+                <a:gd name="connsiteY2" fmla="*/ 207520 h 245620"/>
+                <a:gd name="connsiteX3" fmla="*/ 68517 w 483384"/>
+                <a:gd name="connsiteY3" fmla="*/ 243503 h 245620"/>
+                <a:gd name="connsiteX4" fmla="*/ 191284 w 483384"/>
+                <a:gd name="connsiteY4" fmla="*/ 245620 h 245620"/>
+                <a:gd name="connsiteX5" fmla="*/ 341567 w 483384"/>
+                <a:gd name="connsiteY5" fmla="*/ 235036 h 245620"/>
+                <a:gd name="connsiteX6" fmla="*/ 428350 w 483384"/>
+                <a:gd name="connsiteY6" fmla="*/ 201170 h 245620"/>
+                <a:gd name="connsiteX7" fmla="*/ 483384 w 483384"/>
+                <a:gd name="connsiteY7" fmla="*/ 122853 h 245620"/>
+                <a:gd name="connsiteX8" fmla="*/ 464334 w 483384"/>
+                <a:gd name="connsiteY8" fmla="*/ 27603 h 245620"/>
+                <a:gd name="connsiteX9" fmla="*/ 362734 w 483384"/>
+                <a:gd name="connsiteY9" fmla="*/ 86 h 245620"/>
+                <a:gd name="connsiteX10" fmla="*/ 250550 w 483384"/>
+                <a:gd name="connsiteY10" fmla="*/ 14903 h 245620"/>
+                <a:gd name="connsiteX11" fmla="*/ 159534 w 483384"/>
+                <a:gd name="connsiteY11" fmla="*/ 86 h 245620"/>
+                <a:gd name="connsiteX12" fmla="*/ 36767 w 483384"/>
+                <a:gd name="connsiteY12" fmla="*/ 23370 h 245620"/>
+                <a:gd name="connsiteX13" fmla="*/ 11367 w 483384"/>
+                <a:gd name="connsiteY13" fmla="*/ 82636 h 245620"/>
+                <a:gd name="connsiteX0" fmla="*/ 11367 w 483384"/>
+                <a:gd name="connsiteY0" fmla="*/ 82636 h 245620"/>
+                <a:gd name="connsiteX1" fmla="*/ 30417 w 483384"/>
+                <a:gd name="connsiteY1" fmla="*/ 158836 h 245620"/>
+                <a:gd name="connsiteX2" fmla="*/ 784 w 483384"/>
+                <a:gd name="connsiteY2" fmla="*/ 207520 h 245620"/>
+                <a:gd name="connsiteX3" fmla="*/ 68517 w 483384"/>
+                <a:gd name="connsiteY3" fmla="*/ 243503 h 245620"/>
+                <a:gd name="connsiteX4" fmla="*/ 191284 w 483384"/>
+                <a:gd name="connsiteY4" fmla="*/ 245620 h 245620"/>
+                <a:gd name="connsiteX5" fmla="*/ 341567 w 483384"/>
+                <a:gd name="connsiteY5" fmla="*/ 235036 h 245620"/>
+                <a:gd name="connsiteX6" fmla="*/ 428350 w 483384"/>
+                <a:gd name="connsiteY6" fmla="*/ 201170 h 245620"/>
+                <a:gd name="connsiteX7" fmla="*/ 483384 w 483384"/>
+                <a:gd name="connsiteY7" fmla="*/ 122853 h 245620"/>
+                <a:gd name="connsiteX8" fmla="*/ 464334 w 483384"/>
+                <a:gd name="connsiteY8" fmla="*/ 27603 h 245620"/>
+                <a:gd name="connsiteX9" fmla="*/ 362734 w 483384"/>
+                <a:gd name="connsiteY9" fmla="*/ 86 h 245620"/>
+                <a:gd name="connsiteX10" fmla="*/ 250550 w 483384"/>
+                <a:gd name="connsiteY10" fmla="*/ 14903 h 245620"/>
+                <a:gd name="connsiteX11" fmla="*/ 159534 w 483384"/>
+                <a:gd name="connsiteY11" fmla="*/ 86 h 245620"/>
+                <a:gd name="connsiteX12" fmla="*/ 36767 w 483384"/>
+                <a:gd name="connsiteY12" fmla="*/ 23370 h 245620"/>
+                <a:gd name="connsiteX13" fmla="*/ 11367 w 483384"/>
+                <a:gd name="connsiteY13" fmla="*/ 82636 h 245620"/>
+                <a:gd name="connsiteX0" fmla="*/ 11367 w 483384"/>
+                <a:gd name="connsiteY0" fmla="*/ 82733 h 245717"/>
+                <a:gd name="connsiteX1" fmla="*/ 30417 w 483384"/>
+                <a:gd name="connsiteY1" fmla="*/ 158933 h 245717"/>
+                <a:gd name="connsiteX2" fmla="*/ 784 w 483384"/>
+                <a:gd name="connsiteY2" fmla="*/ 207617 h 245717"/>
+                <a:gd name="connsiteX3" fmla="*/ 68517 w 483384"/>
+                <a:gd name="connsiteY3" fmla="*/ 243600 h 245717"/>
+                <a:gd name="connsiteX4" fmla="*/ 191284 w 483384"/>
+                <a:gd name="connsiteY4" fmla="*/ 245717 h 245717"/>
+                <a:gd name="connsiteX5" fmla="*/ 341567 w 483384"/>
+                <a:gd name="connsiteY5" fmla="*/ 235133 h 245717"/>
+                <a:gd name="connsiteX6" fmla="*/ 428350 w 483384"/>
+                <a:gd name="connsiteY6" fmla="*/ 201267 h 245717"/>
+                <a:gd name="connsiteX7" fmla="*/ 483384 w 483384"/>
+                <a:gd name="connsiteY7" fmla="*/ 122950 h 245717"/>
+                <a:gd name="connsiteX8" fmla="*/ 464334 w 483384"/>
+                <a:gd name="connsiteY8" fmla="*/ 27700 h 245717"/>
+                <a:gd name="connsiteX9" fmla="*/ 362734 w 483384"/>
+                <a:gd name="connsiteY9" fmla="*/ 183 h 245717"/>
+                <a:gd name="connsiteX10" fmla="*/ 250550 w 483384"/>
+                <a:gd name="connsiteY10" fmla="*/ 15000 h 245717"/>
+                <a:gd name="connsiteX11" fmla="*/ 159534 w 483384"/>
+                <a:gd name="connsiteY11" fmla="*/ 183 h 245717"/>
+                <a:gd name="connsiteX12" fmla="*/ 36767 w 483384"/>
+                <a:gd name="connsiteY12" fmla="*/ 23467 h 245717"/>
+                <a:gd name="connsiteX13" fmla="*/ 11367 w 483384"/>
+                <a:gd name="connsiteY13" fmla="*/ 82733 h 245717"/>
+                <a:gd name="connsiteX0" fmla="*/ 11367 w 483384"/>
+                <a:gd name="connsiteY0" fmla="*/ 82733 h 245717"/>
+                <a:gd name="connsiteX1" fmla="*/ 30417 w 483384"/>
+                <a:gd name="connsiteY1" fmla="*/ 158933 h 245717"/>
+                <a:gd name="connsiteX2" fmla="*/ 784 w 483384"/>
+                <a:gd name="connsiteY2" fmla="*/ 207617 h 245717"/>
+                <a:gd name="connsiteX3" fmla="*/ 68517 w 483384"/>
+                <a:gd name="connsiteY3" fmla="*/ 243600 h 245717"/>
+                <a:gd name="connsiteX4" fmla="*/ 191284 w 483384"/>
+                <a:gd name="connsiteY4" fmla="*/ 245717 h 245717"/>
+                <a:gd name="connsiteX5" fmla="*/ 341567 w 483384"/>
+                <a:gd name="connsiteY5" fmla="*/ 235133 h 245717"/>
+                <a:gd name="connsiteX6" fmla="*/ 428350 w 483384"/>
+                <a:gd name="connsiteY6" fmla="*/ 201267 h 245717"/>
+                <a:gd name="connsiteX7" fmla="*/ 483384 w 483384"/>
+                <a:gd name="connsiteY7" fmla="*/ 122950 h 245717"/>
+                <a:gd name="connsiteX8" fmla="*/ 464334 w 483384"/>
+                <a:gd name="connsiteY8" fmla="*/ 27700 h 245717"/>
+                <a:gd name="connsiteX9" fmla="*/ 362734 w 483384"/>
+                <a:gd name="connsiteY9" fmla="*/ 183 h 245717"/>
+                <a:gd name="connsiteX10" fmla="*/ 250550 w 483384"/>
+                <a:gd name="connsiteY10" fmla="*/ 15000 h 245717"/>
+                <a:gd name="connsiteX11" fmla="*/ 159534 w 483384"/>
+                <a:gd name="connsiteY11" fmla="*/ 183 h 245717"/>
+                <a:gd name="connsiteX12" fmla="*/ 36767 w 483384"/>
+                <a:gd name="connsiteY12" fmla="*/ 23467 h 245717"/>
+                <a:gd name="connsiteX13" fmla="*/ 11367 w 483384"/>
+                <a:gd name="connsiteY13" fmla="*/ 82733 h 245717"/>
+                <a:gd name="connsiteX0" fmla="*/ 11367 w 484093"/>
+                <a:gd name="connsiteY0" fmla="*/ 82733 h 245717"/>
+                <a:gd name="connsiteX1" fmla="*/ 30417 w 484093"/>
+                <a:gd name="connsiteY1" fmla="*/ 158933 h 245717"/>
+                <a:gd name="connsiteX2" fmla="*/ 784 w 484093"/>
+                <a:gd name="connsiteY2" fmla="*/ 207617 h 245717"/>
+                <a:gd name="connsiteX3" fmla="*/ 68517 w 484093"/>
+                <a:gd name="connsiteY3" fmla="*/ 243600 h 245717"/>
+                <a:gd name="connsiteX4" fmla="*/ 191284 w 484093"/>
+                <a:gd name="connsiteY4" fmla="*/ 245717 h 245717"/>
+                <a:gd name="connsiteX5" fmla="*/ 341567 w 484093"/>
+                <a:gd name="connsiteY5" fmla="*/ 235133 h 245717"/>
+                <a:gd name="connsiteX6" fmla="*/ 428350 w 484093"/>
+                <a:gd name="connsiteY6" fmla="*/ 201267 h 245717"/>
+                <a:gd name="connsiteX7" fmla="*/ 483384 w 484093"/>
+                <a:gd name="connsiteY7" fmla="*/ 122950 h 245717"/>
+                <a:gd name="connsiteX8" fmla="*/ 464334 w 484093"/>
+                <a:gd name="connsiteY8" fmla="*/ 27700 h 245717"/>
+                <a:gd name="connsiteX9" fmla="*/ 362734 w 484093"/>
+                <a:gd name="connsiteY9" fmla="*/ 183 h 245717"/>
+                <a:gd name="connsiteX10" fmla="*/ 250550 w 484093"/>
+                <a:gd name="connsiteY10" fmla="*/ 15000 h 245717"/>
+                <a:gd name="connsiteX11" fmla="*/ 159534 w 484093"/>
+                <a:gd name="connsiteY11" fmla="*/ 183 h 245717"/>
+                <a:gd name="connsiteX12" fmla="*/ 36767 w 484093"/>
+                <a:gd name="connsiteY12" fmla="*/ 23467 h 245717"/>
+                <a:gd name="connsiteX13" fmla="*/ 11367 w 484093"/>
+                <a:gd name="connsiteY13" fmla="*/ 82733 h 245717"/>
+                <a:gd name="connsiteX0" fmla="*/ 16387 w 489113"/>
+                <a:gd name="connsiteY0" fmla="*/ 82733 h 245717"/>
+                <a:gd name="connsiteX1" fmla="*/ 35437 w 489113"/>
+                <a:gd name="connsiteY1" fmla="*/ 158933 h 245717"/>
+                <a:gd name="connsiteX2" fmla="*/ 5804 w 489113"/>
+                <a:gd name="connsiteY2" fmla="*/ 207617 h 245717"/>
+                <a:gd name="connsiteX3" fmla="*/ 73537 w 489113"/>
+                <a:gd name="connsiteY3" fmla="*/ 243600 h 245717"/>
+                <a:gd name="connsiteX4" fmla="*/ 196304 w 489113"/>
+                <a:gd name="connsiteY4" fmla="*/ 245717 h 245717"/>
+                <a:gd name="connsiteX5" fmla="*/ 346587 w 489113"/>
+                <a:gd name="connsiteY5" fmla="*/ 235133 h 245717"/>
+                <a:gd name="connsiteX6" fmla="*/ 433370 w 489113"/>
+                <a:gd name="connsiteY6" fmla="*/ 201267 h 245717"/>
+                <a:gd name="connsiteX7" fmla="*/ 488404 w 489113"/>
+                <a:gd name="connsiteY7" fmla="*/ 122950 h 245717"/>
+                <a:gd name="connsiteX8" fmla="*/ 469354 w 489113"/>
+                <a:gd name="connsiteY8" fmla="*/ 27700 h 245717"/>
+                <a:gd name="connsiteX9" fmla="*/ 367754 w 489113"/>
+                <a:gd name="connsiteY9" fmla="*/ 183 h 245717"/>
+                <a:gd name="connsiteX10" fmla="*/ 255570 w 489113"/>
+                <a:gd name="connsiteY10" fmla="*/ 15000 h 245717"/>
+                <a:gd name="connsiteX11" fmla="*/ 164554 w 489113"/>
+                <a:gd name="connsiteY11" fmla="*/ 183 h 245717"/>
+                <a:gd name="connsiteX12" fmla="*/ 41787 w 489113"/>
+                <a:gd name="connsiteY12" fmla="*/ 23467 h 245717"/>
+                <a:gd name="connsiteX13" fmla="*/ 16387 w 489113"/>
+                <a:gd name="connsiteY13" fmla="*/ 82733 h 245717"/>
+                <a:gd name="connsiteX0" fmla="*/ 11445 w 484171"/>
+                <a:gd name="connsiteY0" fmla="*/ 82733 h 245717"/>
+                <a:gd name="connsiteX1" fmla="*/ 30495 w 484171"/>
+                <a:gd name="connsiteY1" fmla="*/ 158933 h 245717"/>
+                <a:gd name="connsiteX2" fmla="*/ 862 w 484171"/>
+                <a:gd name="connsiteY2" fmla="*/ 207617 h 245717"/>
+                <a:gd name="connsiteX3" fmla="*/ 68595 w 484171"/>
+                <a:gd name="connsiteY3" fmla="*/ 243600 h 245717"/>
+                <a:gd name="connsiteX4" fmla="*/ 191362 w 484171"/>
+                <a:gd name="connsiteY4" fmla="*/ 245717 h 245717"/>
+                <a:gd name="connsiteX5" fmla="*/ 341645 w 484171"/>
+                <a:gd name="connsiteY5" fmla="*/ 235133 h 245717"/>
+                <a:gd name="connsiteX6" fmla="*/ 428428 w 484171"/>
+                <a:gd name="connsiteY6" fmla="*/ 201267 h 245717"/>
+                <a:gd name="connsiteX7" fmla="*/ 483462 w 484171"/>
+                <a:gd name="connsiteY7" fmla="*/ 122950 h 245717"/>
+                <a:gd name="connsiteX8" fmla="*/ 464412 w 484171"/>
+                <a:gd name="connsiteY8" fmla="*/ 27700 h 245717"/>
+                <a:gd name="connsiteX9" fmla="*/ 362812 w 484171"/>
+                <a:gd name="connsiteY9" fmla="*/ 183 h 245717"/>
+                <a:gd name="connsiteX10" fmla="*/ 250628 w 484171"/>
+                <a:gd name="connsiteY10" fmla="*/ 15000 h 245717"/>
+                <a:gd name="connsiteX11" fmla="*/ 159612 w 484171"/>
+                <a:gd name="connsiteY11" fmla="*/ 183 h 245717"/>
+                <a:gd name="connsiteX12" fmla="*/ 36845 w 484171"/>
+                <a:gd name="connsiteY12" fmla="*/ 23467 h 245717"/>
+                <a:gd name="connsiteX13" fmla="*/ 11445 w 484171"/>
+                <a:gd name="connsiteY13" fmla="*/ 82733 h 245717"/>
+                <a:gd name="connsiteX0" fmla="*/ 74 w 472800"/>
+                <a:gd name="connsiteY0" fmla="*/ 82733 h 245717"/>
+                <a:gd name="connsiteX1" fmla="*/ 19124 w 472800"/>
+                <a:gd name="connsiteY1" fmla="*/ 158933 h 245717"/>
+                <a:gd name="connsiteX2" fmla="*/ 57224 w 472800"/>
+                <a:gd name="connsiteY2" fmla="*/ 243600 h 245717"/>
+                <a:gd name="connsiteX3" fmla="*/ 179991 w 472800"/>
+                <a:gd name="connsiteY3" fmla="*/ 245717 h 245717"/>
+                <a:gd name="connsiteX4" fmla="*/ 330274 w 472800"/>
+                <a:gd name="connsiteY4" fmla="*/ 235133 h 245717"/>
+                <a:gd name="connsiteX5" fmla="*/ 417057 w 472800"/>
+                <a:gd name="connsiteY5" fmla="*/ 201267 h 245717"/>
+                <a:gd name="connsiteX6" fmla="*/ 472091 w 472800"/>
+                <a:gd name="connsiteY6" fmla="*/ 122950 h 245717"/>
+                <a:gd name="connsiteX7" fmla="*/ 453041 w 472800"/>
+                <a:gd name="connsiteY7" fmla="*/ 27700 h 245717"/>
+                <a:gd name="connsiteX8" fmla="*/ 351441 w 472800"/>
+                <a:gd name="connsiteY8" fmla="*/ 183 h 245717"/>
+                <a:gd name="connsiteX9" fmla="*/ 239257 w 472800"/>
+                <a:gd name="connsiteY9" fmla="*/ 15000 h 245717"/>
+                <a:gd name="connsiteX10" fmla="*/ 148241 w 472800"/>
+                <a:gd name="connsiteY10" fmla="*/ 183 h 245717"/>
+                <a:gd name="connsiteX11" fmla="*/ 25474 w 472800"/>
+                <a:gd name="connsiteY11" fmla="*/ 23467 h 245717"/>
+                <a:gd name="connsiteX12" fmla="*/ 74 w 472800"/>
+                <a:gd name="connsiteY12" fmla="*/ 82733 h 245717"/>
+                <a:gd name="connsiteX0" fmla="*/ 8191 w 480917"/>
+                <a:gd name="connsiteY0" fmla="*/ 82733 h 245717"/>
+                <a:gd name="connsiteX1" fmla="*/ 3428 w 480917"/>
+                <a:gd name="connsiteY1" fmla="*/ 177983 h 245717"/>
+                <a:gd name="connsiteX2" fmla="*/ 65341 w 480917"/>
+                <a:gd name="connsiteY2" fmla="*/ 243600 h 245717"/>
+                <a:gd name="connsiteX3" fmla="*/ 188108 w 480917"/>
+                <a:gd name="connsiteY3" fmla="*/ 245717 h 245717"/>
+                <a:gd name="connsiteX4" fmla="*/ 338391 w 480917"/>
+                <a:gd name="connsiteY4" fmla="*/ 235133 h 245717"/>
+                <a:gd name="connsiteX5" fmla="*/ 425174 w 480917"/>
+                <a:gd name="connsiteY5" fmla="*/ 201267 h 245717"/>
+                <a:gd name="connsiteX6" fmla="*/ 480208 w 480917"/>
+                <a:gd name="connsiteY6" fmla="*/ 122950 h 245717"/>
+                <a:gd name="connsiteX7" fmla="*/ 461158 w 480917"/>
+                <a:gd name="connsiteY7" fmla="*/ 27700 h 245717"/>
+                <a:gd name="connsiteX8" fmla="*/ 359558 w 480917"/>
+                <a:gd name="connsiteY8" fmla="*/ 183 h 245717"/>
+                <a:gd name="connsiteX9" fmla="*/ 247374 w 480917"/>
+                <a:gd name="connsiteY9" fmla="*/ 15000 h 245717"/>
+                <a:gd name="connsiteX10" fmla="*/ 156358 w 480917"/>
+                <a:gd name="connsiteY10" fmla="*/ 183 h 245717"/>
+                <a:gd name="connsiteX11" fmla="*/ 33591 w 480917"/>
+                <a:gd name="connsiteY11" fmla="*/ 23467 h 245717"/>
+                <a:gd name="connsiteX12" fmla="*/ 8191 w 480917"/>
+                <a:gd name="connsiteY12" fmla="*/ 82733 h 245717"/>
+                <a:gd name="connsiteX0" fmla="*/ 8191 w 480917"/>
+                <a:gd name="connsiteY0" fmla="*/ 82733 h 245717"/>
+                <a:gd name="connsiteX1" fmla="*/ 3428 w 480917"/>
+                <a:gd name="connsiteY1" fmla="*/ 177983 h 245717"/>
+                <a:gd name="connsiteX2" fmla="*/ 65341 w 480917"/>
+                <a:gd name="connsiteY2" fmla="*/ 243600 h 245717"/>
+                <a:gd name="connsiteX3" fmla="*/ 188108 w 480917"/>
+                <a:gd name="connsiteY3" fmla="*/ 245717 h 245717"/>
+                <a:gd name="connsiteX4" fmla="*/ 338391 w 480917"/>
+                <a:gd name="connsiteY4" fmla="*/ 235133 h 245717"/>
+                <a:gd name="connsiteX5" fmla="*/ 425174 w 480917"/>
+                <a:gd name="connsiteY5" fmla="*/ 201267 h 245717"/>
+                <a:gd name="connsiteX6" fmla="*/ 480208 w 480917"/>
+                <a:gd name="connsiteY6" fmla="*/ 122950 h 245717"/>
+                <a:gd name="connsiteX7" fmla="*/ 461158 w 480917"/>
+                <a:gd name="connsiteY7" fmla="*/ 27700 h 245717"/>
+                <a:gd name="connsiteX8" fmla="*/ 359558 w 480917"/>
+                <a:gd name="connsiteY8" fmla="*/ 183 h 245717"/>
+                <a:gd name="connsiteX9" fmla="*/ 247374 w 480917"/>
+                <a:gd name="connsiteY9" fmla="*/ 15000 h 245717"/>
+                <a:gd name="connsiteX10" fmla="*/ 156358 w 480917"/>
+                <a:gd name="connsiteY10" fmla="*/ 183 h 245717"/>
+                <a:gd name="connsiteX11" fmla="*/ 33591 w 480917"/>
+                <a:gd name="connsiteY11" fmla="*/ 23467 h 245717"/>
+                <a:gd name="connsiteX12" fmla="*/ 8191 w 480917"/>
+                <a:gd name="connsiteY12" fmla="*/ 82733 h 245717"/>
+                <a:gd name="connsiteX0" fmla="*/ 8191 w 480917"/>
+                <a:gd name="connsiteY0" fmla="*/ 82733 h 245717"/>
+                <a:gd name="connsiteX1" fmla="*/ 3428 w 480917"/>
+                <a:gd name="connsiteY1" fmla="*/ 177983 h 245717"/>
+                <a:gd name="connsiteX2" fmla="*/ 65341 w 480917"/>
+                <a:gd name="connsiteY2" fmla="*/ 243600 h 245717"/>
+                <a:gd name="connsiteX3" fmla="*/ 188108 w 480917"/>
+                <a:gd name="connsiteY3" fmla="*/ 245717 h 245717"/>
+                <a:gd name="connsiteX4" fmla="*/ 338391 w 480917"/>
+                <a:gd name="connsiteY4" fmla="*/ 235133 h 245717"/>
+                <a:gd name="connsiteX5" fmla="*/ 425174 w 480917"/>
+                <a:gd name="connsiteY5" fmla="*/ 201267 h 245717"/>
+                <a:gd name="connsiteX6" fmla="*/ 480208 w 480917"/>
+                <a:gd name="connsiteY6" fmla="*/ 122950 h 245717"/>
+                <a:gd name="connsiteX7" fmla="*/ 461158 w 480917"/>
+                <a:gd name="connsiteY7" fmla="*/ 27700 h 245717"/>
+                <a:gd name="connsiteX8" fmla="*/ 359558 w 480917"/>
+                <a:gd name="connsiteY8" fmla="*/ 183 h 245717"/>
+                <a:gd name="connsiteX9" fmla="*/ 247374 w 480917"/>
+                <a:gd name="connsiteY9" fmla="*/ 15000 h 245717"/>
+                <a:gd name="connsiteX10" fmla="*/ 156358 w 480917"/>
+                <a:gd name="connsiteY10" fmla="*/ 183 h 245717"/>
+                <a:gd name="connsiteX11" fmla="*/ 33591 w 480917"/>
+                <a:gd name="connsiteY11" fmla="*/ 23467 h 245717"/>
+                <a:gd name="connsiteX12" fmla="*/ 8191 w 480917"/>
+                <a:gd name="connsiteY12" fmla="*/ 82733 h 245717"/>
+              </a:gdLst>
+              <a:ahLst/>
+              <a:cxnLst>
+                <a:cxn ang="0">
+                  <a:pos x="connsiteX0" y="connsiteY0"/>
+                </a:cxn>
+                <a:cxn ang="0">
+                  <a:pos x="connsiteX1" y="connsiteY1"/>
+                </a:cxn>
+                <a:cxn ang="0">
+                  <a:pos x="connsiteX2" y="connsiteY2"/>
+                </a:cxn>
+                <a:cxn ang="0">
+                  <a:pos x="connsiteX3" y="connsiteY3"/>
+                </a:cxn>
+                <a:cxn ang="0">
+                  <a:pos x="connsiteX4" y="connsiteY4"/>
+                </a:cxn>
+                <a:cxn ang="0">
+                  <a:pos x="connsiteX5" y="connsiteY5"/>
+                </a:cxn>
+                <a:cxn ang="0">
+                  <a:pos x="connsiteX6" y="connsiteY6"/>
+                </a:cxn>
+                <a:cxn ang="0">
+                  <a:pos x="connsiteX7" y="connsiteY7"/>
+                </a:cxn>
+                <a:cxn ang="0">
+                  <a:pos x="connsiteX8" y="connsiteY8"/>
+                </a:cxn>
+                <a:cxn ang="0">
+                  <a:pos x="connsiteX9" y="connsiteY9"/>
+                </a:cxn>
+                <a:cxn ang="0">
+                  <a:pos x="connsiteX10" y="connsiteY10"/>
+                </a:cxn>
+                <a:cxn ang="0">
+                  <a:pos x="connsiteX11" y="connsiteY11"/>
+                </a:cxn>
+                <a:cxn ang="0">
+                  <a:pos x="connsiteX12" y="connsiteY12"/>
+                </a:cxn>
+              </a:cxnLst>
+              <a:rect l="l" t="t" r="r" b="b"/>
+              <a:pathLst>
+                <a:path w="480917" h="245717">
+                  <a:moveTo>
+                    <a:pt x="8191" y="82733"/>
+                  </a:moveTo>
+                  <a:cubicBezTo>
+                    <a:pt x="7133" y="105311"/>
+                    <a:pt x="-6097" y="151172"/>
+                    <a:pt x="3428" y="177983"/>
+                  </a:cubicBezTo>
+                  <a:cubicBezTo>
+                    <a:pt x="12953" y="204794"/>
+                    <a:pt x="38530" y="229136"/>
+                    <a:pt x="65341" y="243600"/>
+                  </a:cubicBezTo>
+                  <a:lnTo>
+                    <a:pt x="188108" y="245717"/>
+                  </a:lnTo>
+                  <a:lnTo>
+                    <a:pt x="338391" y="235133"/>
+                  </a:lnTo>
+                  <a:cubicBezTo>
+                    <a:pt x="377902" y="227725"/>
+                    <a:pt x="401538" y="219964"/>
+                    <a:pt x="425174" y="201267"/>
+                  </a:cubicBezTo>
+                  <a:cubicBezTo>
+                    <a:pt x="448810" y="182570"/>
+                    <a:pt x="486558" y="154700"/>
+                    <a:pt x="480208" y="122950"/>
+                  </a:cubicBezTo>
+                  <a:lnTo>
+                    <a:pt x="461158" y="27700"/>
+                  </a:lnTo>
+                  <a:cubicBezTo>
+                    <a:pt x="454808" y="-4050"/>
+                    <a:pt x="395189" y="2300"/>
+                    <a:pt x="359558" y="183"/>
+                  </a:cubicBezTo>
+                  <a:cubicBezTo>
+                    <a:pt x="323927" y="-1934"/>
+                    <a:pt x="281241" y="15000"/>
+                    <a:pt x="247374" y="15000"/>
+                  </a:cubicBezTo>
+                  <a:cubicBezTo>
+                    <a:pt x="213507" y="15000"/>
+                    <a:pt x="191988" y="-1228"/>
+                    <a:pt x="156358" y="183"/>
+                  </a:cubicBezTo>
+                  <a:cubicBezTo>
+                    <a:pt x="120728" y="1594"/>
+                    <a:pt x="42058" y="3712"/>
+                    <a:pt x="33591" y="23467"/>
+                  </a:cubicBezTo>
+                  <a:lnTo>
+                    <a:pt x="8191" y="82733"/>
+                  </a:lnTo>
+                  <a:close/>
+                </a:path>
+              </a:pathLst>
+            </a:custGeom>
+            <a:solidFill>
+              <a:srgbClr val="AA7138"/>
+            </a:solidFill>
+            <a:ln>
+              <a:solidFill>
+                <a:srgbClr val="663300"/>
+              </a:solidFill>
+            </a:ln>
+          </p:spPr>
+          <p:style>
+            <a:lnRef idx="2">
+              <a:schemeClr val="accent1">
+                <a:shade val="50000"/>
+              </a:schemeClr>
+            </a:lnRef>
+            <a:fillRef idx="1">
+              <a:schemeClr val="accent1"/>
+            </a:fillRef>
+            <a:effectRef idx="0">
+              <a:schemeClr val="accent1"/>
+            </a:effectRef>
+            <a:fontRef idx="minor">
+              <a:schemeClr val="lt1"/>
+            </a:fontRef>
+          </p:style>
+          <p:txBody>
+            <a:bodyPr rtlCol="0" anchor="ctr"/>
+            <a:lstStyle/>
+            <a:p>
+              <a:pPr algn="ctr"/>
+              <a:endParaRPr lang="en-US"/>
+            </a:p>
+          </p:txBody>
+        </p:sp>
+        <p:sp>
+          <p:nvSpPr>
+            <p:cNvPr id="72" name="Freeform 71"/>
+            <p:cNvSpPr/>
+            <p:nvPr/>
+          </p:nvSpPr>
+          <p:spPr>
+            <a:xfrm>
+              <a:off x="6589713" y="2012950"/>
+              <a:ext cx="88900" cy="39688"/>
+            </a:xfrm>
+            <a:custGeom>
+              <a:avLst/>
+              <a:gdLst>
+                <a:gd name="connsiteX0" fmla="*/ 88900 w 88900"/>
+                <a:gd name="connsiteY0" fmla="*/ 0 h 39688"/>
+                <a:gd name="connsiteX1" fmla="*/ 33337 w 88900"/>
+                <a:gd name="connsiteY1" fmla="*/ 11113 h 39688"/>
+                <a:gd name="connsiteX2" fmla="*/ 0 w 88900"/>
+                <a:gd name="connsiteY2" fmla="*/ 39688 h 39688"/>
+              </a:gdLst>
+              <a:ahLst/>
+              <a:cxnLst>
+                <a:cxn ang="0">
+                  <a:pos x="connsiteX0" y="connsiteY0"/>
+                </a:cxn>
+                <a:cxn ang="0">
+                  <a:pos x="connsiteX1" y="connsiteY1"/>
+                </a:cxn>
+                <a:cxn ang="0">
+                  <a:pos x="connsiteX2" y="connsiteY2"/>
+                </a:cxn>
+              </a:cxnLst>
+              <a:rect l="l" t="t" r="r" b="b"/>
+              <a:pathLst>
+                <a:path w="88900" h="39688">
+                  <a:moveTo>
+                    <a:pt x="88900" y="0"/>
+                  </a:moveTo>
+                  <a:cubicBezTo>
+                    <a:pt x="68527" y="2249"/>
+                    <a:pt x="48154" y="4498"/>
+                    <a:pt x="33337" y="11113"/>
+                  </a:cubicBezTo>
+                  <a:cubicBezTo>
+                    <a:pt x="18520" y="17728"/>
+                    <a:pt x="9260" y="28708"/>
+                    <a:pt x="0" y="39688"/>
+                  </a:cubicBezTo>
+                </a:path>
+              </a:pathLst>
+            </a:custGeom>
+            <a:noFill/>
+            <a:ln>
+              <a:solidFill>
+                <a:srgbClr val="663300"/>
+              </a:solidFill>
+            </a:ln>
+          </p:spPr>
+          <p:style>
+            <a:lnRef idx="2">
+              <a:schemeClr val="accent1">
+                <a:shade val="50000"/>
+              </a:schemeClr>
+            </a:lnRef>
+            <a:fillRef idx="1">
+              <a:schemeClr val="accent1"/>
+            </a:fillRef>
+            <a:effectRef idx="0">
+              <a:schemeClr val="accent1"/>
+            </a:effectRef>
+            <a:fontRef idx="minor">
+              <a:schemeClr val="lt1"/>
+            </a:fontRef>
+          </p:style>
+          <p:txBody>
+            <a:bodyPr rtlCol="0" anchor="ctr"/>
+            <a:lstStyle/>
+            <a:p>
+              <a:pPr algn="ctr"/>
+              <a:endParaRPr lang="en-US"/>
+            </a:p>
+          </p:txBody>
+        </p:sp>
+        <p:sp>
+          <p:nvSpPr>
+            <p:cNvPr id="73" name="Freeform 72"/>
+            <p:cNvSpPr/>
+            <p:nvPr/>
+          </p:nvSpPr>
+          <p:spPr>
+            <a:xfrm>
+              <a:off x="6810375" y="2146300"/>
+              <a:ext cx="150813" cy="29349"/>
+            </a:xfrm>
+            <a:custGeom>
+              <a:avLst/>
+              <a:gdLst>
+                <a:gd name="connsiteX0" fmla="*/ 88900 w 88900"/>
+                <a:gd name="connsiteY0" fmla="*/ 0 h 39688"/>
+                <a:gd name="connsiteX1" fmla="*/ 33337 w 88900"/>
+                <a:gd name="connsiteY1" fmla="*/ 11113 h 39688"/>
+                <a:gd name="connsiteX2" fmla="*/ 0 w 88900"/>
+                <a:gd name="connsiteY2" fmla="*/ 39688 h 39688"/>
+                <a:gd name="connsiteX0" fmla="*/ 134938 w 134938"/>
+                <a:gd name="connsiteY0" fmla="*/ 0 h 26988"/>
+                <a:gd name="connsiteX1" fmla="*/ 79375 w 134938"/>
+                <a:gd name="connsiteY1" fmla="*/ 11113 h 26988"/>
+                <a:gd name="connsiteX2" fmla="*/ 0 w 134938"/>
+                <a:gd name="connsiteY2" fmla="*/ 26988 h 26988"/>
+                <a:gd name="connsiteX0" fmla="*/ 134938 w 134938"/>
+                <a:gd name="connsiteY0" fmla="*/ 0 h 29349"/>
+                <a:gd name="connsiteX1" fmla="*/ 80962 w 134938"/>
+                <a:gd name="connsiteY1" fmla="*/ 28576 h 29349"/>
+                <a:gd name="connsiteX2" fmla="*/ 0 w 134938"/>
+                <a:gd name="connsiteY2" fmla="*/ 26988 h 29349"/>
+                <a:gd name="connsiteX0" fmla="*/ 150813 w 150813"/>
+                <a:gd name="connsiteY0" fmla="*/ 0 h 29349"/>
+                <a:gd name="connsiteX1" fmla="*/ 80962 w 150813"/>
+                <a:gd name="connsiteY1" fmla="*/ 28576 h 29349"/>
+                <a:gd name="connsiteX2" fmla="*/ 0 w 150813"/>
+                <a:gd name="connsiteY2" fmla="*/ 26988 h 29349"/>
+              </a:gdLst>
+              <a:ahLst/>
+              <a:cxnLst>
+                <a:cxn ang="0">
+                  <a:pos x="connsiteX0" y="connsiteY0"/>
+                </a:cxn>
+                <a:cxn ang="0">
+                  <a:pos x="connsiteX1" y="connsiteY1"/>
+                </a:cxn>
+                <a:cxn ang="0">
+                  <a:pos x="connsiteX2" y="connsiteY2"/>
+                </a:cxn>
+              </a:cxnLst>
+              <a:rect l="l" t="t" r="r" b="b"/>
+              <a:pathLst>
+                <a:path w="150813" h="29349">
+                  <a:moveTo>
+                    <a:pt x="150813" y="0"/>
+                  </a:moveTo>
+                  <a:cubicBezTo>
+                    <a:pt x="130440" y="2249"/>
+                    <a:pt x="106097" y="24078"/>
+                    <a:pt x="80962" y="28576"/>
+                  </a:cubicBezTo>
+                  <a:cubicBezTo>
+                    <a:pt x="55827" y="33074"/>
+                    <a:pt x="9260" y="16008"/>
+                    <a:pt x="0" y="26988"/>
+                  </a:cubicBezTo>
+                </a:path>
+              </a:pathLst>
+            </a:custGeom>
+            <a:noFill/>
+            <a:ln>
+              <a:solidFill>
+                <a:srgbClr val="663300"/>
+              </a:solidFill>
+            </a:ln>
+          </p:spPr>
+          <p:style>
+            <a:lnRef idx="2">
+              <a:schemeClr val="accent1">
+                <a:shade val="50000"/>
+              </a:schemeClr>
+            </a:lnRef>
+            <a:fillRef idx="1">
+              <a:schemeClr val="accent1"/>
+            </a:fillRef>
+            <a:effectRef idx="0">
+              <a:schemeClr val="accent1"/>
+            </a:effectRef>
+            <a:fontRef idx="minor">
+              <a:schemeClr val="lt1"/>
+            </a:fontRef>
+          </p:style>
+          <p:txBody>
+            <a:bodyPr rtlCol="0" anchor="ctr"/>
+            <a:lstStyle/>
+            <a:p>
+              <a:pPr algn="ctr"/>
+              <a:endParaRPr lang="en-US"/>
+            </a:p>
+          </p:txBody>
+        </p:sp>
+        <p:sp>
+          <p:nvSpPr>
+            <p:cNvPr id="74" name="Freeform 73"/>
+            <p:cNvSpPr/>
+            <p:nvPr/>
+          </p:nvSpPr>
+          <p:spPr>
+            <a:xfrm rot="20836406">
+              <a:off x="6779117" y="2030857"/>
+              <a:ext cx="88900" cy="39688"/>
+            </a:xfrm>
+            <a:custGeom>
+              <a:avLst/>
+              <a:gdLst>
+                <a:gd name="connsiteX0" fmla="*/ 88900 w 88900"/>
+                <a:gd name="connsiteY0" fmla="*/ 0 h 39688"/>
+                <a:gd name="connsiteX1" fmla="*/ 33337 w 88900"/>
+                <a:gd name="connsiteY1" fmla="*/ 11113 h 39688"/>
+                <a:gd name="connsiteX2" fmla="*/ 0 w 88900"/>
+                <a:gd name="connsiteY2" fmla="*/ 39688 h 39688"/>
+                <a:gd name="connsiteX0" fmla="*/ 88900 w 88900"/>
+                <a:gd name="connsiteY0" fmla="*/ 0 h 39688"/>
+                <a:gd name="connsiteX1" fmla="*/ 68262 w 88900"/>
+                <a:gd name="connsiteY1" fmla="*/ 25400 h 39688"/>
+                <a:gd name="connsiteX2" fmla="*/ 0 w 88900"/>
+                <a:gd name="connsiteY2" fmla="*/ 39688 h 39688"/>
+              </a:gdLst>
+              <a:ahLst/>
+              <a:cxnLst>
+                <a:cxn ang="0">
+                  <a:pos x="connsiteX0" y="connsiteY0"/>
+                </a:cxn>
+                <a:cxn ang="0">
+                  <a:pos x="connsiteX1" y="connsiteY1"/>
+                </a:cxn>
+                <a:cxn ang="0">
+                  <a:pos x="connsiteX2" y="connsiteY2"/>
+                </a:cxn>
+              </a:cxnLst>
+              <a:rect l="l" t="t" r="r" b="b"/>
+              <a:pathLst>
+                <a:path w="88900" h="39688">
+                  <a:moveTo>
+                    <a:pt x="88900" y="0"/>
+                  </a:moveTo>
+                  <a:cubicBezTo>
+                    <a:pt x="68527" y="2249"/>
+                    <a:pt x="83079" y="18785"/>
+                    <a:pt x="68262" y="25400"/>
+                  </a:cubicBezTo>
+                  <a:cubicBezTo>
+                    <a:pt x="53445" y="32015"/>
+                    <a:pt x="9260" y="28708"/>
+                    <a:pt x="0" y="39688"/>
+                  </a:cubicBezTo>
+                </a:path>
+              </a:pathLst>
+            </a:custGeom>
+            <a:noFill/>
+            <a:ln>
+              <a:solidFill>
+                <a:srgbClr val="663300"/>
+              </a:solidFill>
+            </a:ln>
+          </p:spPr>
+          <p:style>
+            <a:lnRef idx="2">
+              <a:schemeClr val="accent1">
+                <a:shade val="50000"/>
+              </a:schemeClr>
+            </a:lnRef>
+            <a:fillRef idx="1">
+              <a:schemeClr val="accent1"/>
+            </a:fillRef>
+            <a:effectRef idx="0">
+              <a:schemeClr val="accent1"/>
+            </a:effectRef>
+            <a:fontRef idx="minor">
+              <a:schemeClr val="lt1"/>
+            </a:fontRef>
+          </p:style>
+          <p:txBody>
+            <a:bodyPr rtlCol="0" anchor="ctr"/>
+            <a:lstStyle/>
+            <a:p>
+              <a:pPr algn="ctr"/>
+              <a:endParaRPr lang="en-US"/>
+            </a:p>
+          </p:txBody>
+        </p:sp>
+      </p:grpSp>
+      <p:grpSp>
+        <p:nvGrpSpPr>
+          <p:cNvPr id="28" name="Group 27"/>
+          <p:cNvGrpSpPr/>
+          <p:nvPr/>
+        </p:nvGrpSpPr>
+        <p:grpSpPr>
+          <a:xfrm>
+            <a:off x="7233971" y="3684077"/>
+            <a:ext cx="274320" cy="274320"/>
+            <a:chOff x="6980838" y="4023946"/>
+            <a:chExt cx="274320" cy="274320"/>
+          </a:xfrm>
+        </p:grpSpPr>
+        <p:sp>
+          <p:nvSpPr>
+            <p:cNvPr id="3" name="Oval 2"/>
+            <p:cNvSpPr/>
+            <p:nvPr/>
+          </p:nvSpPr>
+          <p:spPr>
+            <a:xfrm>
+              <a:off x="6980838" y="4023946"/>
+              <a:ext cx="274320" cy="274320"/>
+            </a:xfrm>
+            <a:prstGeom prst="ellipse">
+              <a:avLst/>
+            </a:prstGeom>
+            <a:solidFill>
+              <a:schemeClr val="accent4">
+                <a:lumMod val="75000"/>
+              </a:schemeClr>
+            </a:solidFill>
+            <a:ln>
+              <a:solidFill>
+                <a:schemeClr val="accent4">
+                  <a:lumMod val="50000"/>
+                </a:schemeClr>
+              </a:solidFill>
+            </a:ln>
+          </p:spPr>
+          <p:style>
+            <a:lnRef idx="2">
+              <a:schemeClr val="accent1">
+                <a:shade val="50000"/>
+              </a:schemeClr>
+            </a:lnRef>
+            <a:fillRef idx="1">
+              <a:schemeClr val="accent1"/>
+            </a:fillRef>
+            <a:effectRef idx="0">
+              <a:schemeClr val="accent1"/>
+            </a:effectRef>
+            <a:fontRef idx="minor">
+              <a:schemeClr val="lt1"/>
+            </a:fontRef>
+          </p:style>
+          <p:txBody>
+            <a:bodyPr rtlCol="0" anchor="ctr"/>
+            <a:lstStyle/>
+            <a:p>
+              <a:pPr algn="ctr"/>
+              <a:endParaRPr lang="en-US"/>
+            </a:p>
+          </p:txBody>
+        </p:sp>
+        <p:sp>
+          <p:nvSpPr>
+            <p:cNvPr id="75" name="Oval 74"/>
+            <p:cNvSpPr/>
+            <p:nvPr/>
+          </p:nvSpPr>
+          <p:spPr>
+            <a:xfrm>
+              <a:off x="7026558" y="4069666"/>
+              <a:ext cx="182880" cy="182880"/>
+            </a:xfrm>
+            <a:prstGeom prst="ellipse">
+              <a:avLst/>
+            </a:prstGeom>
+            <a:solidFill>
+              <a:schemeClr val="accent4"/>
+            </a:solidFill>
+            <a:ln>
+              <a:solidFill>
+                <a:schemeClr val="accent4">
+                  <a:lumMod val="50000"/>
+                </a:schemeClr>
+              </a:solidFill>
+            </a:ln>
+          </p:spPr>
+          <p:style>
+            <a:lnRef idx="2">
+              <a:schemeClr val="accent1">
+                <a:shade val="50000"/>
+              </a:schemeClr>
+            </a:lnRef>
+            <a:fillRef idx="1">
+              <a:schemeClr val="accent1"/>
+            </a:fillRef>
+            <a:effectRef idx="0">
+              <a:schemeClr val="accent1"/>
+            </a:effectRef>
+            <a:fontRef idx="minor">
+              <a:schemeClr val="lt1"/>
+            </a:fontRef>
+          </p:style>
+          <p:txBody>
+            <a:bodyPr rtlCol="0" anchor="ctr"/>
+            <a:lstStyle/>
+            <a:p>
+              <a:pPr algn="ctr"/>
+              <a:r>
+                <a:rPr lang="en-US" sz="1100" b="1" dirty="0" smtClean="0"/>
+                <a:t>$</a:t>
+              </a:r>
+              <a:endParaRPr lang="en-US" sz="1100" b="1" dirty="0"/>
+            </a:p>
+          </p:txBody>
+        </p:sp>
+      </p:grpSp>
     </p:spTree>
     <p:extLst>
       <p:ext uri="{BB962C8B-B14F-4D97-AF65-F5344CB8AC3E}">

--- a/Industrial Revolution/Industrial Revolution - Image Files/Industrial Revolution - Image Initializer.pptx
+++ b/Industrial Revolution/Industrial Revolution - Image Files/Industrial Revolution - Image Initializer.pptx
@@ -243,7 +243,7 @@
           <a:p>
             <a:fld id="{B6D6A155-47A8-468A-A74D-B48DEA3014CE}" type="datetimeFigureOut">
               <a:rPr lang="en-US" smtClean="0"/>
-              <a:t>1/4/2023</a:t>
+              <a:t>1/5/2023</a:t>
             </a:fld>
             <a:endParaRPr lang="en-US"/>
           </a:p>
@@ -413,7 +413,7 @@
           <a:p>
             <a:fld id="{B6D6A155-47A8-468A-A74D-B48DEA3014CE}" type="datetimeFigureOut">
               <a:rPr lang="en-US" smtClean="0"/>
-              <a:t>1/4/2023</a:t>
+              <a:t>1/5/2023</a:t>
             </a:fld>
             <a:endParaRPr lang="en-US"/>
           </a:p>
@@ -593,7 +593,7 @@
           <a:p>
             <a:fld id="{B6D6A155-47A8-468A-A74D-B48DEA3014CE}" type="datetimeFigureOut">
               <a:rPr lang="en-US" smtClean="0"/>
-              <a:t>1/4/2023</a:t>
+              <a:t>1/5/2023</a:t>
             </a:fld>
             <a:endParaRPr lang="en-US"/>
           </a:p>
@@ -763,7 +763,7 @@
           <a:p>
             <a:fld id="{B6D6A155-47A8-468A-A74D-B48DEA3014CE}" type="datetimeFigureOut">
               <a:rPr lang="en-US" smtClean="0"/>
-              <a:t>1/4/2023</a:t>
+              <a:t>1/5/2023</a:t>
             </a:fld>
             <a:endParaRPr lang="en-US"/>
           </a:p>
@@ -1009,7 +1009,7 @@
           <a:p>
             <a:fld id="{B6D6A155-47A8-468A-A74D-B48DEA3014CE}" type="datetimeFigureOut">
               <a:rPr lang="en-US" smtClean="0"/>
-              <a:t>1/4/2023</a:t>
+              <a:t>1/5/2023</a:t>
             </a:fld>
             <a:endParaRPr lang="en-US"/>
           </a:p>
@@ -1241,7 +1241,7 @@
           <a:p>
             <a:fld id="{B6D6A155-47A8-468A-A74D-B48DEA3014CE}" type="datetimeFigureOut">
               <a:rPr lang="en-US" smtClean="0"/>
-              <a:t>1/4/2023</a:t>
+              <a:t>1/5/2023</a:t>
             </a:fld>
             <a:endParaRPr lang="en-US"/>
           </a:p>
@@ -1608,7 +1608,7 @@
           <a:p>
             <a:fld id="{B6D6A155-47A8-468A-A74D-B48DEA3014CE}" type="datetimeFigureOut">
               <a:rPr lang="en-US" smtClean="0"/>
-              <a:t>1/4/2023</a:t>
+              <a:t>1/5/2023</a:t>
             </a:fld>
             <a:endParaRPr lang="en-US"/>
           </a:p>
@@ -1726,7 +1726,7 @@
           <a:p>
             <a:fld id="{B6D6A155-47A8-468A-A74D-B48DEA3014CE}" type="datetimeFigureOut">
               <a:rPr lang="en-US" smtClean="0"/>
-              <a:t>1/4/2023</a:t>
+              <a:t>1/5/2023</a:t>
             </a:fld>
             <a:endParaRPr lang="en-US"/>
           </a:p>
@@ -1821,7 +1821,7 @@
           <a:p>
             <a:fld id="{B6D6A155-47A8-468A-A74D-B48DEA3014CE}" type="datetimeFigureOut">
               <a:rPr lang="en-US" smtClean="0"/>
-              <a:t>1/4/2023</a:t>
+              <a:t>1/5/2023</a:t>
             </a:fld>
             <a:endParaRPr lang="en-US"/>
           </a:p>
@@ -2098,7 +2098,7 @@
           <a:p>
             <a:fld id="{B6D6A155-47A8-468A-A74D-B48DEA3014CE}" type="datetimeFigureOut">
               <a:rPr lang="en-US" smtClean="0"/>
-              <a:t>1/4/2023</a:t>
+              <a:t>1/5/2023</a:t>
             </a:fld>
             <a:endParaRPr lang="en-US"/>
           </a:p>
@@ -2351,7 +2351,7 @@
           <a:p>
             <a:fld id="{B6D6A155-47A8-468A-A74D-B48DEA3014CE}" type="datetimeFigureOut">
               <a:rPr lang="en-US" smtClean="0"/>
-              <a:t>1/4/2023</a:t>
+              <a:t>1/5/2023</a:t>
             </a:fld>
             <a:endParaRPr lang="en-US"/>
           </a:p>
@@ -2564,7 +2564,7 @@
           <a:p>
             <a:fld id="{B6D6A155-47A8-468A-A74D-B48DEA3014CE}" type="datetimeFigureOut">
               <a:rPr lang="en-US" smtClean="0"/>
-              <a:t>1/4/2023</a:t>
+              <a:t>1/5/2023</a:t>
             </a:fld>
             <a:endParaRPr lang="en-US"/>
           </a:p>
@@ -9842,6 +9842,502 @@
           </p:txBody>
         </p:sp>
       </p:grpSp>
+      <p:grpSp>
+        <p:nvGrpSpPr>
+          <p:cNvPr id="77" name="Group 76"/>
+          <p:cNvGrpSpPr/>
+          <p:nvPr/>
+        </p:nvGrpSpPr>
+        <p:grpSpPr>
+          <a:xfrm>
+            <a:off x="8966655" y="2823101"/>
+            <a:ext cx="361602" cy="658724"/>
+            <a:chOff x="8966655" y="2823101"/>
+            <a:chExt cx="361602" cy="658724"/>
+          </a:xfrm>
+        </p:grpSpPr>
+        <p:sp>
+          <p:nvSpPr>
+            <p:cNvPr id="29" name="Isosceles Triangle 28"/>
+            <p:cNvSpPr/>
+            <p:nvPr/>
+          </p:nvSpPr>
+          <p:spPr>
+            <a:xfrm>
+              <a:off x="8966655" y="2946287"/>
+              <a:ext cx="361602" cy="535538"/>
+            </a:xfrm>
+            <a:custGeom>
+              <a:avLst/>
+              <a:gdLst>
+                <a:gd name="connsiteX0" fmla="*/ 0 w 902627"/>
+                <a:gd name="connsiteY0" fmla="*/ 1091775 h 1091775"/>
+                <a:gd name="connsiteX1" fmla="*/ 451314 w 902627"/>
+                <a:gd name="connsiteY1" fmla="*/ 0 h 1091775"/>
+                <a:gd name="connsiteX2" fmla="*/ 902627 w 902627"/>
+                <a:gd name="connsiteY2" fmla="*/ 1091775 h 1091775"/>
+                <a:gd name="connsiteX3" fmla="*/ 0 w 902627"/>
+                <a:gd name="connsiteY3" fmla="*/ 1091775 h 1091775"/>
+                <a:gd name="connsiteX0" fmla="*/ 0 w 912463"/>
+                <a:gd name="connsiteY0" fmla="*/ 1091775 h 1228246"/>
+                <a:gd name="connsiteX1" fmla="*/ 451314 w 912463"/>
+                <a:gd name="connsiteY1" fmla="*/ 0 h 1228246"/>
+                <a:gd name="connsiteX2" fmla="*/ 902627 w 912463"/>
+                <a:gd name="connsiteY2" fmla="*/ 1091775 h 1228246"/>
+                <a:gd name="connsiteX3" fmla="*/ 0 w 912463"/>
+                <a:gd name="connsiteY3" fmla="*/ 1091775 h 1228246"/>
+                <a:gd name="connsiteX0" fmla="*/ 9836 w 922299"/>
+                <a:gd name="connsiteY0" fmla="*/ 1091775 h 1228246"/>
+                <a:gd name="connsiteX1" fmla="*/ 461150 w 922299"/>
+                <a:gd name="connsiteY1" fmla="*/ 0 h 1228246"/>
+                <a:gd name="connsiteX2" fmla="*/ 912463 w 922299"/>
+                <a:gd name="connsiteY2" fmla="*/ 1091775 h 1228246"/>
+                <a:gd name="connsiteX3" fmla="*/ 9836 w 922299"/>
+                <a:gd name="connsiteY3" fmla="*/ 1091775 h 1228246"/>
+                <a:gd name="connsiteX0" fmla="*/ 10312 w 922316"/>
+                <a:gd name="connsiteY0" fmla="*/ 1444976 h 1625597"/>
+                <a:gd name="connsiteX1" fmla="*/ 453777 w 922316"/>
+                <a:gd name="connsiteY1" fmla="*/ 0 h 1625597"/>
+                <a:gd name="connsiteX2" fmla="*/ 912939 w 922316"/>
+                <a:gd name="connsiteY2" fmla="*/ 1444976 h 1625597"/>
+                <a:gd name="connsiteX3" fmla="*/ 10312 w 922316"/>
+                <a:gd name="connsiteY3" fmla="*/ 1444976 h 1625597"/>
+                <a:gd name="connsiteX0" fmla="*/ 12775 w 838438"/>
+                <a:gd name="connsiteY0" fmla="*/ 1426896 h 1615641"/>
+                <a:gd name="connsiteX1" fmla="*/ 372739 w 838438"/>
+                <a:gd name="connsiteY1" fmla="*/ 0 h 1615641"/>
+                <a:gd name="connsiteX2" fmla="*/ 831901 w 838438"/>
+                <a:gd name="connsiteY2" fmla="*/ 1444976 h 1615641"/>
+                <a:gd name="connsiteX3" fmla="*/ 12775 w 838438"/>
+                <a:gd name="connsiteY3" fmla="*/ 1426896 h 1615641"/>
+                <a:gd name="connsiteX0" fmla="*/ 9991 w 772609"/>
+                <a:gd name="connsiteY0" fmla="*/ 1426896 h 1610396"/>
+                <a:gd name="connsiteX1" fmla="*/ 369955 w 772609"/>
+                <a:gd name="connsiteY1" fmla="*/ 0 h 1610396"/>
+                <a:gd name="connsiteX2" fmla="*/ 764886 w 772609"/>
+                <a:gd name="connsiteY2" fmla="*/ 1435937 h 1610396"/>
+                <a:gd name="connsiteX3" fmla="*/ 9991 w 772609"/>
+                <a:gd name="connsiteY3" fmla="*/ 1426896 h 1610396"/>
+              </a:gdLst>
+              <a:ahLst/>
+              <a:cxnLst>
+                <a:cxn ang="0">
+                  <a:pos x="connsiteX0" y="connsiteY0"/>
+                </a:cxn>
+                <a:cxn ang="0">
+                  <a:pos x="connsiteX1" y="connsiteY1"/>
+                </a:cxn>
+                <a:cxn ang="0">
+                  <a:pos x="connsiteX2" y="connsiteY2"/>
+                </a:cxn>
+                <a:cxn ang="0">
+                  <a:pos x="connsiteX3" y="connsiteY3"/>
+                </a:cxn>
+              </a:cxnLst>
+              <a:rect l="l" t="t" r="r" b="b"/>
+              <a:pathLst>
+                <a:path w="772609" h="1610396">
+                  <a:moveTo>
+                    <a:pt x="9991" y="1426896"/>
+                  </a:moveTo>
+                  <a:cubicBezTo>
+                    <a:pt x="-55831" y="1187573"/>
+                    <a:pt x="219517" y="0"/>
+                    <a:pt x="369955" y="0"/>
+                  </a:cubicBezTo>
+                  <a:cubicBezTo>
+                    <a:pt x="520393" y="0"/>
+                    <a:pt x="824880" y="1198121"/>
+                    <a:pt x="764886" y="1435937"/>
+                  </a:cubicBezTo>
+                  <a:cubicBezTo>
+                    <a:pt x="704892" y="1673753"/>
+                    <a:pt x="75813" y="1666219"/>
+                    <a:pt x="9991" y="1426896"/>
+                  </a:cubicBezTo>
+                  <a:close/>
+                </a:path>
+              </a:pathLst>
+            </a:custGeom>
+            <a:solidFill>
+              <a:schemeClr val="bg2">
+                <a:lumMod val="50000"/>
+              </a:schemeClr>
+            </a:solidFill>
+            <a:ln w="28575">
+              <a:solidFill>
+                <a:schemeClr val="tx1"/>
+              </a:solidFill>
+            </a:ln>
+          </p:spPr>
+          <p:style>
+            <a:lnRef idx="2">
+              <a:schemeClr val="accent1">
+                <a:shade val="50000"/>
+              </a:schemeClr>
+            </a:lnRef>
+            <a:fillRef idx="1">
+              <a:schemeClr val="accent1"/>
+            </a:fillRef>
+            <a:effectRef idx="0">
+              <a:schemeClr val="accent1"/>
+            </a:effectRef>
+            <a:fontRef idx="minor">
+              <a:schemeClr val="lt1"/>
+            </a:fontRef>
+          </p:style>
+          <p:txBody>
+            <a:bodyPr rtlCol="0" anchor="ctr"/>
+            <a:lstStyle/>
+            <a:p>
+              <a:pPr algn="ctr"/>
+              <a:endParaRPr lang="en-US"/>
+            </a:p>
+          </p:txBody>
+        </p:sp>
+        <p:sp>
+          <p:nvSpPr>
+            <p:cNvPr id="76" name="Oval 75"/>
+            <p:cNvSpPr/>
+            <p:nvPr/>
+          </p:nvSpPr>
+          <p:spPr>
+            <a:xfrm>
+              <a:off x="9010296" y="2823101"/>
+              <a:ext cx="274320" cy="274320"/>
+            </a:xfrm>
+            <a:prstGeom prst="ellipse">
+              <a:avLst/>
+            </a:prstGeom>
+            <a:solidFill>
+              <a:srgbClr val="FFDBAC"/>
+            </a:solidFill>
+            <a:ln w="28575">
+              <a:solidFill>
+                <a:srgbClr val="F1C27D"/>
+              </a:solidFill>
+            </a:ln>
+          </p:spPr>
+          <p:style>
+            <a:lnRef idx="2">
+              <a:schemeClr val="accent1">
+                <a:shade val="50000"/>
+              </a:schemeClr>
+            </a:lnRef>
+            <a:fillRef idx="1">
+              <a:schemeClr val="accent1"/>
+            </a:fillRef>
+            <a:effectRef idx="0">
+              <a:schemeClr val="accent1"/>
+            </a:effectRef>
+            <a:fontRef idx="minor">
+              <a:schemeClr val="lt1"/>
+            </a:fontRef>
+          </p:style>
+          <p:txBody>
+            <a:bodyPr rtlCol="0" anchor="ctr"/>
+            <a:lstStyle/>
+            <a:p>
+              <a:pPr algn="ctr"/>
+              <a:endParaRPr lang="en-US" sz="1100" b="1" dirty="0"/>
+            </a:p>
+          </p:txBody>
+        </p:sp>
+        <p:sp>
+          <p:nvSpPr>
+            <p:cNvPr id="78" name="Freeform 77"/>
+            <p:cNvSpPr/>
+            <p:nvPr/>
+          </p:nvSpPr>
+          <p:spPr>
+            <a:xfrm>
+              <a:off x="9051033" y="3315549"/>
+              <a:ext cx="77762" cy="55122"/>
+            </a:xfrm>
+            <a:custGeom>
+              <a:avLst/>
+              <a:gdLst>
+                <a:gd name="connsiteX0" fmla="*/ 78489 w 698555"/>
+                <a:gd name="connsiteY0" fmla="*/ 82414 h 482709"/>
+                <a:gd name="connsiteX1" fmla="*/ 290410 w 698555"/>
+                <a:gd name="connsiteY1" fmla="*/ 0 h 482709"/>
+                <a:gd name="connsiteX2" fmla="*/ 620065 w 698555"/>
+                <a:gd name="connsiteY2" fmla="*/ 43169 h 482709"/>
+                <a:gd name="connsiteX3" fmla="*/ 698555 w 698555"/>
+                <a:gd name="connsiteY3" fmla="*/ 310032 h 482709"/>
+                <a:gd name="connsiteX4" fmla="*/ 510180 w 698555"/>
+                <a:gd name="connsiteY4" fmla="*/ 482709 h 482709"/>
+                <a:gd name="connsiteX5" fmla="*/ 0 w 698555"/>
+                <a:gd name="connsiteY5" fmla="*/ 353202 h 482709"/>
+                <a:gd name="connsiteX6" fmla="*/ 51018 w 698555"/>
+                <a:gd name="connsiteY6" fmla="*/ 306108 h 482709"/>
+                <a:gd name="connsiteX7" fmla="*/ 78489 w 698555"/>
+                <a:gd name="connsiteY7" fmla="*/ 82414 h 482709"/>
+                <a:gd name="connsiteX0" fmla="*/ 78489 w 698555"/>
+                <a:gd name="connsiteY0" fmla="*/ 82414 h 482709"/>
+                <a:gd name="connsiteX1" fmla="*/ 290410 w 698555"/>
+                <a:gd name="connsiteY1" fmla="*/ 0 h 482709"/>
+                <a:gd name="connsiteX2" fmla="*/ 620065 w 698555"/>
+                <a:gd name="connsiteY2" fmla="*/ 43169 h 482709"/>
+                <a:gd name="connsiteX3" fmla="*/ 698555 w 698555"/>
+                <a:gd name="connsiteY3" fmla="*/ 310032 h 482709"/>
+                <a:gd name="connsiteX4" fmla="*/ 510180 w 698555"/>
+                <a:gd name="connsiteY4" fmla="*/ 482709 h 482709"/>
+                <a:gd name="connsiteX5" fmla="*/ 0 w 698555"/>
+                <a:gd name="connsiteY5" fmla="*/ 353202 h 482709"/>
+                <a:gd name="connsiteX6" fmla="*/ 78489 w 698555"/>
+                <a:gd name="connsiteY6" fmla="*/ 82414 h 482709"/>
+                <a:gd name="connsiteX0" fmla="*/ 78489 w 698555"/>
+                <a:gd name="connsiteY0" fmla="*/ 39246 h 439541"/>
+                <a:gd name="connsiteX1" fmla="*/ 620065 w 698555"/>
+                <a:gd name="connsiteY1" fmla="*/ 1 h 439541"/>
+                <a:gd name="connsiteX2" fmla="*/ 698555 w 698555"/>
+                <a:gd name="connsiteY2" fmla="*/ 266864 h 439541"/>
+                <a:gd name="connsiteX3" fmla="*/ 510180 w 698555"/>
+                <a:gd name="connsiteY3" fmla="*/ 439541 h 439541"/>
+                <a:gd name="connsiteX4" fmla="*/ 0 w 698555"/>
+                <a:gd name="connsiteY4" fmla="*/ 310034 h 439541"/>
+                <a:gd name="connsiteX5" fmla="*/ 78489 w 698555"/>
+                <a:gd name="connsiteY5" fmla="*/ 39246 h 439541"/>
+                <a:gd name="connsiteX0" fmla="*/ 78489 w 620064"/>
+                <a:gd name="connsiteY0" fmla="*/ 39246 h 439541"/>
+                <a:gd name="connsiteX1" fmla="*/ 620065 w 620064"/>
+                <a:gd name="connsiteY1" fmla="*/ 1 h 439541"/>
+                <a:gd name="connsiteX2" fmla="*/ 510180 w 620064"/>
+                <a:gd name="connsiteY2" fmla="*/ 439541 h 439541"/>
+                <a:gd name="connsiteX3" fmla="*/ 0 w 620064"/>
+                <a:gd name="connsiteY3" fmla="*/ 310034 h 439541"/>
+                <a:gd name="connsiteX4" fmla="*/ 78489 w 620064"/>
+                <a:gd name="connsiteY4" fmla="*/ 39246 h 439541"/>
+              </a:gdLst>
+              <a:ahLst/>
+              <a:cxnLst>
+                <a:cxn ang="0">
+                  <a:pos x="connsiteX0" y="connsiteY0"/>
+                </a:cxn>
+                <a:cxn ang="0">
+                  <a:pos x="connsiteX1" y="connsiteY1"/>
+                </a:cxn>
+                <a:cxn ang="0">
+                  <a:pos x="connsiteX2" y="connsiteY2"/>
+                </a:cxn>
+                <a:cxn ang="0">
+                  <a:pos x="connsiteX3" y="connsiteY3"/>
+                </a:cxn>
+                <a:cxn ang="0">
+                  <a:pos x="connsiteX4" y="connsiteY4"/>
+                </a:cxn>
+              </a:cxnLst>
+              <a:rect l="l" t="t" r="r" b="b"/>
+              <a:pathLst>
+                <a:path w="620064" h="439541">
+                  <a:moveTo>
+                    <a:pt x="78489" y="39246"/>
+                  </a:moveTo>
+                  <a:lnTo>
+                    <a:pt x="620065" y="1"/>
+                  </a:lnTo>
+                  <a:lnTo>
+                    <a:pt x="510180" y="439541"/>
+                  </a:lnTo>
+                  <a:lnTo>
+                    <a:pt x="0" y="310034"/>
+                  </a:lnTo>
+                  <a:lnTo>
+                    <a:pt x="78489" y="39246"/>
+                  </a:lnTo>
+                  <a:close/>
+                </a:path>
+              </a:pathLst>
+            </a:custGeom>
+            <a:solidFill>
+              <a:schemeClr val="tx1">
+                <a:lumMod val="95000"/>
+                <a:lumOff val="5000"/>
+              </a:schemeClr>
+            </a:solidFill>
+            <a:ln w="28575">
+              <a:solidFill>
+                <a:schemeClr val="tx1">
+                  <a:lumMod val="85000"/>
+                  <a:lumOff val="15000"/>
+                </a:schemeClr>
+              </a:solidFill>
+            </a:ln>
+          </p:spPr>
+          <p:style>
+            <a:lnRef idx="2">
+              <a:schemeClr val="accent1">
+                <a:shade val="50000"/>
+              </a:schemeClr>
+            </a:lnRef>
+            <a:fillRef idx="1">
+              <a:schemeClr val="accent1"/>
+            </a:fillRef>
+            <a:effectRef idx="0">
+              <a:schemeClr val="accent1"/>
+            </a:effectRef>
+            <a:fontRef idx="minor">
+              <a:schemeClr val="lt1"/>
+            </a:fontRef>
+          </p:style>
+          <p:txBody>
+            <a:bodyPr rtlCol="0" anchor="ctr"/>
+            <a:lstStyle/>
+            <a:p>
+              <a:pPr algn="ctr"/>
+              <a:endParaRPr lang="en-US"/>
+            </a:p>
+          </p:txBody>
+        </p:sp>
+        <p:sp>
+          <p:nvSpPr>
+            <p:cNvPr id="79" name="Freeform 78"/>
+            <p:cNvSpPr/>
+            <p:nvPr/>
+          </p:nvSpPr>
+          <p:spPr>
+            <a:xfrm rot="3412310">
+              <a:off x="9147456" y="3186495"/>
+              <a:ext cx="77762" cy="55122"/>
+            </a:xfrm>
+            <a:custGeom>
+              <a:avLst/>
+              <a:gdLst>
+                <a:gd name="connsiteX0" fmla="*/ 78489 w 698555"/>
+                <a:gd name="connsiteY0" fmla="*/ 82414 h 482709"/>
+                <a:gd name="connsiteX1" fmla="*/ 290410 w 698555"/>
+                <a:gd name="connsiteY1" fmla="*/ 0 h 482709"/>
+                <a:gd name="connsiteX2" fmla="*/ 620065 w 698555"/>
+                <a:gd name="connsiteY2" fmla="*/ 43169 h 482709"/>
+                <a:gd name="connsiteX3" fmla="*/ 698555 w 698555"/>
+                <a:gd name="connsiteY3" fmla="*/ 310032 h 482709"/>
+                <a:gd name="connsiteX4" fmla="*/ 510180 w 698555"/>
+                <a:gd name="connsiteY4" fmla="*/ 482709 h 482709"/>
+                <a:gd name="connsiteX5" fmla="*/ 0 w 698555"/>
+                <a:gd name="connsiteY5" fmla="*/ 353202 h 482709"/>
+                <a:gd name="connsiteX6" fmla="*/ 51018 w 698555"/>
+                <a:gd name="connsiteY6" fmla="*/ 306108 h 482709"/>
+                <a:gd name="connsiteX7" fmla="*/ 78489 w 698555"/>
+                <a:gd name="connsiteY7" fmla="*/ 82414 h 482709"/>
+                <a:gd name="connsiteX0" fmla="*/ 78489 w 698555"/>
+                <a:gd name="connsiteY0" fmla="*/ 82414 h 482709"/>
+                <a:gd name="connsiteX1" fmla="*/ 290410 w 698555"/>
+                <a:gd name="connsiteY1" fmla="*/ 0 h 482709"/>
+                <a:gd name="connsiteX2" fmla="*/ 620065 w 698555"/>
+                <a:gd name="connsiteY2" fmla="*/ 43169 h 482709"/>
+                <a:gd name="connsiteX3" fmla="*/ 698555 w 698555"/>
+                <a:gd name="connsiteY3" fmla="*/ 310032 h 482709"/>
+                <a:gd name="connsiteX4" fmla="*/ 510180 w 698555"/>
+                <a:gd name="connsiteY4" fmla="*/ 482709 h 482709"/>
+                <a:gd name="connsiteX5" fmla="*/ 0 w 698555"/>
+                <a:gd name="connsiteY5" fmla="*/ 353202 h 482709"/>
+                <a:gd name="connsiteX6" fmla="*/ 78489 w 698555"/>
+                <a:gd name="connsiteY6" fmla="*/ 82414 h 482709"/>
+                <a:gd name="connsiteX0" fmla="*/ 78489 w 698555"/>
+                <a:gd name="connsiteY0" fmla="*/ 39246 h 439541"/>
+                <a:gd name="connsiteX1" fmla="*/ 620065 w 698555"/>
+                <a:gd name="connsiteY1" fmla="*/ 1 h 439541"/>
+                <a:gd name="connsiteX2" fmla="*/ 698555 w 698555"/>
+                <a:gd name="connsiteY2" fmla="*/ 266864 h 439541"/>
+                <a:gd name="connsiteX3" fmla="*/ 510180 w 698555"/>
+                <a:gd name="connsiteY3" fmla="*/ 439541 h 439541"/>
+                <a:gd name="connsiteX4" fmla="*/ 0 w 698555"/>
+                <a:gd name="connsiteY4" fmla="*/ 310034 h 439541"/>
+                <a:gd name="connsiteX5" fmla="*/ 78489 w 698555"/>
+                <a:gd name="connsiteY5" fmla="*/ 39246 h 439541"/>
+                <a:gd name="connsiteX0" fmla="*/ 78489 w 620064"/>
+                <a:gd name="connsiteY0" fmla="*/ 39246 h 439541"/>
+                <a:gd name="connsiteX1" fmla="*/ 620065 w 620064"/>
+                <a:gd name="connsiteY1" fmla="*/ 1 h 439541"/>
+                <a:gd name="connsiteX2" fmla="*/ 510180 w 620064"/>
+                <a:gd name="connsiteY2" fmla="*/ 439541 h 439541"/>
+                <a:gd name="connsiteX3" fmla="*/ 0 w 620064"/>
+                <a:gd name="connsiteY3" fmla="*/ 310034 h 439541"/>
+                <a:gd name="connsiteX4" fmla="*/ 78489 w 620064"/>
+                <a:gd name="connsiteY4" fmla="*/ 39246 h 439541"/>
+              </a:gdLst>
+              <a:ahLst/>
+              <a:cxnLst>
+                <a:cxn ang="0">
+                  <a:pos x="connsiteX0" y="connsiteY0"/>
+                </a:cxn>
+                <a:cxn ang="0">
+                  <a:pos x="connsiteX1" y="connsiteY1"/>
+                </a:cxn>
+                <a:cxn ang="0">
+                  <a:pos x="connsiteX2" y="connsiteY2"/>
+                </a:cxn>
+                <a:cxn ang="0">
+                  <a:pos x="connsiteX3" y="connsiteY3"/>
+                </a:cxn>
+                <a:cxn ang="0">
+                  <a:pos x="connsiteX4" y="connsiteY4"/>
+                </a:cxn>
+              </a:cxnLst>
+              <a:rect l="l" t="t" r="r" b="b"/>
+              <a:pathLst>
+                <a:path w="620064" h="439541">
+                  <a:moveTo>
+                    <a:pt x="78489" y="39246"/>
+                  </a:moveTo>
+                  <a:lnTo>
+                    <a:pt x="620065" y="1"/>
+                  </a:lnTo>
+                  <a:lnTo>
+                    <a:pt x="510180" y="439541"/>
+                  </a:lnTo>
+                  <a:lnTo>
+                    <a:pt x="0" y="310034"/>
+                  </a:lnTo>
+                  <a:lnTo>
+                    <a:pt x="78489" y="39246"/>
+                  </a:lnTo>
+                  <a:close/>
+                </a:path>
+              </a:pathLst>
+            </a:custGeom>
+            <a:solidFill>
+              <a:schemeClr val="tx1">
+                <a:lumMod val="95000"/>
+                <a:lumOff val="5000"/>
+              </a:schemeClr>
+            </a:solidFill>
+            <a:ln w="28575">
+              <a:solidFill>
+                <a:schemeClr val="tx1">
+                  <a:lumMod val="85000"/>
+                  <a:lumOff val="15000"/>
+                </a:schemeClr>
+              </a:solidFill>
+            </a:ln>
+          </p:spPr>
+          <p:style>
+            <a:lnRef idx="2">
+              <a:schemeClr val="accent1">
+                <a:shade val="50000"/>
+              </a:schemeClr>
+            </a:lnRef>
+            <a:fillRef idx="1">
+              <a:schemeClr val="accent1"/>
+            </a:fillRef>
+            <a:effectRef idx="0">
+              <a:schemeClr val="accent1"/>
+            </a:effectRef>
+            <a:fontRef idx="minor">
+              <a:schemeClr val="lt1"/>
+            </a:fontRef>
+          </p:style>
+          <p:txBody>
+            <a:bodyPr rtlCol="0" anchor="ctr"/>
+            <a:lstStyle/>
+            <a:p>
+              <a:pPr algn="ctr"/>
+              <a:endParaRPr lang="en-US"/>
+            </a:p>
+          </p:txBody>
+        </p:sp>
+      </p:grpSp>
     </p:spTree>
     <p:extLst>
       <p:ext uri="{BB962C8B-B14F-4D97-AF65-F5344CB8AC3E}">

--- a/Industrial Revolution/Industrial Revolution - Image Files/Industrial Revolution - Image Initializer.pptx
+++ b/Industrial Revolution/Industrial Revolution - Image Files/Industrial Revolution - Image Initializer.pptx
@@ -6,6 +6,7 @@
   </p:sldMasterIdLst>
   <p:sldIdLst>
     <p:sldId id="256" r:id="rId2"/>
+    <p:sldId id="257" r:id="rId3"/>
   </p:sldIdLst>
   <p:sldSz cx="12192000" cy="6858000"/>
   <p:notesSz cx="6858000" cy="9144000"/>
@@ -9855,6 +9856,97 @@
 </p:sld>
 </file>
 
+<file path=ppt/slides/slide2.xml><?xml version="1.0" encoding="utf-8"?>
+<p:sld xmlns:a="http://schemas.openxmlformats.org/drawingml/2006/main" xmlns:r="http://schemas.openxmlformats.org/officeDocument/2006/relationships" xmlns:p="http://schemas.openxmlformats.org/presentationml/2006/main">
+  <p:cSld>
+    <p:spTree>
+      <p:nvGrpSpPr>
+        <p:cNvPr id="1" name=""/>
+        <p:cNvGrpSpPr/>
+        <p:nvPr/>
+      </p:nvGrpSpPr>
+      <p:grpSpPr>
+        <a:xfrm>
+          <a:off x="0" y="0"/>
+          <a:ext cx="0" cy="0"/>
+          <a:chOff x="0" y="0"/>
+          <a:chExt cx="0" cy="0"/>
+        </a:xfrm>
+      </p:grpSpPr>
+      <p:sp>
+        <p:nvSpPr>
+          <p:cNvPr id="4" name="TextBox 3"/>
+          <p:cNvSpPr txBox="1"/>
+          <p:nvPr/>
+        </p:nvSpPr>
+        <p:spPr>
+          <a:xfrm>
+            <a:off x="264160" y="233679"/>
+            <a:ext cx="1727200" cy="2308324"/>
+          </a:xfrm>
+          <a:prstGeom prst="rect">
+            <a:avLst/>
+          </a:prstGeom>
+          <a:noFill/>
+        </p:spPr>
+        <p:txBody>
+          <a:bodyPr wrap="square" rtlCol="0">
+            <a:spAutoFit/>
+          </a:bodyPr>
+          <a:lstStyle/>
+          <a:p>
+            <a:pPr marL="285750" indent="-285750">
+              <a:buFontTx/>
+              <a:buChar char="-"/>
+            </a:pPr>
+            <a:r>
+              <a:rPr lang="en-US" u="sng" dirty="0" smtClean="0">
+                <a:latin typeface="Comic Sans MS" panose="030F0702030302020204" pitchFamily="66" charset="0"/>
+              </a:rPr>
+              <a:t>Every week pay workers</a:t>
+            </a:r>
+          </a:p>
+          <a:p>
+            <a:pPr marL="285750" indent="-285750">
+              <a:buFontTx/>
+              <a:buChar char="-"/>
+            </a:pPr>
+            <a:r>
+              <a:rPr lang="en-US" u="sng" smtClean="0">
+                <a:latin typeface="Comic Sans MS" panose="030F0702030302020204" pitchFamily="66" charset="0"/>
+              </a:rPr>
+              <a:t>No pay = workers leave</a:t>
+            </a:r>
+          </a:p>
+          <a:p>
+            <a:pPr marL="285750" indent="-285750">
+              <a:buFontTx/>
+              <a:buChar char="-"/>
+            </a:pPr>
+            <a:endParaRPr lang="en-US" dirty="0" smtClean="0">
+              <a:latin typeface="Comic Sans MS" panose="030F0702030302020204" pitchFamily="66" charset="0"/>
+            </a:endParaRPr>
+          </a:p>
+          <a:p>
+            <a:endParaRPr lang="en-US" dirty="0">
+              <a:latin typeface="Comic Sans MS" panose="030F0702030302020204" pitchFamily="66" charset="0"/>
+            </a:endParaRPr>
+          </a:p>
+        </p:txBody>
+      </p:sp>
+    </p:spTree>
+    <p:extLst>
+      <p:ext uri="{BB962C8B-B14F-4D97-AF65-F5344CB8AC3E}">
+        <p14:creationId xmlns:p14="http://schemas.microsoft.com/office/powerpoint/2010/main" val="1148513084"/>
+      </p:ext>
+    </p:extLst>
+  </p:cSld>
+  <p:clrMapOvr>
+    <a:masterClrMapping/>
+  </p:clrMapOvr>
+</p:sld>
+</file>
+
 <file path=ppt/theme/theme1.xml><?xml version="1.0" encoding="utf-8"?>
 <a:theme xmlns:a="http://schemas.openxmlformats.org/drawingml/2006/main" name="Office Theme">
   <a:themeElements>
